--- a/siva-project.pptx
+++ b/siva-project.pptx
@@ -7,23 +7,26 @@
   </p:sldMasterIdLst>
   <p:sldIdLst>
     <p:sldId id="257" r:id="rId3"/>
-    <p:sldId id="272" r:id="rId4"/>
-    <p:sldId id="258" r:id="rId5"/>
-    <p:sldId id="273" r:id="rId6"/>
-    <p:sldId id="274" r:id="rId7"/>
+    <p:sldId id="282" r:id="rId4"/>
+    <p:sldId id="272" r:id="rId5"/>
+    <p:sldId id="258" r:id="rId6"/>
+    <p:sldId id="273" r:id="rId7"/>
     <p:sldId id="276" r:id="rId8"/>
     <p:sldId id="270" r:id="rId9"/>
     <p:sldId id="268" r:id="rId10"/>
     <p:sldId id="269" r:id="rId11"/>
-    <p:sldId id="261" r:id="rId12"/>
-    <p:sldId id="262" r:id="rId13"/>
-    <p:sldId id="263" r:id="rId14"/>
-    <p:sldId id="264" r:id="rId15"/>
-    <p:sldId id="265" r:id="rId16"/>
-    <p:sldId id="267" r:id="rId17"/>
-    <p:sldId id="266" r:id="rId18"/>
-    <p:sldId id="275" r:id="rId19"/>
-    <p:sldId id="279" r:id="rId20"/>
+    <p:sldId id="274" r:id="rId12"/>
+    <p:sldId id="261" r:id="rId13"/>
+    <p:sldId id="262" r:id="rId14"/>
+    <p:sldId id="263" r:id="rId15"/>
+    <p:sldId id="264" r:id="rId16"/>
+    <p:sldId id="265" r:id="rId17"/>
+    <p:sldId id="267" r:id="rId18"/>
+    <p:sldId id="266" r:id="rId19"/>
+    <p:sldId id="280" r:id="rId20"/>
+    <p:sldId id="281" r:id="rId21"/>
+    <p:sldId id="275" r:id="rId22"/>
+    <p:sldId id="279" r:id="rId23"/>
   </p:sldIdLst>
   <p:sldSz cx="12192000" cy="6858000"/>
   <p:notesSz cx="6858000" cy="9144000"/>
@@ -122,6 +125,11 @@
       </a:defRPr>
     </a:lvl9pPr>
   </p:defaultTextStyle>
+  <p:extLst>
+    <p:ext uri="{EFAFB233-063F-42B5-8137-9DF3F51BA10A}">
+      <p15:sldGuideLst xmlns:p15="http://schemas.microsoft.com/office/powerpoint/2012/main"/>
+    </p:ext>
+  </p:extLst>
 </p:presentation>
 </file>
 
@@ -298,7 +306,7 @@
           <a:p>
             <a:fld id="{1CBE3A0C-F91B-4CC6-B948-F886A1CA437F}" type="datetimeFigureOut">
               <a:rPr lang="en-US" smtClean="0"/>
-              <a:t>2/12/2021</a:t>
+              <a:t>2/15/2021</a:t>
             </a:fld>
             <a:endParaRPr lang="en-US"/>
           </a:p>
@@ -496,7 +504,7 @@
           <a:p>
             <a:fld id="{1CBE3A0C-F91B-4CC6-B948-F886A1CA437F}" type="datetimeFigureOut">
               <a:rPr lang="en-US" smtClean="0"/>
-              <a:t>2/12/2021</a:t>
+              <a:t>2/15/2021</a:t>
             </a:fld>
             <a:endParaRPr lang="en-US"/>
           </a:p>
@@ -704,7 +712,7 @@
           <a:p>
             <a:fld id="{1CBE3A0C-F91B-4CC6-B948-F886A1CA437F}" type="datetimeFigureOut">
               <a:rPr lang="en-US" smtClean="0"/>
-              <a:t>2/12/2021</a:t>
+              <a:t>2/15/2021</a:t>
             </a:fld>
             <a:endParaRPr lang="en-US"/>
           </a:p>
@@ -959,7 +967,7 @@
             <a:fld id="{C6772559-98BC-4C02-9394-94F300B62B6E}" type="datetimeFigureOut">
               <a:rPr lang="en-US" smtClean="0"/>
               <a:pPr/>
-              <a:t>2/12/2021</a:t>
+              <a:t>2/15/2021</a:t>
             </a:fld>
             <a:endParaRPr lang="en-IN"/>
           </a:p>
@@ -1131,7 +1139,7 @@
             <a:fld id="{C6772559-98BC-4C02-9394-94F300B62B6E}" type="datetimeFigureOut">
               <a:rPr lang="en-US" smtClean="0"/>
               <a:pPr/>
-              <a:t>2/12/2021</a:t>
+              <a:t>2/15/2021</a:t>
             </a:fld>
             <a:endParaRPr lang="en-IN"/>
           </a:p>
@@ -1379,7 +1387,7 @@
             <a:fld id="{C6772559-98BC-4C02-9394-94F300B62B6E}" type="datetimeFigureOut">
               <a:rPr lang="en-US" smtClean="0"/>
               <a:pPr/>
-              <a:t>2/12/2021</a:t>
+              <a:t>2/15/2021</a:t>
             </a:fld>
             <a:endParaRPr lang="en-IN"/>
           </a:p>
@@ -1669,7 +1677,7 @@
             <a:fld id="{C6772559-98BC-4C02-9394-94F300B62B6E}" type="datetimeFigureOut">
               <a:rPr lang="en-US" smtClean="0"/>
               <a:pPr/>
-              <a:t>2/12/2021</a:t>
+              <a:t>2/15/2021</a:t>
             </a:fld>
             <a:endParaRPr lang="en-IN"/>
           </a:p>
@@ -2093,7 +2101,7 @@
             <a:fld id="{C6772559-98BC-4C02-9394-94F300B62B6E}" type="datetimeFigureOut">
               <a:rPr lang="en-US" smtClean="0"/>
               <a:pPr/>
-              <a:t>2/12/2021</a:t>
+              <a:t>2/15/2021</a:t>
             </a:fld>
             <a:endParaRPr lang="en-IN"/>
           </a:p>
@@ -2213,7 +2221,7 @@
             <a:fld id="{C6772559-98BC-4C02-9394-94F300B62B6E}" type="datetimeFigureOut">
               <a:rPr lang="en-US" smtClean="0"/>
               <a:pPr/>
-              <a:t>2/12/2021</a:t>
+              <a:t>2/15/2021</a:t>
             </a:fld>
             <a:endParaRPr lang="en-IN"/>
           </a:p>
@@ -2310,7 +2318,7 @@
             <a:fld id="{C6772559-98BC-4C02-9394-94F300B62B6E}" type="datetimeFigureOut">
               <a:rPr lang="en-US" smtClean="0"/>
               <a:pPr/>
-              <a:t>2/12/2021</a:t>
+              <a:t>2/15/2021</a:t>
             </a:fld>
             <a:endParaRPr lang="en-IN"/>
           </a:p>
@@ -2589,7 +2597,7 @@
             <a:fld id="{C6772559-98BC-4C02-9394-94F300B62B6E}" type="datetimeFigureOut">
               <a:rPr lang="en-US" smtClean="0"/>
               <a:pPr/>
-              <a:t>2/12/2021</a:t>
+              <a:t>2/15/2021</a:t>
             </a:fld>
             <a:endParaRPr lang="en-IN"/>
           </a:p>
@@ -2776,7 +2784,7 @@
           <a:p>
             <a:fld id="{1CBE3A0C-F91B-4CC6-B948-F886A1CA437F}" type="datetimeFigureOut">
               <a:rPr lang="en-US" smtClean="0"/>
-              <a:t>2/12/2021</a:t>
+              <a:t>2/15/2021</a:t>
             </a:fld>
             <a:endParaRPr lang="en-US"/>
           </a:p>
@@ -3042,7 +3050,7 @@
             <a:fld id="{C6772559-98BC-4C02-9394-94F300B62B6E}" type="datetimeFigureOut">
               <a:rPr lang="en-US" smtClean="0"/>
               <a:pPr/>
-              <a:t>2/12/2021</a:t>
+              <a:t>2/15/2021</a:t>
             </a:fld>
             <a:endParaRPr lang="en-IN"/>
           </a:p>
@@ -3214,7 +3222,7 @@
             <a:fld id="{C6772559-98BC-4C02-9394-94F300B62B6E}" type="datetimeFigureOut">
               <a:rPr lang="en-US" smtClean="0"/>
               <a:pPr/>
-              <a:t>2/12/2021</a:t>
+              <a:t>2/15/2021</a:t>
             </a:fld>
             <a:endParaRPr lang="en-IN"/>
           </a:p>
@@ -3396,7 +3404,7 @@
             <a:fld id="{C6772559-98BC-4C02-9394-94F300B62B6E}" type="datetimeFigureOut">
               <a:rPr lang="en-US" smtClean="0"/>
               <a:pPr/>
-              <a:t>2/12/2021</a:t>
+              <a:t>2/15/2021</a:t>
             </a:fld>
             <a:endParaRPr lang="en-IN"/>
           </a:p>
@@ -3660,7 +3668,7 @@
           <a:p>
             <a:fld id="{1CBE3A0C-F91B-4CC6-B948-F886A1CA437F}" type="datetimeFigureOut">
               <a:rPr lang="en-US" smtClean="0"/>
-              <a:t>2/12/2021</a:t>
+              <a:t>2/15/2021</a:t>
             </a:fld>
             <a:endParaRPr lang="en-US"/>
           </a:p>
@@ -3925,7 +3933,7 @@
           <a:p>
             <a:fld id="{1CBE3A0C-F91B-4CC6-B948-F886A1CA437F}" type="datetimeFigureOut">
               <a:rPr lang="en-US" smtClean="0"/>
-              <a:t>2/12/2021</a:t>
+              <a:t>2/15/2021</a:t>
             </a:fld>
             <a:endParaRPr lang="en-US"/>
           </a:p>
@@ -4337,7 +4345,7 @@
           <a:p>
             <a:fld id="{1CBE3A0C-F91B-4CC6-B948-F886A1CA437F}" type="datetimeFigureOut">
               <a:rPr lang="en-US" smtClean="0"/>
-              <a:t>2/12/2021</a:t>
+              <a:t>2/15/2021</a:t>
             </a:fld>
             <a:endParaRPr lang="en-US"/>
           </a:p>
@@ -4478,7 +4486,7 @@
           <a:p>
             <a:fld id="{1CBE3A0C-F91B-4CC6-B948-F886A1CA437F}" type="datetimeFigureOut">
               <a:rPr lang="en-US" smtClean="0"/>
-              <a:t>2/12/2021</a:t>
+              <a:t>2/15/2021</a:t>
             </a:fld>
             <a:endParaRPr lang="en-US"/>
           </a:p>
@@ -4591,7 +4599,7 @@
           <a:p>
             <a:fld id="{1CBE3A0C-F91B-4CC6-B948-F886A1CA437F}" type="datetimeFigureOut">
               <a:rPr lang="en-US" smtClean="0"/>
-              <a:t>2/12/2021</a:t>
+              <a:t>2/15/2021</a:t>
             </a:fld>
             <a:endParaRPr lang="en-US"/>
           </a:p>
@@ -4902,7 +4910,7 @@
           <a:p>
             <a:fld id="{1CBE3A0C-F91B-4CC6-B948-F886A1CA437F}" type="datetimeFigureOut">
               <a:rPr lang="en-US" smtClean="0"/>
-              <a:t>2/12/2021</a:t>
+              <a:t>2/15/2021</a:t>
             </a:fld>
             <a:endParaRPr lang="en-US"/>
           </a:p>
@@ -5190,7 +5198,7 @@
           <a:p>
             <a:fld id="{1CBE3A0C-F91B-4CC6-B948-F886A1CA437F}" type="datetimeFigureOut">
               <a:rPr lang="en-US" smtClean="0"/>
-              <a:t>2/12/2021</a:t>
+              <a:t>2/15/2021</a:t>
             </a:fld>
             <a:endParaRPr lang="en-US"/>
           </a:p>
@@ -5431,7 +5439,7 @@
           <a:p>
             <a:fld id="{1CBE3A0C-F91B-4CC6-B948-F886A1CA437F}" type="datetimeFigureOut">
               <a:rPr lang="en-US" smtClean="0"/>
-              <a:t>2/12/2021</a:t>
+              <a:t>2/15/2021</a:t>
             </a:fld>
             <a:endParaRPr lang="en-US"/>
           </a:p>
@@ -5984,7 +5992,7 @@
             <a:fld id="{C6772559-98BC-4C02-9394-94F300B62B6E}" type="datetimeFigureOut">
               <a:rPr lang="en-US" smtClean="0"/>
               <a:pPr/>
-              <a:t>2/12/2021</a:t>
+              <a:t>2/15/2021</a:t>
             </a:fld>
             <a:endParaRPr lang="en-IN"/>
           </a:p>
@@ -6561,622 +6569,101 @@
       </p:grpSpPr>
       <p:sp>
         <p:nvSpPr>
-          <p:cNvPr id="6" name="TextBox 5">
-            <a:extLst>
-              <a:ext uri="{FF2B5EF4-FFF2-40B4-BE49-F238E27FC236}">
-                <a16:creationId xmlns:a16="http://schemas.microsoft.com/office/drawing/2014/main" id="{F0EC0A26-BCCA-4681-9A05-7D3013138AD5}"/>
-              </a:ext>
-            </a:extLst>
-          </p:cNvPr>
-          <p:cNvSpPr txBox="1"/>
-          <p:nvPr/>
-        </p:nvSpPr>
-        <p:spPr>
-          <a:xfrm>
-            <a:off x="990600" y="501650"/>
-            <a:ext cx="10210800" cy="479011"/>
-          </a:xfrm>
-          <a:prstGeom prst="rect">
-            <a:avLst/>
-          </a:prstGeom>
-        </p:spPr>
-        <p:txBody>
-          <a:bodyPr vert="horz" lIns="91440" tIns="45720" rIns="91440" bIns="45720" rtlCol="0" anchor="b">
-            <a:normAutofit fontScale="55000" lnSpcReduction="20000"/>
-          </a:bodyPr>
-          <a:lstStyle/>
-          <a:p>
-            <a:pPr algn="ctr">
-              <a:lnSpc>
-                <a:spcPct val="90000"/>
-              </a:lnSpc>
-              <a:spcBef>
-                <a:spcPct val="0"/>
-              </a:spcBef>
-              <a:spcAft>
-                <a:spcPts val="600"/>
-              </a:spcAft>
-            </a:pPr>
-            <a:r>
-              <a:rPr lang="en-US" sz="6000" b="1" dirty="0">
-                <a:latin typeface="+mj-lt"/>
-                <a:ea typeface="+mj-ea"/>
-                <a:cs typeface="+mj-cs"/>
-              </a:rPr>
-              <a:t>CI – CD PROCESS</a:t>
-            </a:r>
-          </a:p>
-        </p:txBody>
-      </p:sp>
-      <p:sp>
-        <p:nvSpPr>
-          <p:cNvPr id="145" name="Rectangle 144">
-            <a:extLst>
-              <a:ext uri="{FF2B5EF4-FFF2-40B4-BE49-F238E27FC236}">
-                <a16:creationId xmlns:a16="http://schemas.microsoft.com/office/drawing/2014/main" id="{1D49D6B2-8EAB-43EA-9B9C-26B868EFC575}"/>
-              </a:ext>
-              <a:ext uri="{C183D7F6-B498-43B3-948B-1728B52AA6E4}">
-                <adec:decorative xmlns:adec="http://schemas.microsoft.com/office/drawing/2017/decorative" val="1"/>
-              </a:ext>
-            </a:extLst>
-          </p:cNvPr>
-          <p:cNvSpPr>
-            <a:spLocks noGrp="1" noRot="1" noChangeAspect="1" noMove="1" noResize="1" noEditPoints="1" noAdjustHandles="1" noChangeArrowheads="1" noChangeShapeType="1" noTextEdit="1"/>
-          </p:cNvSpPr>
-          <p:nvPr>
-            <p:extLst>
-              <p:ext uri="{386F3935-93C4-4BCD-93E2-E3B085C9AB24}">
-                <p16:designElem xmlns:p16="http://schemas.microsoft.com/office/powerpoint/2015/main" val="1"/>
-              </p:ext>
-            </p:extLst>
-          </p:nvPr>
-        </p:nvSpPr>
-        <p:spPr>
-          <a:xfrm>
-            <a:off x="0" y="2440056"/>
-            <a:ext cx="12192000" cy="4417943"/>
-          </a:xfrm>
-          <a:prstGeom prst="rect">
-            <a:avLst/>
-          </a:prstGeom>
-          <a:solidFill>
-            <a:srgbClr val="66644A"/>
-          </a:solidFill>
-          <a:ln>
-            <a:noFill/>
-          </a:ln>
-        </p:spPr>
-        <p:style>
-          <a:lnRef idx="2">
-            <a:schemeClr val="accent1">
-              <a:shade val="50000"/>
-            </a:schemeClr>
-          </a:lnRef>
-          <a:fillRef idx="1">
-            <a:schemeClr val="accent1"/>
-          </a:fillRef>
-          <a:effectRef idx="0">
-            <a:schemeClr val="accent1"/>
-          </a:effectRef>
-          <a:fontRef idx="minor">
-            <a:schemeClr val="lt1"/>
-          </a:fontRef>
-        </p:style>
-        <p:txBody>
-          <a:bodyPr rtlCol="0" anchor="ctr"/>
-          <a:lstStyle/>
-          <a:p>
-            <a:pPr marL="0" marR="0" lvl="0" indent="0" algn="ctr" defTabSz="914400" rtl="0" eaLnBrk="1" fontAlgn="auto" latinLnBrk="0" hangingPunct="1">
-              <a:lnSpc>
-                <a:spcPct val="100000"/>
-              </a:lnSpc>
-              <a:spcBef>
-                <a:spcPts val="0"/>
-              </a:spcBef>
-              <a:spcAft>
-                <a:spcPts val="0"/>
-              </a:spcAft>
-              <a:buClrTx/>
-              <a:buSzTx/>
-              <a:buFontTx/>
-              <a:buNone/>
-              <a:tabLst/>
-              <a:defRPr/>
-            </a:pPr>
-            <a:endParaRPr kumimoji="0" lang="en-US" sz="1800" b="0" i="0" u="none" strike="noStrike" kern="1200" cap="none" spc="0" normalizeH="0" baseline="0" noProof="0">
-              <a:ln>
-                <a:noFill/>
-              </a:ln>
-              <a:solidFill>
-                <a:prstClr val="white"/>
-              </a:solidFill>
-              <a:effectLst/>
-              <a:uLnTx/>
-              <a:uFillTx/>
-              <a:latin typeface="Calibri" panose="020F0502020204030204"/>
-              <a:ea typeface="+mn-ea"/>
-              <a:cs typeface="+mn-cs"/>
-            </a:endParaRPr>
-          </a:p>
-        </p:txBody>
-      </p:sp>
-      <p:sp>
-        <p:nvSpPr>
-          <p:cNvPr id="147" name="Rounded Rectangle 26">
-            <a:extLst>
-              <a:ext uri="{FF2B5EF4-FFF2-40B4-BE49-F238E27FC236}">
-                <a16:creationId xmlns:a16="http://schemas.microsoft.com/office/drawing/2014/main" id="{9904A71C-A624-4C54-AD15-AA40B1AC0EA5}"/>
-              </a:ext>
-              <a:ext uri="{C183D7F6-B498-43B3-948B-1728B52AA6E4}">
-                <adec:decorative xmlns:adec="http://schemas.microsoft.com/office/drawing/2017/decorative" val="1"/>
-              </a:ext>
-            </a:extLst>
-          </p:cNvPr>
-          <p:cNvSpPr>
-            <a:spLocks noGrp="1" noRot="1" noChangeAspect="1" noMove="1" noResize="1" noEditPoints="1" noAdjustHandles="1" noChangeArrowheads="1" noChangeShapeType="1" noTextEdit="1"/>
-          </p:cNvSpPr>
-          <p:nvPr>
-            <p:extLst>
-              <p:ext uri="{386F3935-93C4-4BCD-93E2-E3B085C9AB24}">
-                <p16:designElem xmlns:p16="http://schemas.microsoft.com/office/powerpoint/2015/main" val="1"/>
-              </p:ext>
-            </p:extLst>
-          </p:nvPr>
-        </p:nvSpPr>
-        <p:spPr>
-          <a:xfrm>
-            <a:off x="321564" y="2822757"/>
-            <a:ext cx="11548872" cy="3444185"/>
-          </a:xfrm>
-          <a:prstGeom prst="roundRect">
-            <a:avLst>
-              <a:gd name="adj" fmla="val 0"/>
-            </a:avLst>
-          </a:prstGeom>
-          <a:solidFill>
-            <a:srgbClr val="FFFFFF"/>
-          </a:solidFill>
-          <a:ln w="9525">
-            <a:solidFill>
-              <a:srgbClr val="C8CACA"/>
-            </a:solidFill>
-          </a:ln>
-          <a:effectLst>
-            <a:outerShdw blurRad="57150" dist="19050" dir="5400000" algn="t" rotWithShape="0">
-              <a:prstClr val="black">
-                <a:alpha val="63000"/>
-              </a:prstClr>
-            </a:outerShdw>
-          </a:effectLst>
-        </p:spPr>
-        <p:style>
-          <a:lnRef idx="2">
-            <a:schemeClr val="accent1">
-              <a:shade val="50000"/>
-            </a:schemeClr>
-          </a:lnRef>
-          <a:fillRef idx="1">
-            <a:schemeClr val="accent1"/>
-          </a:fillRef>
-          <a:effectRef idx="0">
-            <a:schemeClr val="accent1"/>
-          </a:effectRef>
-          <a:fontRef idx="minor">
-            <a:schemeClr val="lt1"/>
-          </a:fontRef>
-        </p:style>
-        <p:txBody>
-          <a:bodyPr rtlCol="0" anchor="ctr"/>
-          <a:lstStyle/>
-          <a:p>
-            <a:pPr marL="0" marR="0" lvl="0" indent="0" algn="ctr" defTabSz="914400" rtl="0" eaLnBrk="1" fontAlgn="auto" latinLnBrk="0" hangingPunct="1">
-              <a:lnSpc>
-                <a:spcPct val="100000"/>
-              </a:lnSpc>
-              <a:spcBef>
-                <a:spcPts val="0"/>
-              </a:spcBef>
-              <a:spcAft>
-                <a:spcPts val="0"/>
-              </a:spcAft>
-              <a:buClrTx/>
-              <a:buSzTx/>
-              <a:buFontTx/>
-              <a:buNone/>
-              <a:tabLst/>
-              <a:defRPr/>
-            </a:pPr>
-            <a:endParaRPr kumimoji="0" lang="en-US" sz="1800" b="0" i="0" u="none" strike="noStrike" kern="1200" cap="none" spc="0" normalizeH="0" baseline="0" noProof="0">
-              <a:ln>
-                <a:noFill/>
-              </a:ln>
-              <a:solidFill>
-                <a:prstClr val="white"/>
-              </a:solidFill>
-              <a:effectLst/>
-              <a:uLnTx/>
-              <a:uFillTx/>
-              <a:latin typeface="Calibri" panose="020F0502020204030204"/>
-              <a:ea typeface="+mn-ea"/>
-              <a:cs typeface="+mn-cs"/>
-            </a:endParaRPr>
-          </a:p>
-        </p:txBody>
-      </p:sp>
-      <p:pic>
-        <p:nvPicPr>
-          <p:cNvPr id="1030" name="Picture 6" descr="Nexus Repository Manager - Sonatype - Products - Infosecurity Europe">
-            <a:extLst>
-              <a:ext uri="{FF2B5EF4-FFF2-40B4-BE49-F238E27FC236}">
-                <a16:creationId xmlns:a16="http://schemas.microsoft.com/office/drawing/2014/main" id="{6CB8188D-5AA9-4685-BB19-9AAF1DEDE3BB}"/>
-              </a:ext>
-            </a:extLst>
-          </p:cNvPr>
-          <p:cNvPicPr>
-            <a:picLocks noChangeAspect="1" noChangeArrowheads="1"/>
-          </p:cNvPicPr>
-          <p:nvPr/>
-        </p:nvPicPr>
-        <p:blipFill>
-          <a:blip r:embed="rId2">
-            <a:extLst>
-              <a:ext uri="{28A0092B-C50C-407E-A947-70E740481C1C}">
-                <a14:useLocalDpi xmlns:a14="http://schemas.microsoft.com/office/drawing/2010/main" val="0"/>
-              </a:ext>
-            </a:extLst>
-          </a:blip>
-          <a:stretch>
-            <a:fillRect/>
-          </a:stretch>
-        </p:blipFill>
-        <p:spPr bwMode="auto">
-          <a:xfrm>
-            <a:off x="6229032" y="3660547"/>
-            <a:ext cx="2526114" cy="1976959"/>
-          </a:xfrm>
-          <a:prstGeom prst="rect">
-            <a:avLst/>
-          </a:prstGeom>
-          <a:noFill/>
-          <a:extLst>
-            <a:ext uri="{909E8E84-426E-40DD-AFC4-6F175D3DCCD1}">
-              <a14:hiddenFill xmlns:a14="http://schemas.microsoft.com/office/drawing/2010/main">
-                <a:solidFill>
-                  <a:srgbClr val="FFFFFF"/>
-                </a:solidFill>
-              </a14:hiddenFill>
-            </a:ext>
-          </a:extLst>
-        </p:spPr>
-      </p:pic>
-      <p:pic>
-        <p:nvPicPr>
-          <p:cNvPr id="1036" name="Picture 12" descr="How to Install Tomcat on Linux CentOS/Redhar 7.x - FoxuTech">
-            <a:extLst>
-              <a:ext uri="{FF2B5EF4-FFF2-40B4-BE49-F238E27FC236}">
-                <a16:creationId xmlns:a16="http://schemas.microsoft.com/office/drawing/2014/main" id="{4265DEC8-3364-4CEB-9049-64ABE9C33442}"/>
-              </a:ext>
-            </a:extLst>
-          </p:cNvPr>
-          <p:cNvPicPr>
-            <a:picLocks noChangeAspect="1" noChangeArrowheads="1"/>
-          </p:cNvPicPr>
-          <p:nvPr/>
-        </p:nvPicPr>
-        <p:blipFill>
-          <a:blip r:embed="rId3">
-            <a:extLst>
-              <a:ext uri="{28A0092B-C50C-407E-A947-70E740481C1C}">
-                <a14:useLocalDpi xmlns:a14="http://schemas.microsoft.com/office/drawing/2010/main" val="0"/>
-              </a:ext>
-            </a:extLst>
-          </a:blip>
-          <a:stretch>
-            <a:fillRect/>
-          </a:stretch>
-        </p:blipFill>
-        <p:spPr bwMode="auto">
-          <a:xfrm>
-            <a:off x="9024280" y="3686877"/>
-            <a:ext cx="2526115" cy="1736704"/>
-          </a:xfrm>
-          <a:prstGeom prst="rect">
-            <a:avLst/>
-          </a:prstGeom>
-          <a:noFill/>
-          <a:extLst>
-            <a:ext uri="{909E8E84-426E-40DD-AFC4-6F175D3DCCD1}">
-              <a14:hiddenFill xmlns:a14="http://schemas.microsoft.com/office/drawing/2010/main">
-                <a:solidFill>
-                  <a:srgbClr val="FFFFFF"/>
-                </a:solidFill>
-              </a14:hiddenFill>
-            </a:ext>
-          </a:extLst>
-        </p:spPr>
-      </p:pic>
-      <p:pic>
-        <p:nvPicPr>
-          <p:cNvPr id="1028" name="Picture 4" descr="Java: Get Started with Apache Maven | by remko de knikker | NYC⚡️DEV |  Medium">
-            <a:extLst>
-              <a:ext uri="{FF2B5EF4-FFF2-40B4-BE49-F238E27FC236}">
-                <a16:creationId xmlns:a16="http://schemas.microsoft.com/office/drawing/2014/main" id="{0964199F-2F67-4717-8709-15A588982B72}"/>
-              </a:ext>
-            </a:extLst>
-          </p:cNvPr>
-          <p:cNvPicPr>
-            <a:picLocks noChangeAspect="1" noChangeArrowheads="1"/>
-          </p:cNvPicPr>
-          <p:nvPr/>
-        </p:nvPicPr>
-        <p:blipFill>
-          <a:blip r:embed="rId4">
-            <a:extLst>
-              <a:ext uri="{28A0092B-C50C-407E-A947-70E740481C1C}">
-                <a14:useLocalDpi xmlns:a14="http://schemas.microsoft.com/office/drawing/2010/main" val="0"/>
-              </a:ext>
-            </a:extLst>
-          </a:blip>
-          <a:stretch>
-            <a:fillRect/>
-          </a:stretch>
-        </p:blipFill>
-        <p:spPr bwMode="auto">
-          <a:xfrm>
-            <a:off x="3275989" y="3912155"/>
-            <a:ext cx="2686981" cy="1511426"/>
-          </a:xfrm>
-          <a:prstGeom prst="rect">
-            <a:avLst/>
-          </a:prstGeom>
-          <a:noFill/>
-          <a:extLst>
-            <a:ext uri="{909E8E84-426E-40DD-AFC4-6F175D3DCCD1}">
-              <a14:hiddenFill xmlns:a14="http://schemas.microsoft.com/office/drawing/2010/main">
-                <a:solidFill>
-                  <a:srgbClr val="FFFFFF"/>
-                </a:solidFill>
-              </a14:hiddenFill>
-            </a:ext>
-          </a:extLst>
-        </p:spPr>
-      </p:pic>
-      <p:sp>
-        <p:nvSpPr>
-          <p:cNvPr id="9" name="Arrow: Right 8">
-            <a:extLst>
-              <a:ext uri="{FF2B5EF4-FFF2-40B4-BE49-F238E27FC236}">
-                <a16:creationId xmlns:a16="http://schemas.microsoft.com/office/drawing/2014/main" id="{CA4C96DB-7D5D-42E1-A47D-9871A8E97B3E}"/>
-              </a:ext>
-            </a:extLst>
-          </p:cNvPr>
-          <p:cNvSpPr/>
-          <p:nvPr/>
-        </p:nvSpPr>
-        <p:spPr>
-          <a:xfrm>
-            <a:off x="2462768" y="2993857"/>
-            <a:ext cx="978408" cy="484632"/>
-          </a:xfrm>
-          <a:prstGeom prst="rightArrow">
-            <a:avLst/>
-          </a:prstGeom>
-        </p:spPr>
-        <p:style>
-          <a:lnRef idx="2">
-            <a:schemeClr val="accent1">
-              <a:shade val="50000"/>
-            </a:schemeClr>
-          </a:lnRef>
-          <a:fillRef idx="1">
-            <a:schemeClr val="accent1"/>
-          </a:fillRef>
-          <a:effectRef idx="0">
-            <a:schemeClr val="accent1"/>
-          </a:effectRef>
-          <a:fontRef idx="minor">
-            <a:schemeClr val="lt1"/>
-          </a:fontRef>
-        </p:style>
-        <p:txBody>
-          <a:bodyPr rtlCol="0" anchor="ctr"/>
-          <a:lstStyle/>
-          <a:p>
-            <a:pPr algn="ctr"/>
-            <a:endParaRPr lang="en-US"/>
-          </a:p>
-        </p:txBody>
-      </p:sp>
-      <p:sp>
-        <p:nvSpPr>
-          <p:cNvPr id="20" name="Arrow: Right 19">
-            <a:extLst>
-              <a:ext uri="{FF2B5EF4-FFF2-40B4-BE49-F238E27FC236}">
-                <a16:creationId xmlns:a16="http://schemas.microsoft.com/office/drawing/2014/main" id="{F7ED268B-D833-4B09-AEF7-4E612C52078C}"/>
-              </a:ext>
-            </a:extLst>
-          </p:cNvPr>
-          <p:cNvSpPr/>
-          <p:nvPr/>
-        </p:nvSpPr>
-        <p:spPr>
-          <a:xfrm>
-            <a:off x="5962970" y="2993857"/>
-            <a:ext cx="978408" cy="484632"/>
-          </a:xfrm>
-          <a:prstGeom prst="rightArrow">
-            <a:avLst/>
-          </a:prstGeom>
-        </p:spPr>
-        <p:style>
-          <a:lnRef idx="2">
-            <a:schemeClr val="accent1">
-              <a:shade val="50000"/>
-            </a:schemeClr>
-          </a:lnRef>
-          <a:fillRef idx="1">
-            <a:schemeClr val="accent1"/>
-          </a:fillRef>
-          <a:effectRef idx="0">
-            <a:schemeClr val="accent1"/>
-          </a:effectRef>
-          <a:fontRef idx="minor">
-            <a:schemeClr val="lt1"/>
-          </a:fontRef>
-        </p:style>
-        <p:txBody>
-          <a:bodyPr rtlCol="0" anchor="ctr"/>
-          <a:lstStyle/>
-          <a:p>
-            <a:pPr algn="ctr"/>
-            <a:endParaRPr lang="en-US"/>
-          </a:p>
-        </p:txBody>
-      </p:sp>
-      <p:sp>
-        <p:nvSpPr>
-          <p:cNvPr id="21" name="Arrow: Right 20">
-            <a:extLst>
-              <a:ext uri="{FF2B5EF4-FFF2-40B4-BE49-F238E27FC236}">
-                <a16:creationId xmlns:a16="http://schemas.microsoft.com/office/drawing/2014/main" id="{6C88E754-CDE7-43E9-91C6-B9343F9D3CD1}"/>
-              </a:ext>
-            </a:extLst>
-          </p:cNvPr>
-          <p:cNvSpPr/>
-          <p:nvPr/>
-        </p:nvSpPr>
-        <p:spPr>
-          <a:xfrm>
-            <a:off x="8657033" y="2982199"/>
-            <a:ext cx="978408" cy="484632"/>
-          </a:xfrm>
-          <a:prstGeom prst="rightArrow">
-            <a:avLst/>
-          </a:prstGeom>
-        </p:spPr>
-        <p:style>
-          <a:lnRef idx="2">
-            <a:schemeClr val="accent1">
-              <a:shade val="50000"/>
-            </a:schemeClr>
-          </a:lnRef>
-          <a:fillRef idx="1">
-            <a:schemeClr val="accent1"/>
-          </a:fillRef>
-          <a:effectRef idx="0">
-            <a:schemeClr val="accent1"/>
-          </a:effectRef>
-          <a:fontRef idx="minor">
-            <a:schemeClr val="lt1"/>
-          </a:fontRef>
-        </p:style>
-        <p:txBody>
-          <a:bodyPr rtlCol="0" anchor="ctr"/>
-          <a:lstStyle/>
-          <a:p>
-            <a:pPr algn="ctr"/>
-            <a:endParaRPr lang="en-US"/>
-          </a:p>
-        </p:txBody>
-      </p:sp>
-      <p:pic>
-        <p:nvPicPr>
-          <p:cNvPr id="2" name="Picture 2" descr="Image for post">
-            <a:extLst>
-              <a:ext uri="{FF2B5EF4-FFF2-40B4-BE49-F238E27FC236}">
-                <a16:creationId xmlns:a16="http://schemas.microsoft.com/office/drawing/2014/main" id="{9FB22CE0-A537-49BB-BE59-C4CCE645A286}"/>
-              </a:ext>
-            </a:extLst>
-          </p:cNvPr>
-          <p:cNvPicPr>
-            <a:picLocks noChangeAspect="1" noChangeArrowheads="1"/>
-          </p:cNvPicPr>
-          <p:nvPr/>
-        </p:nvPicPr>
-        <p:blipFill>
-          <a:blip r:embed="rId5">
-            <a:extLst>
-              <a:ext uri="{28A0092B-C50C-407E-A947-70E740481C1C}">
-                <a14:useLocalDpi xmlns:a14="http://schemas.microsoft.com/office/drawing/2010/main" val="0"/>
-              </a:ext>
-            </a:extLst>
-          </a:blip>
-          <a:srcRect/>
-          <a:stretch>
-            <a:fillRect/>
-          </a:stretch>
-        </p:blipFill>
-        <p:spPr bwMode="auto">
-          <a:xfrm>
-            <a:off x="297062" y="3466831"/>
-            <a:ext cx="3144114" cy="1736041"/>
-          </a:xfrm>
-          <a:prstGeom prst="rect">
-            <a:avLst/>
-          </a:prstGeom>
-          <a:noFill/>
-          <a:extLst>
-            <a:ext uri="{909E8E84-426E-40DD-AFC4-6F175D3DCCD1}">
-              <a14:hiddenFill xmlns:a14="http://schemas.microsoft.com/office/drawing/2010/main">
-                <a:solidFill>
-                  <a:srgbClr val="FFFFFF"/>
-                </a:solidFill>
-              </a14:hiddenFill>
-            </a:ext>
-          </a:extLst>
-        </p:spPr>
-      </p:pic>
-      <p:pic>
-        <p:nvPicPr>
-          <p:cNvPr id="3" name="Picture 4" descr="Logo Jenkins">
-            <a:extLst>
-              <a:ext uri="{FF2B5EF4-FFF2-40B4-BE49-F238E27FC236}">
-                <a16:creationId xmlns:a16="http://schemas.microsoft.com/office/drawing/2014/main" id="{60414DA8-2F0E-4633-BB6C-7BDA8EE4AC32}"/>
-              </a:ext>
-            </a:extLst>
-          </p:cNvPr>
-          <p:cNvPicPr>
-            <a:picLocks noChangeAspect="1" noChangeArrowheads="1"/>
-          </p:cNvPicPr>
-          <p:nvPr/>
-        </p:nvPicPr>
-        <p:blipFill>
-          <a:blip r:embed="rId6">
-            <a:extLst>
-              <a:ext uri="{28A0092B-C50C-407E-A947-70E740481C1C}">
-                <a14:useLocalDpi xmlns:a14="http://schemas.microsoft.com/office/drawing/2010/main" val="0"/>
-              </a:ext>
-            </a:extLst>
-          </a:blip>
-          <a:srcRect/>
-          <a:stretch>
-            <a:fillRect/>
-          </a:stretch>
-        </p:blipFill>
-        <p:spPr bwMode="auto">
-          <a:xfrm>
-            <a:off x="3238500" y="980661"/>
-            <a:ext cx="5715000" cy="1840169"/>
-          </a:xfrm>
-          <a:prstGeom prst="rect">
-            <a:avLst/>
-          </a:prstGeom>
-          <a:noFill/>
-          <a:extLst>
-            <a:ext uri="{909E8E84-426E-40DD-AFC4-6F175D3DCCD1}">
-              <a14:hiddenFill xmlns:a14="http://schemas.microsoft.com/office/drawing/2010/main">
-                <a:solidFill>
-                  <a:srgbClr val="FFFFFF"/>
-                </a:solidFill>
-              </a14:hiddenFill>
-            </a:ext>
-          </a:extLst>
-        </p:spPr>
-      </p:pic>
+          <p:cNvPr id="2" name="Title 1">
+            <a:extLst>
+              <a:ext uri="{FF2B5EF4-FFF2-40B4-BE49-F238E27FC236}">
+                <a16:creationId xmlns:a16="http://schemas.microsoft.com/office/drawing/2014/main" id="{EDDE57FC-D268-4B59-8A09-E3F54498288A}"/>
+              </a:ext>
+            </a:extLst>
+          </p:cNvPr>
+          <p:cNvSpPr>
+            <a:spLocks noGrp="1"/>
+          </p:cNvSpPr>
+          <p:nvPr>
+            <p:ph type="title"/>
+          </p:nvPr>
+        </p:nvSpPr>
+        <p:spPr/>
+        <p:txBody>
+          <a:bodyPr/>
+          <a:lstStyle/>
+          <a:p>
+            <a:r>
+              <a:rPr lang="en-US" dirty="0"/>
+              <a:t>Tools Used</a:t>
+            </a:r>
+          </a:p>
+        </p:txBody>
+      </p:sp>
+      <p:sp>
+        <p:nvSpPr>
+          <p:cNvPr id="3" name="Content Placeholder 2">
+            <a:extLst>
+              <a:ext uri="{FF2B5EF4-FFF2-40B4-BE49-F238E27FC236}">
+                <a16:creationId xmlns:a16="http://schemas.microsoft.com/office/drawing/2014/main" id="{FD66ECE9-792C-4F55-9BA9-F68CC8E327DB}"/>
+              </a:ext>
+            </a:extLst>
+          </p:cNvPr>
+          <p:cNvSpPr>
+            <a:spLocks noGrp="1"/>
+          </p:cNvSpPr>
+          <p:nvPr>
+            <p:ph idx="1"/>
+          </p:nvPr>
+        </p:nvSpPr>
+        <p:spPr/>
+        <p:txBody>
+          <a:bodyPr/>
+          <a:lstStyle/>
+          <a:p>
+            <a:r>
+              <a:rPr lang="en-US" dirty="0"/>
+              <a:t>GitHub</a:t>
+            </a:r>
+          </a:p>
+          <a:p>
+            <a:r>
+              <a:rPr lang="en-US" dirty="0"/>
+              <a:t>Maven</a:t>
+            </a:r>
+          </a:p>
+          <a:p>
+            <a:r>
+              <a:rPr lang="en-US" dirty="0"/>
+              <a:t>Jenkins</a:t>
+            </a:r>
+          </a:p>
+          <a:p>
+            <a:r>
+              <a:rPr lang="en-US" dirty="0"/>
+              <a:t>Nexus</a:t>
+            </a:r>
+          </a:p>
+          <a:p>
+            <a:r>
+              <a:rPr lang="en-US" dirty="0"/>
+              <a:t>Apache Tomcat server</a:t>
+            </a:r>
+          </a:p>
+          <a:p>
+            <a:r>
+              <a:rPr lang="en-US" dirty="0"/>
+              <a:t>Apache Web Server</a:t>
+            </a:r>
+          </a:p>
+          <a:p>
+            <a:r>
+              <a:rPr lang="en-US" dirty="0" err="1"/>
+              <a:t>Mariadb</a:t>
+            </a:r>
+            <a:endParaRPr lang="en-US" dirty="0"/>
+          </a:p>
+        </p:txBody>
+      </p:sp>
     </p:spTree>
     <p:extLst>
       <p:ext uri="{BB962C8B-B14F-4D97-AF65-F5344CB8AC3E}">
-        <p14:creationId xmlns:p14="http://schemas.microsoft.com/office/powerpoint/2010/main" val="317266137"/>
+        <p14:creationId xmlns:p14="http://schemas.microsoft.com/office/powerpoint/2010/main" val="4072300721"/>
       </p:ext>
     </p:extLst>
   </p:cSld>
@@ -7205,10 +6692,59 @@
       </p:grpSpPr>
       <p:sp>
         <p:nvSpPr>
-          <p:cNvPr id="10" name="Rectangle 9">
-            <a:extLst>
-              <a:ext uri="{FF2B5EF4-FFF2-40B4-BE49-F238E27FC236}">
-                <a16:creationId xmlns:a16="http://schemas.microsoft.com/office/drawing/2014/main" id="{B34F5AD2-EDBD-4BBD-A55C-EAFFD0C7097A}"/>
+          <p:cNvPr id="6" name="TextBox 5">
+            <a:extLst>
+              <a:ext uri="{FF2B5EF4-FFF2-40B4-BE49-F238E27FC236}">
+                <a16:creationId xmlns:a16="http://schemas.microsoft.com/office/drawing/2014/main" id="{F0EC0A26-BCCA-4681-9A05-7D3013138AD5}"/>
+              </a:ext>
+            </a:extLst>
+          </p:cNvPr>
+          <p:cNvSpPr txBox="1"/>
+          <p:nvPr/>
+        </p:nvSpPr>
+        <p:spPr>
+          <a:xfrm>
+            <a:off x="990600" y="501650"/>
+            <a:ext cx="10210800" cy="479011"/>
+          </a:xfrm>
+          <a:prstGeom prst="rect">
+            <a:avLst/>
+          </a:prstGeom>
+        </p:spPr>
+        <p:txBody>
+          <a:bodyPr vert="horz" lIns="91440" tIns="45720" rIns="91440" bIns="45720" rtlCol="0" anchor="b">
+            <a:normAutofit fontScale="55000" lnSpcReduction="20000"/>
+          </a:bodyPr>
+          <a:lstStyle/>
+          <a:p>
+            <a:pPr algn="ctr">
+              <a:lnSpc>
+                <a:spcPct val="90000"/>
+              </a:lnSpc>
+              <a:spcBef>
+                <a:spcPct val="0"/>
+              </a:spcBef>
+              <a:spcAft>
+                <a:spcPts val="600"/>
+              </a:spcAft>
+            </a:pPr>
+            <a:r>
+              <a:rPr lang="en-US" sz="6000" b="1" dirty="0">
+                <a:latin typeface="+mj-lt"/>
+                <a:ea typeface="+mj-ea"/>
+                <a:cs typeface="+mj-cs"/>
+              </a:rPr>
+              <a:t>CI – CD PROCESS</a:t>
+            </a:r>
+          </a:p>
+        </p:txBody>
+      </p:sp>
+      <p:sp>
+        <p:nvSpPr>
+          <p:cNvPr id="145" name="Rectangle 144">
+            <a:extLst>
+              <a:ext uri="{FF2B5EF4-FFF2-40B4-BE49-F238E27FC236}">
+                <a16:creationId xmlns:a16="http://schemas.microsoft.com/office/drawing/2014/main" id="{1D49D6B2-8EAB-43EA-9B9C-26B868EFC575}"/>
               </a:ext>
               <a:ext uri="{C183D7F6-B498-43B3-948B-1728B52AA6E4}">
                 <adec:decorative xmlns:adec="http://schemas.microsoft.com/office/drawing/2017/decorative" val="1"/>
@@ -7228,16 +6764,14 @@
         </p:nvSpPr>
         <p:spPr>
           <a:xfrm>
-            <a:off x="6091191" y="0"/>
-            <a:ext cx="6100799" cy="6858001"/>
+            <a:off x="0" y="2440056"/>
+            <a:ext cx="12192000" cy="4417943"/>
           </a:xfrm>
           <a:prstGeom prst="rect">
             <a:avLst/>
           </a:prstGeom>
           <a:solidFill>
-            <a:schemeClr val="bg1">
-              <a:lumMod val="95000"/>
-            </a:schemeClr>
+            <a:srgbClr val="66644A"/>
           </a:solidFill>
           <a:ln>
             <a:noFill/>
@@ -7263,17 +6797,46 @@
           <a:bodyPr rtlCol="0" anchor="ctr"/>
           <a:lstStyle/>
           <a:p>
-            <a:pPr algn="ctr"/>
-            <a:endParaRPr lang="en-US"/>
-          </a:p>
-        </p:txBody>
-      </p:sp>
-      <p:sp>
-        <p:nvSpPr>
-          <p:cNvPr id="12" name="Rectangle 11">
-            <a:extLst>
-              <a:ext uri="{FF2B5EF4-FFF2-40B4-BE49-F238E27FC236}">
-                <a16:creationId xmlns:a16="http://schemas.microsoft.com/office/drawing/2014/main" id="{C3896A03-3945-419A-B66B-4EE266EDD152}"/>
+            <a:pPr marL="0" marR="0" lvl="0" indent="0" algn="ctr" defTabSz="914400" rtl="0" eaLnBrk="1" fontAlgn="auto" latinLnBrk="0" hangingPunct="1">
+              <a:lnSpc>
+                <a:spcPct val="100000"/>
+              </a:lnSpc>
+              <a:spcBef>
+                <a:spcPts val="0"/>
+              </a:spcBef>
+              <a:spcAft>
+                <a:spcPts val="0"/>
+              </a:spcAft>
+              <a:buClrTx/>
+              <a:buSzTx/>
+              <a:buFontTx/>
+              <a:buNone/>
+              <a:tabLst/>
+              <a:defRPr/>
+            </a:pPr>
+            <a:endParaRPr kumimoji="0" lang="en-US" sz="1800" b="0" i="0" u="none" strike="noStrike" kern="1200" cap="none" spc="0" normalizeH="0" baseline="0" noProof="0">
+              <a:ln>
+                <a:noFill/>
+              </a:ln>
+              <a:solidFill>
+                <a:prstClr val="white"/>
+              </a:solidFill>
+              <a:effectLst/>
+              <a:uLnTx/>
+              <a:uFillTx/>
+              <a:latin typeface="Calibri" panose="020F0502020204030204"/>
+              <a:ea typeface="+mn-ea"/>
+              <a:cs typeface="+mn-cs"/>
+            </a:endParaRPr>
+          </a:p>
+        </p:txBody>
+      </p:sp>
+      <p:sp>
+        <p:nvSpPr>
+          <p:cNvPr id="147" name="Rounded Rectangle 26">
+            <a:extLst>
+              <a:ext uri="{FF2B5EF4-FFF2-40B4-BE49-F238E27FC236}">
+                <a16:creationId xmlns:a16="http://schemas.microsoft.com/office/drawing/2014/main" id="{9904A71C-A624-4C54-AD15-AA40B1AC0EA5}"/>
               </a:ext>
               <a:ext uri="{C183D7F6-B498-43B3-948B-1728B52AA6E4}">
                 <adec:decorative xmlns:adec="http://schemas.microsoft.com/office/drawing/2017/decorative" val="1"/>
@@ -7293,21 +6856,29 @@
         </p:nvSpPr>
         <p:spPr>
           <a:xfrm>
-            <a:off x="10" y="0"/>
-            <a:ext cx="6099048" cy="6858001"/>
-          </a:xfrm>
-          <a:prstGeom prst="rect">
-            <a:avLst/>
+            <a:off x="321564" y="2822757"/>
+            <a:ext cx="11548872" cy="3444185"/>
+          </a:xfrm>
+          <a:prstGeom prst="roundRect">
+            <a:avLst>
+              <a:gd name="adj" fmla="val 0"/>
+            </a:avLst>
           </a:prstGeom>
           <a:solidFill>
-            <a:schemeClr val="tx1">
-              <a:lumMod val="85000"/>
-              <a:lumOff val="15000"/>
-            </a:schemeClr>
+            <a:srgbClr val="FFFFFF"/>
           </a:solidFill>
-          <a:ln>
-            <a:noFill/>
+          <a:ln w="9525">
+            <a:solidFill>
+              <a:srgbClr val="C8CACA"/>
+            </a:solidFill>
           </a:ln>
+          <a:effectLst>
+            <a:outerShdw blurRad="57150" dist="19050" dir="5400000" algn="t" rotWithShape="0">
+              <a:prstClr val="black">
+                <a:alpha val="63000"/>
+              </a:prstClr>
+            </a:outerShdw>
+          </a:effectLst>
         </p:spPr>
         <p:style>
           <a:lnRef idx="2">
@@ -7329,119 +6900,198 @@
           <a:bodyPr rtlCol="0" anchor="ctr"/>
           <a:lstStyle/>
           <a:p>
-            <a:pPr algn="ctr"/>
-            <a:endParaRPr lang="en-US"/>
-          </a:p>
-        </p:txBody>
-      </p:sp>
-      <p:sp>
-        <p:nvSpPr>
-          <p:cNvPr id="5" name="TextBox 4">
-            <a:extLst>
-              <a:ext uri="{FF2B5EF4-FFF2-40B4-BE49-F238E27FC236}">
-                <a16:creationId xmlns:a16="http://schemas.microsoft.com/office/drawing/2014/main" id="{2AC9197D-0DBA-49D1-A8AA-CA220CD82F39}"/>
-              </a:ext>
-            </a:extLst>
-          </p:cNvPr>
-          <p:cNvSpPr txBox="1"/>
+            <a:pPr marL="0" marR="0" lvl="0" indent="0" algn="ctr" defTabSz="914400" rtl="0" eaLnBrk="1" fontAlgn="auto" latinLnBrk="0" hangingPunct="1">
+              <a:lnSpc>
+                <a:spcPct val="100000"/>
+              </a:lnSpc>
+              <a:spcBef>
+                <a:spcPts val="0"/>
+              </a:spcBef>
+              <a:spcAft>
+                <a:spcPts val="0"/>
+              </a:spcAft>
+              <a:buClrTx/>
+              <a:buSzTx/>
+              <a:buFontTx/>
+              <a:buNone/>
+              <a:tabLst/>
+              <a:defRPr/>
+            </a:pPr>
+            <a:endParaRPr kumimoji="0" lang="en-US" sz="1800" b="0" i="0" u="none" strike="noStrike" kern="1200" cap="none" spc="0" normalizeH="0" baseline="0" noProof="0">
+              <a:ln>
+                <a:noFill/>
+              </a:ln>
+              <a:solidFill>
+                <a:prstClr val="white"/>
+              </a:solidFill>
+              <a:effectLst/>
+              <a:uLnTx/>
+              <a:uFillTx/>
+              <a:latin typeface="Calibri" panose="020F0502020204030204"/>
+              <a:ea typeface="+mn-ea"/>
+              <a:cs typeface="+mn-cs"/>
+            </a:endParaRPr>
+          </a:p>
+        </p:txBody>
+      </p:sp>
+      <p:pic>
+        <p:nvPicPr>
+          <p:cNvPr id="1030" name="Picture 6" descr="Nexus Repository Manager - Sonatype - Products - Infosecurity Europe">
+            <a:extLst>
+              <a:ext uri="{FF2B5EF4-FFF2-40B4-BE49-F238E27FC236}">
+                <a16:creationId xmlns:a16="http://schemas.microsoft.com/office/drawing/2014/main" id="{6CB8188D-5AA9-4685-BB19-9AAF1DEDE3BB}"/>
+              </a:ext>
+            </a:extLst>
+          </p:cNvPr>
+          <p:cNvPicPr>
+            <a:picLocks noChangeAspect="1" noChangeArrowheads="1"/>
+          </p:cNvPicPr>
           <p:nvPr/>
-        </p:nvSpPr>
-        <p:spPr>
+        </p:nvPicPr>
+        <p:blipFill>
+          <a:blip r:embed="rId2">
+            <a:extLst>
+              <a:ext uri="{28A0092B-C50C-407E-A947-70E740481C1C}">
+                <a14:useLocalDpi xmlns:a14="http://schemas.microsoft.com/office/drawing/2010/main" val="0"/>
+              </a:ext>
+            </a:extLst>
+          </a:blip>
+          <a:stretch>
+            <a:fillRect/>
+          </a:stretch>
+        </p:blipFill>
+        <p:spPr bwMode="auto">
           <a:xfrm>
-            <a:off x="1162498" y="655783"/>
-            <a:ext cx="4284418" cy="1448388"/>
+            <a:off x="6229032" y="3660547"/>
+            <a:ext cx="2526114" cy="1976959"/>
           </a:xfrm>
           <a:prstGeom prst="rect">
             <a:avLst/>
           </a:prstGeom>
-        </p:spPr>
-        <p:txBody>
-          <a:bodyPr vert="horz" lIns="91440" tIns="45720" rIns="91440" bIns="45720" rtlCol="0" anchor="t">
-            <a:normAutofit/>
-          </a:bodyPr>
-          <a:lstStyle/>
-          <a:p>
-            <a:pPr>
-              <a:lnSpc>
-                <a:spcPct val="90000"/>
-              </a:lnSpc>
-              <a:spcBef>
-                <a:spcPct val="0"/>
-              </a:spcBef>
-              <a:spcAft>
-                <a:spcPts val="600"/>
-              </a:spcAft>
-            </a:pPr>
-            <a:r>
-              <a:rPr lang="en-US" sz="3400" dirty="0">
+          <a:noFill/>
+          <a:extLst>
+            <a:ext uri="{909E8E84-426E-40DD-AFC4-6F175D3DCCD1}">
+              <a14:hiddenFill xmlns:a14="http://schemas.microsoft.com/office/drawing/2010/main">
                 <a:solidFill>
-                  <a:schemeClr val="bg1"/>
+                  <a:srgbClr val="FFFFFF"/>
                 </a:solidFill>
-                <a:latin typeface="+mj-lt"/>
-                <a:ea typeface="+mj-ea"/>
-                <a:cs typeface="+mj-cs"/>
-              </a:rPr>
-              <a:t>GitHub Configuration in </a:t>
-            </a:r>
-            <a:r>
-              <a:rPr lang="en-US" sz="3400" dirty="0" err="1">
-                <a:solidFill>
-                  <a:schemeClr val="bg1"/>
-                </a:solidFill>
-                <a:latin typeface="+mj-lt"/>
-                <a:ea typeface="+mj-ea"/>
-                <a:cs typeface="+mj-cs"/>
-              </a:rPr>
-              <a:t>jenkins</a:t>
-            </a:r>
-            <a:endParaRPr lang="en-US" sz="3400" dirty="0">
-              <a:solidFill>
-                <a:schemeClr val="bg1"/>
-              </a:solidFill>
-              <a:latin typeface="+mj-lt"/>
-              <a:ea typeface="+mj-ea"/>
-              <a:cs typeface="+mj-cs"/>
-            </a:endParaRPr>
-          </a:p>
-        </p:txBody>
-      </p:sp>
-      <p:sp>
-        <p:nvSpPr>
-          <p:cNvPr id="14" name="Rectangle 13">
-            <a:extLst>
-              <a:ext uri="{FF2B5EF4-FFF2-40B4-BE49-F238E27FC236}">
-                <a16:creationId xmlns:a16="http://schemas.microsoft.com/office/drawing/2014/main" id="{6832F003-FCA6-4CFB-A2EA-308F3AA257D1}"/>
-              </a:ext>
-              <a:ext uri="{C183D7F6-B498-43B3-948B-1728B52AA6E4}">
-                <adec:decorative xmlns:adec="http://schemas.microsoft.com/office/drawing/2017/decorative" val="1"/>
-              </a:ext>
-            </a:extLst>
-          </p:cNvPr>
-          <p:cNvSpPr>
-            <a:spLocks noGrp="1" noRot="1" noChangeAspect="1" noMove="1" noResize="1" noEditPoints="1" noAdjustHandles="1" noChangeArrowheads="1" noChangeShapeType="1" noTextEdit="1"/>
-          </p:cNvSpPr>
-          <p:nvPr>
-            <p:extLst>
-              <p:ext uri="{386F3935-93C4-4BCD-93E2-E3B085C9AB24}">
-                <p16:designElem xmlns:p16="http://schemas.microsoft.com/office/powerpoint/2015/main" val="1"/>
-              </p:ext>
-            </p:extLst>
-          </p:nvPr>
-        </p:nvSpPr>
-        <p:spPr>
+              </a14:hiddenFill>
+            </a:ext>
+          </a:extLst>
+        </p:spPr>
+      </p:pic>
+      <p:pic>
+        <p:nvPicPr>
+          <p:cNvPr id="1036" name="Picture 12" descr="How to Install Tomcat on Linux CentOS/Redhar 7.x - FoxuTech">
+            <a:extLst>
+              <a:ext uri="{FF2B5EF4-FFF2-40B4-BE49-F238E27FC236}">
+                <a16:creationId xmlns:a16="http://schemas.microsoft.com/office/drawing/2014/main" id="{4265DEC8-3364-4CEB-9049-64ABE9C33442}"/>
+              </a:ext>
+            </a:extLst>
+          </p:cNvPr>
+          <p:cNvPicPr>
+            <a:picLocks noChangeAspect="1" noChangeArrowheads="1"/>
+          </p:cNvPicPr>
+          <p:nvPr/>
+        </p:nvPicPr>
+        <p:blipFill>
+          <a:blip r:embed="rId3">
+            <a:extLst>
+              <a:ext uri="{28A0092B-C50C-407E-A947-70E740481C1C}">
+                <a14:useLocalDpi xmlns:a14="http://schemas.microsoft.com/office/drawing/2010/main" val="0"/>
+              </a:ext>
+            </a:extLst>
+          </a:blip>
+          <a:stretch>
+            <a:fillRect/>
+          </a:stretch>
+        </p:blipFill>
+        <p:spPr bwMode="auto">
           <a:xfrm>
-            <a:off x="6746212" y="434985"/>
-            <a:ext cx="457200" cy="45720"/>
+            <a:off x="9024280" y="3686877"/>
+            <a:ext cx="2526115" cy="1736704"/>
           </a:xfrm>
           <a:prstGeom prst="rect">
             <a:avLst/>
           </a:prstGeom>
-          <a:solidFill>
-            <a:schemeClr val="tx1"/>
-          </a:solidFill>
-          <a:ln>
-            <a:noFill/>
-          </a:ln>
+          <a:noFill/>
+          <a:extLst>
+            <a:ext uri="{909E8E84-426E-40DD-AFC4-6F175D3DCCD1}">
+              <a14:hiddenFill xmlns:a14="http://schemas.microsoft.com/office/drawing/2010/main">
+                <a:solidFill>
+                  <a:srgbClr val="FFFFFF"/>
+                </a:solidFill>
+              </a14:hiddenFill>
+            </a:ext>
+          </a:extLst>
+        </p:spPr>
+      </p:pic>
+      <p:pic>
+        <p:nvPicPr>
+          <p:cNvPr id="1028" name="Picture 4" descr="Java: Get Started with Apache Maven | by remko de knikker | NYC⚡️DEV |  Medium">
+            <a:extLst>
+              <a:ext uri="{FF2B5EF4-FFF2-40B4-BE49-F238E27FC236}">
+                <a16:creationId xmlns:a16="http://schemas.microsoft.com/office/drawing/2014/main" id="{0964199F-2F67-4717-8709-15A588982B72}"/>
+              </a:ext>
+            </a:extLst>
+          </p:cNvPr>
+          <p:cNvPicPr>
+            <a:picLocks noChangeAspect="1" noChangeArrowheads="1"/>
+          </p:cNvPicPr>
+          <p:nvPr/>
+        </p:nvPicPr>
+        <p:blipFill>
+          <a:blip r:embed="rId4">
+            <a:extLst>
+              <a:ext uri="{28A0092B-C50C-407E-A947-70E740481C1C}">
+                <a14:useLocalDpi xmlns:a14="http://schemas.microsoft.com/office/drawing/2010/main" val="0"/>
+              </a:ext>
+            </a:extLst>
+          </a:blip>
+          <a:stretch>
+            <a:fillRect/>
+          </a:stretch>
+        </p:blipFill>
+        <p:spPr bwMode="auto">
+          <a:xfrm>
+            <a:off x="3275989" y="3912155"/>
+            <a:ext cx="2686981" cy="1511426"/>
+          </a:xfrm>
+          <a:prstGeom prst="rect">
+            <a:avLst/>
+          </a:prstGeom>
+          <a:noFill/>
+          <a:extLst>
+            <a:ext uri="{909E8E84-426E-40DD-AFC4-6F175D3DCCD1}">
+              <a14:hiddenFill xmlns:a14="http://schemas.microsoft.com/office/drawing/2010/main">
+                <a:solidFill>
+                  <a:srgbClr val="FFFFFF"/>
+                </a:solidFill>
+              </a14:hiddenFill>
+            </a:ext>
+          </a:extLst>
+        </p:spPr>
+      </p:pic>
+      <p:sp>
+        <p:nvSpPr>
+          <p:cNvPr id="9" name="Arrow: Right 8">
+            <a:extLst>
+              <a:ext uri="{FF2B5EF4-FFF2-40B4-BE49-F238E27FC236}">
+                <a16:creationId xmlns:a16="http://schemas.microsoft.com/office/drawing/2014/main" id="{CA4C96DB-7D5D-42E1-A47D-9871A8E97B3E}"/>
+              </a:ext>
+            </a:extLst>
+          </p:cNvPr>
+          <p:cNvSpPr/>
+          <p:nvPr/>
+        </p:nvSpPr>
+        <p:spPr>
+          <a:xfrm>
+            <a:off x="2462768" y="2993857"/>
+            <a:ext cx="978408" cy="484632"/>
+          </a:xfrm>
+          <a:prstGeom prst="rightArrow">
+            <a:avLst/>
+          </a:prstGeom>
         </p:spPr>
         <p:style>
           <a:lnRef idx="2">
@@ -7468,6 +7118,487 @@
           </a:p>
         </p:txBody>
       </p:sp>
+      <p:sp>
+        <p:nvSpPr>
+          <p:cNvPr id="20" name="Arrow: Right 19">
+            <a:extLst>
+              <a:ext uri="{FF2B5EF4-FFF2-40B4-BE49-F238E27FC236}">
+                <a16:creationId xmlns:a16="http://schemas.microsoft.com/office/drawing/2014/main" id="{F7ED268B-D833-4B09-AEF7-4E612C52078C}"/>
+              </a:ext>
+            </a:extLst>
+          </p:cNvPr>
+          <p:cNvSpPr/>
+          <p:nvPr/>
+        </p:nvSpPr>
+        <p:spPr>
+          <a:xfrm>
+            <a:off x="5962970" y="2993857"/>
+            <a:ext cx="978408" cy="484632"/>
+          </a:xfrm>
+          <a:prstGeom prst="rightArrow">
+            <a:avLst/>
+          </a:prstGeom>
+        </p:spPr>
+        <p:style>
+          <a:lnRef idx="2">
+            <a:schemeClr val="accent1">
+              <a:shade val="50000"/>
+            </a:schemeClr>
+          </a:lnRef>
+          <a:fillRef idx="1">
+            <a:schemeClr val="accent1"/>
+          </a:fillRef>
+          <a:effectRef idx="0">
+            <a:schemeClr val="accent1"/>
+          </a:effectRef>
+          <a:fontRef idx="minor">
+            <a:schemeClr val="lt1"/>
+          </a:fontRef>
+        </p:style>
+        <p:txBody>
+          <a:bodyPr rtlCol="0" anchor="ctr"/>
+          <a:lstStyle/>
+          <a:p>
+            <a:pPr algn="ctr"/>
+            <a:endParaRPr lang="en-US"/>
+          </a:p>
+        </p:txBody>
+      </p:sp>
+      <p:sp>
+        <p:nvSpPr>
+          <p:cNvPr id="21" name="Arrow: Right 20">
+            <a:extLst>
+              <a:ext uri="{FF2B5EF4-FFF2-40B4-BE49-F238E27FC236}">
+                <a16:creationId xmlns:a16="http://schemas.microsoft.com/office/drawing/2014/main" id="{6C88E754-CDE7-43E9-91C6-B9343F9D3CD1}"/>
+              </a:ext>
+            </a:extLst>
+          </p:cNvPr>
+          <p:cNvSpPr/>
+          <p:nvPr/>
+        </p:nvSpPr>
+        <p:spPr>
+          <a:xfrm>
+            <a:off x="8657033" y="2982199"/>
+            <a:ext cx="978408" cy="484632"/>
+          </a:xfrm>
+          <a:prstGeom prst="rightArrow">
+            <a:avLst/>
+          </a:prstGeom>
+        </p:spPr>
+        <p:style>
+          <a:lnRef idx="2">
+            <a:schemeClr val="accent1">
+              <a:shade val="50000"/>
+            </a:schemeClr>
+          </a:lnRef>
+          <a:fillRef idx="1">
+            <a:schemeClr val="accent1"/>
+          </a:fillRef>
+          <a:effectRef idx="0">
+            <a:schemeClr val="accent1"/>
+          </a:effectRef>
+          <a:fontRef idx="minor">
+            <a:schemeClr val="lt1"/>
+          </a:fontRef>
+        </p:style>
+        <p:txBody>
+          <a:bodyPr rtlCol="0" anchor="ctr"/>
+          <a:lstStyle/>
+          <a:p>
+            <a:pPr algn="ctr"/>
+            <a:endParaRPr lang="en-US"/>
+          </a:p>
+        </p:txBody>
+      </p:sp>
+      <p:pic>
+        <p:nvPicPr>
+          <p:cNvPr id="2" name="Picture 2" descr="Image for post">
+            <a:extLst>
+              <a:ext uri="{FF2B5EF4-FFF2-40B4-BE49-F238E27FC236}">
+                <a16:creationId xmlns:a16="http://schemas.microsoft.com/office/drawing/2014/main" id="{9FB22CE0-A537-49BB-BE59-C4CCE645A286}"/>
+              </a:ext>
+            </a:extLst>
+          </p:cNvPr>
+          <p:cNvPicPr>
+            <a:picLocks noChangeAspect="1" noChangeArrowheads="1"/>
+          </p:cNvPicPr>
+          <p:nvPr/>
+        </p:nvPicPr>
+        <p:blipFill>
+          <a:blip r:embed="rId5">
+            <a:extLst>
+              <a:ext uri="{28A0092B-C50C-407E-A947-70E740481C1C}">
+                <a14:useLocalDpi xmlns:a14="http://schemas.microsoft.com/office/drawing/2010/main" val="0"/>
+              </a:ext>
+            </a:extLst>
+          </a:blip>
+          <a:srcRect/>
+          <a:stretch>
+            <a:fillRect/>
+          </a:stretch>
+        </p:blipFill>
+        <p:spPr bwMode="auto">
+          <a:xfrm>
+            <a:off x="297062" y="3466831"/>
+            <a:ext cx="3144114" cy="1736041"/>
+          </a:xfrm>
+          <a:prstGeom prst="rect">
+            <a:avLst/>
+          </a:prstGeom>
+          <a:noFill/>
+          <a:extLst>
+            <a:ext uri="{909E8E84-426E-40DD-AFC4-6F175D3DCCD1}">
+              <a14:hiddenFill xmlns:a14="http://schemas.microsoft.com/office/drawing/2010/main">
+                <a:solidFill>
+                  <a:srgbClr val="FFFFFF"/>
+                </a:solidFill>
+              </a14:hiddenFill>
+            </a:ext>
+          </a:extLst>
+        </p:spPr>
+      </p:pic>
+      <p:pic>
+        <p:nvPicPr>
+          <p:cNvPr id="3" name="Picture 4" descr="Logo Jenkins">
+            <a:extLst>
+              <a:ext uri="{FF2B5EF4-FFF2-40B4-BE49-F238E27FC236}">
+                <a16:creationId xmlns:a16="http://schemas.microsoft.com/office/drawing/2014/main" id="{60414DA8-2F0E-4633-BB6C-7BDA8EE4AC32}"/>
+              </a:ext>
+            </a:extLst>
+          </p:cNvPr>
+          <p:cNvPicPr>
+            <a:picLocks noChangeAspect="1" noChangeArrowheads="1"/>
+          </p:cNvPicPr>
+          <p:nvPr/>
+        </p:nvPicPr>
+        <p:blipFill>
+          <a:blip r:embed="rId6">
+            <a:extLst>
+              <a:ext uri="{28A0092B-C50C-407E-A947-70E740481C1C}">
+                <a14:useLocalDpi xmlns:a14="http://schemas.microsoft.com/office/drawing/2010/main" val="0"/>
+              </a:ext>
+            </a:extLst>
+          </a:blip>
+          <a:srcRect/>
+          <a:stretch>
+            <a:fillRect/>
+          </a:stretch>
+        </p:blipFill>
+        <p:spPr bwMode="auto">
+          <a:xfrm>
+            <a:off x="3238500" y="980661"/>
+            <a:ext cx="5715000" cy="1840169"/>
+          </a:xfrm>
+          <a:prstGeom prst="rect">
+            <a:avLst/>
+          </a:prstGeom>
+          <a:noFill/>
+          <a:extLst>
+            <a:ext uri="{909E8E84-426E-40DD-AFC4-6F175D3DCCD1}">
+              <a14:hiddenFill xmlns:a14="http://schemas.microsoft.com/office/drawing/2010/main">
+                <a:solidFill>
+                  <a:srgbClr val="FFFFFF"/>
+                </a:solidFill>
+              </a14:hiddenFill>
+            </a:ext>
+          </a:extLst>
+        </p:spPr>
+      </p:pic>
+    </p:spTree>
+    <p:extLst>
+      <p:ext uri="{BB962C8B-B14F-4D97-AF65-F5344CB8AC3E}">
+        <p14:creationId xmlns:p14="http://schemas.microsoft.com/office/powerpoint/2010/main" val="317266137"/>
+      </p:ext>
+    </p:extLst>
+  </p:cSld>
+  <p:clrMapOvr>
+    <a:masterClrMapping/>
+  </p:clrMapOvr>
+</p:sld>
+</file>
+
+<file path=ppt/slides/slide12.xml><?xml version="1.0" encoding="utf-8"?>
+<p:sld xmlns:a="http://schemas.openxmlformats.org/drawingml/2006/main" xmlns:r="http://schemas.openxmlformats.org/officeDocument/2006/relationships" xmlns:p="http://schemas.openxmlformats.org/presentationml/2006/main">
+  <p:cSld>
+    <p:spTree>
+      <p:nvGrpSpPr>
+        <p:cNvPr id="1" name=""/>
+        <p:cNvGrpSpPr/>
+        <p:nvPr/>
+      </p:nvGrpSpPr>
+      <p:grpSpPr>
+        <a:xfrm>
+          <a:off x="0" y="0"/>
+          <a:ext cx="0" cy="0"/>
+          <a:chOff x="0" y="0"/>
+          <a:chExt cx="0" cy="0"/>
+        </a:xfrm>
+      </p:grpSpPr>
+      <p:sp>
+        <p:nvSpPr>
+          <p:cNvPr id="10" name="Rectangle 9">
+            <a:extLst>
+              <a:ext uri="{FF2B5EF4-FFF2-40B4-BE49-F238E27FC236}">
+                <a16:creationId xmlns:a16="http://schemas.microsoft.com/office/drawing/2014/main" id="{B34F5AD2-EDBD-4BBD-A55C-EAFFD0C7097A}"/>
+              </a:ext>
+              <a:ext uri="{C183D7F6-B498-43B3-948B-1728B52AA6E4}">
+                <adec:decorative xmlns:adec="http://schemas.microsoft.com/office/drawing/2017/decorative" val="1"/>
+              </a:ext>
+            </a:extLst>
+          </p:cNvPr>
+          <p:cNvSpPr>
+            <a:spLocks noGrp="1" noRot="1" noChangeAspect="1" noMove="1" noResize="1" noEditPoints="1" noAdjustHandles="1" noChangeArrowheads="1" noChangeShapeType="1" noTextEdit="1"/>
+          </p:cNvSpPr>
+          <p:nvPr>
+            <p:extLst>
+              <p:ext uri="{386F3935-93C4-4BCD-93E2-E3B085C9AB24}">
+                <p16:designElem xmlns:p16="http://schemas.microsoft.com/office/powerpoint/2015/main" val="1"/>
+              </p:ext>
+            </p:extLst>
+          </p:nvPr>
+        </p:nvSpPr>
+        <p:spPr>
+          <a:xfrm>
+            <a:off x="6091191" y="0"/>
+            <a:ext cx="6100799" cy="6858001"/>
+          </a:xfrm>
+          <a:prstGeom prst="rect">
+            <a:avLst/>
+          </a:prstGeom>
+          <a:solidFill>
+            <a:schemeClr val="bg1">
+              <a:lumMod val="95000"/>
+            </a:schemeClr>
+          </a:solidFill>
+          <a:ln>
+            <a:noFill/>
+          </a:ln>
+        </p:spPr>
+        <p:style>
+          <a:lnRef idx="2">
+            <a:schemeClr val="accent1">
+              <a:shade val="50000"/>
+            </a:schemeClr>
+          </a:lnRef>
+          <a:fillRef idx="1">
+            <a:schemeClr val="accent1"/>
+          </a:fillRef>
+          <a:effectRef idx="0">
+            <a:schemeClr val="accent1"/>
+          </a:effectRef>
+          <a:fontRef idx="minor">
+            <a:schemeClr val="lt1"/>
+          </a:fontRef>
+        </p:style>
+        <p:txBody>
+          <a:bodyPr rtlCol="0" anchor="ctr"/>
+          <a:lstStyle/>
+          <a:p>
+            <a:pPr algn="ctr"/>
+            <a:endParaRPr lang="en-US"/>
+          </a:p>
+        </p:txBody>
+      </p:sp>
+      <p:sp>
+        <p:nvSpPr>
+          <p:cNvPr id="12" name="Rectangle 11">
+            <a:extLst>
+              <a:ext uri="{FF2B5EF4-FFF2-40B4-BE49-F238E27FC236}">
+                <a16:creationId xmlns:a16="http://schemas.microsoft.com/office/drawing/2014/main" id="{C3896A03-3945-419A-B66B-4EE266EDD152}"/>
+              </a:ext>
+              <a:ext uri="{C183D7F6-B498-43B3-948B-1728B52AA6E4}">
+                <adec:decorative xmlns:adec="http://schemas.microsoft.com/office/drawing/2017/decorative" val="1"/>
+              </a:ext>
+            </a:extLst>
+          </p:cNvPr>
+          <p:cNvSpPr>
+            <a:spLocks noGrp="1" noRot="1" noChangeAspect="1" noMove="1" noResize="1" noEditPoints="1" noAdjustHandles="1" noChangeArrowheads="1" noChangeShapeType="1" noTextEdit="1"/>
+          </p:cNvSpPr>
+          <p:nvPr>
+            <p:extLst>
+              <p:ext uri="{386F3935-93C4-4BCD-93E2-E3B085C9AB24}">
+                <p16:designElem xmlns:p16="http://schemas.microsoft.com/office/powerpoint/2015/main" val="1"/>
+              </p:ext>
+            </p:extLst>
+          </p:nvPr>
+        </p:nvSpPr>
+        <p:spPr>
+          <a:xfrm>
+            <a:off x="10" y="0"/>
+            <a:ext cx="6099048" cy="6858001"/>
+          </a:xfrm>
+          <a:prstGeom prst="rect">
+            <a:avLst/>
+          </a:prstGeom>
+          <a:solidFill>
+            <a:schemeClr val="tx1">
+              <a:lumMod val="85000"/>
+              <a:lumOff val="15000"/>
+            </a:schemeClr>
+          </a:solidFill>
+          <a:ln>
+            <a:noFill/>
+          </a:ln>
+        </p:spPr>
+        <p:style>
+          <a:lnRef idx="2">
+            <a:schemeClr val="accent1">
+              <a:shade val="50000"/>
+            </a:schemeClr>
+          </a:lnRef>
+          <a:fillRef idx="1">
+            <a:schemeClr val="accent1"/>
+          </a:fillRef>
+          <a:effectRef idx="0">
+            <a:schemeClr val="accent1"/>
+          </a:effectRef>
+          <a:fontRef idx="minor">
+            <a:schemeClr val="lt1"/>
+          </a:fontRef>
+        </p:style>
+        <p:txBody>
+          <a:bodyPr rtlCol="0" anchor="ctr"/>
+          <a:lstStyle/>
+          <a:p>
+            <a:pPr algn="ctr"/>
+            <a:endParaRPr lang="en-US"/>
+          </a:p>
+        </p:txBody>
+      </p:sp>
+      <p:sp>
+        <p:nvSpPr>
+          <p:cNvPr id="5" name="TextBox 4">
+            <a:extLst>
+              <a:ext uri="{FF2B5EF4-FFF2-40B4-BE49-F238E27FC236}">
+                <a16:creationId xmlns:a16="http://schemas.microsoft.com/office/drawing/2014/main" id="{2AC9197D-0DBA-49D1-A8AA-CA220CD82F39}"/>
+              </a:ext>
+            </a:extLst>
+          </p:cNvPr>
+          <p:cNvSpPr txBox="1"/>
+          <p:nvPr/>
+        </p:nvSpPr>
+        <p:spPr>
+          <a:xfrm>
+            <a:off x="1162498" y="655783"/>
+            <a:ext cx="4284418" cy="1448388"/>
+          </a:xfrm>
+          <a:prstGeom prst="rect">
+            <a:avLst/>
+          </a:prstGeom>
+        </p:spPr>
+        <p:txBody>
+          <a:bodyPr vert="horz" lIns="91440" tIns="45720" rIns="91440" bIns="45720" rtlCol="0" anchor="t">
+            <a:normAutofit/>
+          </a:bodyPr>
+          <a:lstStyle/>
+          <a:p>
+            <a:pPr>
+              <a:lnSpc>
+                <a:spcPct val="90000"/>
+              </a:lnSpc>
+              <a:spcBef>
+                <a:spcPct val="0"/>
+              </a:spcBef>
+              <a:spcAft>
+                <a:spcPts val="600"/>
+              </a:spcAft>
+            </a:pPr>
+            <a:r>
+              <a:rPr lang="en-US" sz="3400" dirty="0">
+                <a:solidFill>
+                  <a:schemeClr val="bg1"/>
+                </a:solidFill>
+                <a:latin typeface="+mj-lt"/>
+                <a:ea typeface="+mj-ea"/>
+                <a:cs typeface="+mj-cs"/>
+              </a:rPr>
+              <a:t>GitHub Configuration in </a:t>
+            </a:r>
+            <a:r>
+              <a:rPr lang="en-US" sz="3400" dirty="0" err="1">
+                <a:solidFill>
+                  <a:schemeClr val="bg1"/>
+                </a:solidFill>
+                <a:latin typeface="+mj-lt"/>
+                <a:ea typeface="+mj-ea"/>
+                <a:cs typeface="+mj-cs"/>
+              </a:rPr>
+              <a:t>jenkins</a:t>
+            </a:r>
+            <a:endParaRPr lang="en-US" sz="3400" dirty="0">
+              <a:solidFill>
+                <a:schemeClr val="bg1"/>
+              </a:solidFill>
+              <a:latin typeface="+mj-lt"/>
+              <a:ea typeface="+mj-ea"/>
+              <a:cs typeface="+mj-cs"/>
+            </a:endParaRPr>
+          </a:p>
+        </p:txBody>
+      </p:sp>
+      <p:sp>
+        <p:nvSpPr>
+          <p:cNvPr id="14" name="Rectangle 13">
+            <a:extLst>
+              <a:ext uri="{FF2B5EF4-FFF2-40B4-BE49-F238E27FC236}">
+                <a16:creationId xmlns:a16="http://schemas.microsoft.com/office/drawing/2014/main" id="{6832F003-FCA6-4CFB-A2EA-308F3AA257D1}"/>
+              </a:ext>
+              <a:ext uri="{C183D7F6-B498-43B3-948B-1728B52AA6E4}">
+                <adec:decorative xmlns:adec="http://schemas.microsoft.com/office/drawing/2017/decorative" val="1"/>
+              </a:ext>
+            </a:extLst>
+          </p:cNvPr>
+          <p:cNvSpPr>
+            <a:spLocks noGrp="1" noRot="1" noChangeAspect="1" noMove="1" noResize="1" noEditPoints="1" noAdjustHandles="1" noChangeArrowheads="1" noChangeShapeType="1" noTextEdit="1"/>
+          </p:cNvSpPr>
+          <p:nvPr>
+            <p:extLst>
+              <p:ext uri="{386F3935-93C4-4BCD-93E2-E3B085C9AB24}">
+                <p16:designElem xmlns:p16="http://schemas.microsoft.com/office/powerpoint/2015/main" val="1"/>
+              </p:ext>
+            </p:extLst>
+          </p:nvPr>
+        </p:nvSpPr>
+        <p:spPr>
+          <a:xfrm>
+            <a:off x="6746212" y="434985"/>
+            <a:ext cx="457200" cy="45720"/>
+          </a:xfrm>
+          <a:prstGeom prst="rect">
+            <a:avLst/>
+          </a:prstGeom>
+          <a:solidFill>
+            <a:schemeClr val="tx1"/>
+          </a:solidFill>
+          <a:ln>
+            <a:noFill/>
+          </a:ln>
+        </p:spPr>
+        <p:style>
+          <a:lnRef idx="2">
+            <a:schemeClr val="accent1">
+              <a:shade val="50000"/>
+            </a:schemeClr>
+          </a:lnRef>
+          <a:fillRef idx="1">
+            <a:schemeClr val="accent1"/>
+          </a:fillRef>
+          <a:effectRef idx="0">
+            <a:schemeClr val="accent1"/>
+          </a:effectRef>
+          <a:fontRef idx="minor">
+            <a:schemeClr val="lt1"/>
+          </a:fontRef>
+        </p:style>
+        <p:txBody>
+          <a:bodyPr rtlCol="0" anchor="ctr"/>
+          <a:lstStyle/>
+          <a:p>
+            <a:pPr algn="ctr"/>
+            <a:endParaRPr lang="en-US"/>
+          </a:p>
+        </p:txBody>
+      </p:sp>
       <p:pic>
         <p:nvPicPr>
           <p:cNvPr id="2" name="Picture 1">
@@ -7511,7 +7642,7 @@
 </p:sld>
 </file>
 
-<file path=ppt/slides/slide12.xml><?xml version="1.0" encoding="utf-8"?>
+<file path=ppt/slides/slide13.xml><?xml version="1.0" encoding="utf-8"?>
 <p:sld xmlns:a="http://schemas.openxmlformats.org/drawingml/2006/main" xmlns:r="http://schemas.openxmlformats.org/officeDocument/2006/relationships" xmlns:p="http://schemas.openxmlformats.org/presentationml/2006/main">
   <p:cSld>
     <p:spTree>
@@ -8158,352 +8289,6 @@
 </p:sld>
 </file>
 
-<file path=ppt/slides/slide13.xml><?xml version="1.0" encoding="utf-8"?>
-<p:sld xmlns:a="http://schemas.openxmlformats.org/drawingml/2006/main" xmlns:r="http://schemas.openxmlformats.org/officeDocument/2006/relationships" xmlns:p="http://schemas.openxmlformats.org/presentationml/2006/main">
-  <p:cSld>
-    <p:spTree>
-      <p:nvGrpSpPr>
-        <p:cNvPr id="1" name=""/>
-        <p:cNvGrpSpPr/>
-        <p:nvPr/>
-      </p:nvGrpSpPr>
-      <p:grpSpPr>
-        <a:xfrm>
-          <a:off x="0" y="0"/>
-          <a:ext cx="0" cy="0"/>
-          <a:chOff x="0" y="0"/>
-          <a:chExt cx="0" cy="0"/>
-        </a:xfrm>
-      </p:grpSpPr>
-      <p:sp>
-        <p:nvSpPr>
-          <p:cNvPr id="19" name="Rectangle 18">
-            <a:extLst>
-              <a:ext uri="{FF2B5EF4-FFF2-40B4-BE49-F238E27FC236}">
-                <a16:creationId xmlns:a16="http://schemas.microsoft.com/office/drawing/2014/main" id="{5F9CFCE6-877F-4858-B8BD-2C52CA8AFBC4}"/>
-              </a:ext>
-              <a:ext uri="{C183D7F6-B498-43B3-948B-1728B52AA6E4}">
-                <adec:decorative xmlns:adec="http://schemas.microsoft.com/office/drawing/2017/decorative" val="1"/>
-              </a:ext>
-            </a:extLst>
-          </p:cNvPr>
-          <p:cNvSpPr>
-            <a:spLocks noGrp="1" noRot="1" noChangeAspect="1" noMove="1" noResize="1" noEditPoints="1" noAdjustHandles="1" noChangeArrowheads="1" noChangeShapeType="1" noTextEdit="1"/>
-          </p:cNvSpPr>
-          <p:nvPr>
-            <p:extLst>
-              <p:ext uri="{386F3935-93C4-4BCD-93E2-E3B085C9AB24}">
-                <p16:designElem xmlns:p16="http://schemas.microsoft.com/office/powerpoint/2015/main" val="1"/>
-              </p:ext>
-            </p:extLst>
-          </p:nvPr>
-        </p:nvSpPr>
-        <p:spPr>
-          <a:xfrm>
-            <a:off x="0" y="0"/>
-            <a:ext cx="12192000" cy="6858000"/>
-          </a:xfrm>
-          <a:prstGeom prst="rect">
-            <a:avLst/>
-          </a:prstGeom>
-          <a:solidFill>
-            <a:srgbClr val="434669"/>
-          </a:solidFill>
-          <a:ln>
-            <a:noFill/>
-          </a:ln>
-        </p:spPr>
-        <p:style>
-          <a:lnRef idx="2">
-            <a:schemeClr val="accent1">
-              <a:shade val="50000"/>
-            </a:schemeClr>
-          </a:lnRef>
-          <a:fillRef idx="1">
-            <a:schemeClr val="accent1"/>
-          </a:fillRef>
-          <a:effectRef idx="0">
-            <a:schemeClr val="accent1"/>
-          </a:effectRef>
-          <a:fontRef idx="minor">
-            <a:schemeClr val="lt1"/>
-          </a:fontRef>
-        </p:style>
-        <p:txBody>
-          <a:bodyPr rtlCol="0" anchor="ctr"/>
-          <a:lstStyle/>
-          <a:p>
-            <a:pPr algn="ctr"/>
-            <a:endParaRPr lang="en-US"/>
-          </a:p>
-        </p:txBody>
-      </p:sp>
-      <p:sp>
-        <p:nvSpPr>
-          <p:cNvPr id="21" name="Rectangle 20">
-            <a:extLst>
-              <a:ext uri="{FF2B5EF4-FFF2-40B4-BE49-F238E27FC236}">
-                <a16:creationId xmlns:a16="http://schemas.microsoft.com/office/drawing/2014/main" id="{8213F8A0-12AE-4514-8372-0DD766EC28EE}"/>
-              </a:ext>
-              <a:ext uri="{C183D7F6-B498-43B3-948B-1728B52AA6E4}">
-                <adec:decorative xmlns:adec="http://schemas.microsoft.com/office/drawing/2017/decorative" val="1"/>
-              </a:ext>
-            </a:extLst>
-          </p:cNvPr>
-          <p:cNvSpPr>
-            <a:spLocks noGrp="1" noRot="1" noChangeAspect="1" noMove="1" noResize="1" noEditPoints="1" noAdjustHandles="1" noChangeArrowheads="1" noChangeShapeType="1" noTextEdit="1"/>
-          </p:cNvSpPr>
-          <p:nvPr>
-            <p:extLst>
-              <p:ext uri="{386F3935-93C4-4BCD-93E2-E3B085C9AB24}">
-                <p16:designElem xmlns:p16="http://schemas.microsoft.com/office/powerpoint/2015/main" val="1"/>
-              </p:ext>
-            </p:extLst>
-          </p:nvPr>
-        </p:nvSpPr>
-        <p:spPr>
-          <a:xfrm>
-            <a:off x="6256866" y="480060"/>
-            <a:ext cx="5458122" cy="5897880"/>
-          </a:xfrm>
-          <a:prstGeom prst="rect">
-            <a:avLst/>
-          </a:prstGeom>
-          <a:solidFill>
-            <a:srgbClr val="FFFFFF"/>
-          </a:solidFill>
-          <a:ln>
-            <a:noFill/>
-          </a:ln>
-        </p:spPr>
-        <p:style>
-          <a:lnRef idx="2">
-            <a:schemeClr val="accent1">
-              <a:shade val="50000"/>
-            </a:schemeClr>
-          </a:lnRef>
-          <a:fillRef idx="1">
-            <a:schemeClr val="accent1"/>
-          </a:fillRef>
-          <a:effectRef idx="0">
-            <a:schemeClr val="accent1"/>
-          </a:effectRef>
-          <a:fontRef idx="minor">
-            <a:schemeClr val="lt1"/>
-          </a:fontRef>
-        </p:style>
-        <p:txBody>
-          <a:bodyPr rtlCol="0" anchor="ctr"/>
-          <a:lstStyle/>
-          <a:p>
-            <a:pPr algn="ctr"/>
-            <a:endParaRPr lang="en-US"/>
-          </a:p>
-        </p:txBody>
-      </p:sp>
-      <p:sp>
-        <p:nvSpPr>
-          <p:cNvPr id="23" name="Rectangle 22">
-            <a:extLst>
-              <a:ext uri="{FF2B5EF4-FFF2-40B4-BE49-F238E27FC236}">
-                <a16:creationId xmlns:a16="http://schemas.microsoft.com/office/drawing/2014/main" id="{9EFF17D4-9A8C-4CE5-B096-D8CCD4400437}"/>
-              </a:ext>
-              <a:ext uri="{C183D7F6-B498-43B3-948B-1728B52AA6E4}">
-                <adec:decorative xmlns:adec="http://schemas.microsoft.com/office/drawing/2017/decorative" val="1"/>
-              </a:ext>
-            </a:extLst>
-          </p:cNvPr>
-          <p:cNvSpPr>
-            <a:spLocks noGrp="1" noRot="1" noChangeAspect="1" noMove="1" noResize="1" noEditPoints="1" noAdjustHandles="1" noChangeArrowheads="1" noChangeShapeType="1" noTextEdit="1"/>
-          </p:cNvSpPr>
-          <p:nvPr>
-            <p:extLst>
-              <p:ext uri="{386F3935-93C4-4BCD-93E2-E3B085C9AB24}">
-                <p16:designElem xmlns:p16="http://schemas.microsoft.com/office/powerpoint/2015/main" val="1"/>
-              </p:ext>
-            </p:extLst>
-          </p:nvPr>
-        </p:nvSpPr>
-        <p:spPr>
-          <a:xfrm>
-            <a:off x="477012" y="480060"/>
-            <a:ext cx="5458121" cy="5897880"/>
-          </a:xfrm>
-          <a:prstGeom prst="rect">
-            <a:avLst/>
-          </a:prstGeom>
-          <a:solidFill>
-            <a:srgbClr val="FFFFFF"/>
-          </a:solidFill>
-          <a:ln>
-            <a:noFill/>
-          </a:ln>
-        </p:spPr>
-        <p:style>
-          <a:lnRef idx="2">
-            <a:schemeClr val="accent1">
-              <a:shade val="50000"/>
-            </a:schemeClr>
-          </a:lnRef>
-          <a:fillRef idx="1">
-            <a:schemeClr val="accent1"/>
-          </a:fillRef>
-          <a:effectRef idx="0">
-            <a:schemeClr val="accent1"/>
-          </a:effectRef>
-          <a:fontRef idx="minor">
-            <a:schemeClr val="lt1"/>
-          </a:fontRef>
-        </p:style>
-        <p:txBody>
-          <a:bodyPr rtlCol="0" anchor="ctr"/>
-          <a:lstStyle/>
-          <a:p>
-            <a:pPr algn="ctr"/>
-            <a:endParaRPr lang="en-US"/>
-          </a:p>
-        </p:txBody>
-      </p:sp>
-      <p:sp>
-        <p:nvSpPr>
-          <p:cNvPr id="6" name="TextBox 5">
-            <a:extLst>
-              <a:ext uri="{FF2B5EF4-FFF2-40B4-BE49-F238E27FC236}">
-                <a16:creationId xmlns:a16="http://schemas.microsoft.com/office/drawing/2014/main" id="{598E6851-EA85-48FC-9C8F-4687EDC3E7BF}"/>
-              </a:ext>
-            </a:extLst>
-          </p:cNvPr>
-          <p:cNvSpPr txBox="1"/>
-          <p:nvPr/>
-        </p:nvSpPr>
-        <p:spPr>
-          <a:xfrm>
-            <a:off x="641180" y="323557"/>
-            <a:ext cx="184731" cy="369332"/>
-          </a:xfrm>
-          <a:prstGeom prst="rect">
-            <a:avLst/>
-          </a:prstGeom>
-          <a:noFill/>
-        </p:spPr>
-        <p:txBody>
-          <a:bodyPr wrap="square" rtlCol="0">
-            <a:spAutoFit/>
-          </a:bodyPr>
-          <a:lstStyle/>
-          <a:p>
-            <a:endParaRPr lang="en-US" dirty="0"/>
-          </a:p>
-        </p:txBody>
-      </p:sp>
-      <p:sp>
-        <p:nvSpPr>
-          <p:cNvPr id="7" name="TextBox 6">
-            <a:extLst>
-              <a:ext uri="{FF2B5EF4-FFF2-40B4-BE49-F238E27FC236}">
-                <a16:creationId xmlns:a16="http://schemas.microsoft.com/office/drawing/2014/main" id="{A1D0BF10-CF57-47E8-B3A4-FF6DA9CD39B1}"/>
-              </a:ext>
-            </a:extLst>
-          </p:cNvPr>
-          <p:cNvSpPr txBox="1"/>
-          <p:nvPr/>
-        </p:nvSpPr>
-        <p:spPr>
-          <a:xfrm>
-            <a:off x="825911" y="1258957"/>
-            <a:ext cx="2088136" cy="369332"/>
-          </a:xfrm>
-          <a:prstGeom prst="rect">
-            <a:avLst/>
-          </a:prstGeom>
-          <a:noFill/>
-        </p:spPr>
-        <p:txBody>
-          <a:bodyPr wrap="none" rtlCol="0">
-            <a:spAutoFit/>
-          </a:bodyPr>
-          <a:lstStyle/>
-          <a:p>
-            <a:r>
-              <a:rPr lang="en-US" b="1" dirty="0"/>
-              <a:t>NEXUS REPOSITORY</a:t>
-            </a:r>
-          </a:p>
-        </p:txBody>
-      </p:sp>
-      <p:pic>
-        <p:nvPicPr>
-          <p:cNvPr id="3" name="Picture 2">
-            <a:extLst>
-              <a:ext uri="{FF2B5EF4-FFF2-40B4-BE49-F238E27FC236}">
-                <a16:creationId xmlns:a16="http://schemas.microsoft.com/office/drawing/2014/main" id="{7720789F-0188-420B-B980-1F3C4648D33C}"/>
-              </a:ext>
-            </a:extLst>
-          </p:cNvPr>
-          <p:cNvPicPr>
-            <a:picLocks noChangeAspect="1"/>
-          </p:cNvPicPr>
-          <p:nvPr/>
-        </p:nvPicPr>
-        <p:blipFill>
-          <a:blip r:embed="rId2"/>
-          <a:stretch>
-            <a:fillRect/>
-          </a:stretch>
-        </p:blipFill>
-        <p:spPr>
-          <a:xfrm>
-            <a:off x="477011" y="1784792"/>
-            <a:ext cx="5468065" cy="3452456"/>
-          </a:xfrm>
-          <a:prstGeom prst="rect">
-            <a:avLst/>
-          </a:prstGeom>
-        </p:spPr>
-      </p:pic>
-      <p:pic>
-        <p:nvPicPr>
-          <p:cNvPr id="8" name="Picture 7">
-            <a:extLst>
-              <a:ext uri="{FF2B5EF4-FFF2-40B4-BE49-F238E27FC236}">
-                <a16:creationId xmlns:a16="http://schemas.microsoft.com/office/drawing/2014/main" id="{45B8E407-0CA3-4AB3-8CFC-636A34525D9F}"/>
-              </a:ext>
-            </a:extLst>
-          </p:cNvPr>
-          <p:cNvPicPr>
-            <a:picLocks noChangeAspect="1"/>
-          </p:cNvPicPr>
-          <p:nvPr/>
-        </p:nvPicPr>
-        <p:blipFill>
-          <a:blip r:embed="rId3"/>
-          <a:stretch>
-            <a:fillRect/>
-          </a:stretch>
-        </p:blipFill>
-        <p:spPr>
-          <a:xfrm>
-            <a:off x="6256866" y="1680138"/>
-            <a:ext cx="5425040" cy="3497723"/>
-          </a:xfrm>
-          <a:prstGeom prst="rect">
-            <a:avLst/>
-          </a:prstGeom>
-        </p:spPr>
-      </p:pic>
-    </p:spTree>
-    <p:extLst>
-      <p:ext uri="{BB962C8B-B14F-4D97-AF65-F5344CB8AC3E}">
-        <p14:creationId xmlns:p14="http://schemas.microsoft.com/office/powerpoint/2010/main" val="1238022989"/>
-      </p:ext>
-    </p:extLst>
-  </p:cSld>
-  <p:clrMapOvr>
-    <a:masterClrMapping/>
-  </p:clrMapOvr>
-</p:sld>
-</file>
-
 <file path=ppt/slides/slide14.xml><?xml version="1.0" encoding="utf-8"?>
 <p:sld xmlns:a="http://schemas.openxmlformats.org/drawingml/2006/main" xmlns:r="http://schemas.openxmlformats.org/officeDocument/2006/relationships" xmlns:p="http://schemas.openxmlformats.org/presentationml/2006/main">
   <p:cSld>
@@ -8523,10 +8308,10 @@
       </p:grpSpPr>
       <p:sp>
         <p:nvSpPr>
-          <p:cNvPr id="10" name="Rectangle 9">
-            <a:extLst>
-              <a:ext uri="{FF2B5EF4-FFF2-40B4-BE49-F238E27FC236}">
-                <a16:creationId xmlns:a16="http://schemas.microsoft.com/office/drawing/2014/main" id="{BEE73255-8084-4DF9-BB0B-15EAC92E2CB9}"/>
+          <p:cNvPr id="19" name="Rectangle 18">
+            <a:extLst>
+              <a:ext uri="{FF2B5EF4-FFF2-40B4-BE49-F238E27FC236}">
+                <a16:creationId xmlns:a16="http://schemas.microsoft.com/office/drawing/2014/main" id="{5F9CFCE6-877F-4858-B8BD-2C52CA8AFBC4}"/>
               </a:ext>
               <a:ext uri="{C183D7F6-B498-43B3-948B-1728B52AA6E4}">
                 <adec:decorative xmlns:adec="http://schemas.microsoft.com/office/drawing/2017/decorative" val="1"/>
@@ -8553,7 +8338,7 @@
             <a:avLst/>
           </a:prstGeom>
           <a:solidFill>
-            <a:srgbClr val="C8CACA"/>
+            <a:srgbClr val="434669"/>
           </a:solidFill>
           <a:ln>
             <a:noFill/>
@@ -8586,62 +8371,10 @@
       </p:sp>
       <p:sp>
         <p:nvSpPr>
-          <p:cNvPr id="5" name="TextBox 4">
-            <a:extLst>
-              <a:ext uri="{FF2B5EF4-FFF2-40B4-BE49-F238E27FC236}">
-                <a16:creationId xmlns:a16="http://schemas.microsoft.com/office/drawing/2014/main" id="{F61C3F72-7A67-4659-8046-8AEB129F4E43}"/>
-              </a:ext>
-            </a:extLst>
-          </p:cNvPr>
-          <p:cNvSpPr txBox="1"/>
-          <p:nvPr/>
-        </p:nvSpPr>
-        <p:spPr>
-          <a:xfrm>
-            <a:off x="603938" y="640081"/>
-            <a:ext cx="2608655" cy="5257799"/>
-          </a:xfrm>
-          <a:prstGeom prst="rect">
-            <a:avLst/>
-          </a:prstGeom>
-        </p:spPr>
-        <p:txBody>
-          <a:bodyPr vert="horz" lIns="91440" tIns="45720" rIns="91440" bIns="45720" rtlCol="0" anchor="ctr">
-            <a:normAutofit/>
-          </a:bodyPr>
-          <a:lstStyle/>
-          <a:p>
-            <a:pPr>
-              <a:lnSpc>
-                <a:spcPct val="90000"/>
-              </a:lnSpc>
-              <a:spcBef>
-                <a:spcPct val="0"/>
-              </a:spcBef>
-              <a:spcAft>
-                <a:spcPts val="600"/>
-              </a:spcAft>
-            </a:pPr>
-            <a:r>
-              <a:rPr lang="en-US" sz="3600" b="1" dirty="0">
-                <a:solidFill>
-                  <a:srgbClr val="2C2C2C"/>
-                </a:solidFill>
-                <a:latin typeface="+mj-lt"/>
-                <a:ea typeface="+mj-ea"/>
-                <a:cs typeface="+mj-cs"/>
-              </a:rPr>
-              <a:t>Pushing war file from Nexus</a:t>
-            </a:r>
-          </a:p>
-        </p:txBody>
-      </p:sp>
-      <p:sp>
-        <p:nvSpPr>
-          <p:cNvPr id="12" name="Rounded Rectangle 9">
-            <a:extLst>
-              <a:ext uri="{FF2B5EF4-FFF2-40B4-BE49-F238E27FC236}">
-                <a16:creationId xmlns:a16="http://schemas.microsoft.com/office/drawing/2014/main" id="{67048353-8981-459A-9BC6-9711CE462E06}"/>
+          <p:cNvPr id="21" name="Rectangle 20">
+            <a:extLst>
+              <a:ext uri="{FF2B5EF4-FFF2-40B4-BE49-F238E27FC236}">
+                <a16:creationId xmlns:a16="http://schemas.microsoft.com/office/drawing/2014/main" id="{8213F8A0-12AE-4514-8372-0DD766EC28EE}"/>
               </a:ext>
               <a:ext uri="{C183D7F6-B498-43B3-948B-1728B52AA6E4}">
                 <adec:decorative xmlns:adec="http://schemas.microsoft.com/office/drawing/2017/decorative" val="1"/>
@@ -8661,29 +8394,18 @@
         </p:nvSpPr>
         <p:spPr>
           <a:xfrm>
-            <a:off x="3580067" y="484632"/>
-            <a:ext cx="8129016" cy="5724144"/>
-          </a:xfrm>
-          <a:prstGeom prst="roundRect">
-            <a:avLst>
-              <a:gd name="adj" fmla="val 0"/>
-            </a:avLst>
+            <a:off x="6256866" y="480060"/>
+            <a:ext cx="5458122" cy="5897880"/>
+          </a:xfrm>
+          <a:prstGeom prst="rect">
+            <a:avLst/>
           </a:prstGeom>
           <a:solidFill>
             <a:srgbClr val="FFFFFF"/>
           </a:solidFill>
-          <a:ln w="9525">
-            <a:solidFill>
-              <a:srgbClr val="C8CACA"/>
-            </a:solidFill>
+          <a:ln>
+            <a:noFill/>
           </a:ln>
-          <a:effectLst>
-            <a:outerShdw blurRad="57150" dist="19050" dir="5400000" algn="t" rotWithShape="0">
-              <a:prstClr val="black">
-                <a:alpha val="63000"/>
-              </a:prstClr>
-            </a:outerShdw>
-          </a:effectLst>
         </p:spPr>
         <p:style>
           <a:lnRef idx="2">
@@ -8710,12 +8432,142 @@
           </a:p>
         </p:txBody>
       </p:sp>
+      <p:sp>
+        <p:nvSpPr>
+          <p:cNvPr id="23" name="Rectangle 22">
+            <a:extLst>
+              <a:ext uri="{FF2B5EF4-FFF2-40B4-BE49-F238E27FC236}">
+                <a16:creationId xmlns:a16="http://schemas.microsoft.com/office/drawing/2014/main" id="{9EFF17D4-9A8C-4CE5-B096-D8CCD4400437}"/>
+              </a:ext>
+              <a:ext uri="{C183D7F6-B498-43B3-948B-1728B52AA6E4}">
+                <adec:decorative xmlns:adec="http://schemas.microsoft.com/office/drawing/2017/decorative" val="1"/>
+              </a:ext>
+            </a:extLst>
+          </p:cNvPr>
+          <p:cNvSpPr>
+            <a:spLocks noGrp="1" noRot="1" noChangeAspect="1" noMove="1" noResize="1" noEditPoints="1" noAdjustHandles="1" noChangeArrowheads="1" noChangeShapeType="1" noTextEdit="1"/>
+          </p:cNvSpPr>
+          <p:nvPr>
+            <p:extLst>
+              <p:ext uri="{386F3935-93C4-4BCD-93E2-E3B085C9AB24}">
+                <p16:designElem xmlns:p16="http://schemas.microsoft.com/office/powerpoint/2015/main" val="1"/>
+              </p:ext>
+            </p:extLst>
+          </p:nvPr>
+        </p:nvSpPr>
+        <p:spPr>
+          <a:xfrm>
+            <a:off x="477012" y="480060"/>
+            <a:ext cx="5458121" cy="5897880"/>
+          </a:xfrm>
+          <a:prstGeom prst="rect">
+            <a:avLst/>
+          </a:prstGeom>
+          <a:solidFill>
+            <a:srgbClr val="FFFFFF"/>
+          </a:solidFill>
+          <a:ln>
+            <a:noFill/>
+          </a:ln>
+        </p:spPr>
+        <p:style>
+          <a:lnRef idx="2">
+            <a:schemeClr val="accent1">
+              <a:shade val="50000"/>
+            </a:schemeClr>
+          </a:lnRef>
+          <a:fillRef idx="1">
+            <a:schemeClr val="accent1"/>
+          </a:fillRef>
+          <a:effectRef idx="0">
+            <a:schemeClr val="accent1"/>
+          </a:effectRef>
+          <a:fontRef idx="minor">
+            <a:schemeClr val="lt1"/>
+          </a:fontRef>
+        </p:style>
+        <p:txBody>
+          <a:bodyPr rtlCol="0" anchor="ctr"/>
+          <a:lstStyle/>
+          <a:p>
+            <a:pPr algn="ctr"/>
+            <a:endParaRPr lang="en-US"/>
+          </a:p>
+        </p:txBody>
+      </p:sp>
+      <p:sp>
+        <p:nvSpPr>
+          <p:cNvPr id="6" name="TextBox 5">
+            <a:extLst>
+              <a:ext uri="{FF2B5EF4-FFF2-40B4-BE49-F238E27FC236}">
+                <a16:creationId xmlns:a16="http://schemas.microsoft.com/office/drawing/2014/main" id="{598E6851-EA85-48FC-9C8F-4687EDC3E7BF}"/>
+              </a:ext>
+            </a:extLst>
+          </p:cNvPr>
+          <p:cNvSpPr txBox="1"/>
+          <p:nvPr/>
+        </p:nvSpPr>
+        <p:spPr>
+          <a:xfrm>
+            <a:off x="641180" y="323557"/>
+            <a:ext cx="184731" cy="369332"/>
+          </a:xfrm>
+          <a:prstGeom prst="rect">
+            <a:avLst/>
+          </a:prstGeom>
+          <a:noFill/>
+        </p:spPr>
+        <p:txBody>
+          <a:bodyPr wrap="square" rtlCol="0">
+            <a:spAutoFit/>
+          </a:bodyPr>
+          <a:lstStyle/>
+          <a:p>
+            <a:endParaRPr lang="en-US" dirty="0"/>
+          </a:p>
+        </p:txBody>
+      </p:sp>
+      <p:sp>
+        <p:nvSpPr>
+          <p:cNvPr id="7" name="TextBox 6">
+            <a:extLst>
+              <a:ext uri="{FF2B5EF4-FFF2-40B4-BE49-F238E27FC236}">
+                <a16:creationId xmlns:a16="http://schemas.microsoft.com/office/drawing/2014/main" id="{A1D0BF10-CF57-47E8-B3A4-FF6DA9CD39B1}"/>
+              </a:ext>
+            </a:extLst>
+          </p:cNvPr>
+          <p:cNvSpPr txBox="1"/>
+          <p:nvPr/>
+        </p:nvSpPr>
+        <p:spPr>
+          <a:xfrm>
+            <a:off x="825911" y="1258957"/>
+            <a:ext cx="2088136" cy="369332"/>
+          </a:xfrm>
+          <a:prstGeom prst="rect">
+            <a:avLst/>
+          </a:prstGeom>
+          <a:noFill/>
+        </p:spPr>
+        <p:txBody>
+          <a:bodyPr wrap="none" rtlCol="0">
+            <a:spAutoFit/>
+          </a:bodyPr>
+          <a:lstStyle/>
+          <a:p>
+            <a:r>
+              <a:rPr lang="en-US" b="1" dirty="0"/>
+              <a:t>NEXUS REPOSITORY</a:t>
+            </a:r>
+          </a:p>
+        </p:txBody>
+      </p:sp>
       <p:pic>
         <p:nvPicPr>
-          <p:cNvPr id="2" name="Picture 1">
-            <a:extLst>
-              <a:ext uri="{FF2B5EF4-FFF2-40B4-BE49-F238E27FC236}">
-                <a16:creationId xmlns:a16="http://schemas.microsoft.com/office/drawing/2014/main" id="{4A5569A7-8633-4A58-B0CB-E189B2B42EF4}"/>
+          <p:cNvPr id="3" name="Picture 2">
+            <a:extLst>
+              <a:ext uri="{FF2B5EF4-FFF2-40B4-BE49-F238E27FC236}">
+                <a16:creationId xmlns:a16="http://schemas.microsoft.com/office/drawing/2014/main" id="{7720789F-0188-420B-B980-1F3C4648D33C}"/>
               </a:ext>
             </a:extLst>
           </p:cNvPr>
@@ -8732,8 +8584,38 @@
         </p:blipFill>
         <p:spPr>
           <a:xfrm>
-            <a:off x="3580067" y="484632"/>
-            <a:ext cx="8239125" cy="5724144"/>
+            <a:off x="477011" y="1784792"/>
+            <a:ext cx="5468065" cy="3452456"/>
+          </a:xfrm>
+          <a:prstGeom prst="rect">
+            <a:avLst/>
+          </a:prstGeom>
+        </p:spPr>
+      </p:pic>
+      <p:pic>
+        <p:nvPicPr>
+          <p:cNvPr id="8" name="Picture 7">
+            <a:extLst>
+              <a:ext uri="{FF2B5EF4-FFF2-40B4-BE49-F238E27FC236}">
+                <a16:creationId xmlns:a16="http://schemas.microsoft.com/office/drawing/2014/main" id="{45B8E407-0CA3-4AB3-8CFC-636A34525D9F}"/>
+              </a:ext>
+            </a:extLst>
+          </p:cNvPr>
+          <p:cNvPicPr>
+            <a:picLocks noChangeAspect="1"/>
+          </p:cNvPicPr>
+          <p:nvPr/>
+        </p:nvPicPr>
+        <p:blipFill>
+          <a:blip r:embed="rId3"/>
+          <a:stretch>
+            <a:fillRect/>
+          </a:stretch>
+        </p:blipFill>
+        <p:spPr>
+          <a:xfrm>
+            <a:off x="6256866" y="1680138"/>
+            <a:ext cx="5425040" cy="3497723"/>
           </a:xfrm>
           <a:prstGeom prst="rect">
             <a:avLst/>
@@ -8743,7 +8625,7 @@
     </p:spTree>
     <p:extLst>
       <p:ext uri="{BB962C8B-B14F-4D97-AF65-F5344CB8AC3E}">
-        <p14:creationId xmlns:p14="http://schemas.microsoft.com/office/powerpoint/2010/main" val="1379541639"/>
+        <p14:creationId xmlns:p14="http://schemas.microsoft.com/office/powerpoint/2010/main" val="1238022989"/>
       </p:ext>
     </p:extLst>
   </p:cSld>
@@ -8961,10 +8843,10 @@
       </p:sp>
       <p:pic>
         <p:nvPicPr>
-          <p:cNvPr id="3" name="Picture 2">
-            <a:extLst>
-              <a:ext uri="{FF2B5EF4-FFF2-40B4-BE49-F238E27FC236}">
-                <a16:creationId xmlns:a16="http://schemas.microsoft.com/office/drawing/2014/main" id="{A8AC2068-BEEA-4960-8A06-79F80D9BD9EA}"/>
+          <p:cNvPr id="2" name="Picture 1">
+            <a:extLst>
+              <a:ext uri="{FF2B5EF4-FFF2-40B4-BE49-F238E27FC236}">
+                <a16:creationId xmlns:a16="http://schemas.microsoft.com/office/drawing/2014/main" id="{4A5569A7-8633-4A58-B0CB-E189B2B42EF4}"/>
               </a:ext>
             </a:extLst>
           </p:cNvPr>
@@ -8982,7 +8864,7 @@
         <p:spPr>
           <a:xfrm>
             <a:off x="3580067" y="484632"/>
-            <a:ext cx="8096250" cy="5724144"/>
+            <a:ext cx="8239125" cy="5724144"/>
           </a:xfrm>
           <a:prstGeom prst="rect">
             <a:avLst/>
@@ -8992,7 +8874,7 @@
     </p:spTree>
     <p:extLst>
       <p:ext uri="{BB962C8B-B14F-4D97-AF65-F5344CB8AC3E}">
-        <p14:creationId xmlns:p14="http://schemas.microsoft.com/office/powerpoint/2010/main" val="1569287821"/>
+        <p14:creationId xmlns:p14="http://schemas.microsoft.com/office/powerpoint/2010/main" val="1379541639"/>
       </p:ext>
     </p:extLst>
   </p:cSld>
@@ -9021,7 +8903,7 @@
       </p:grpSpPr>
       <p:sp>
         <p:nvSpPr>
-          <p:cNvPr id="17" name="Rectangle 16">
+          <p:cNvPr id="10" name="Rectangle 9">
             <a:extLst>
               <a:ext uri="{FF2B5EF4-FFF2-40B4-BE49-F238E27FC236}">
                 <a16:creationId xmlns:a16="http://schemas.microsoft.com/office/drawing/2014/main" id="{BEE73255-8084-4DF9-BB0B-15EAC92E2CB9}"/>
@@ -9087,7 +8969,7 @@
           <p:cNvPr id="5" name="TextBox 4">
             <a:extLst>
               <a:ext uri="{FF2B5EF4-FFF2-40B4-BE49-F238E27FC236}">
-                <a16:creationId xmlns:a16="http://schemas.microsoft.com/office/drawing/2014/main" id="{8F6CABCC-26F0-4152-962C-6378ABBE42EF}"/>
+                <a16:creationId xmlns:a16="http://schemas.microsoft.com/office/drawing/2014/main" id="{F61C3F72-7A67-4659-8046-8AEB129F4E43}"/>
               </a:ext>
             </a:extLst>
           </p:cNvPr>
@@ -9121,31 +9003,22 @@
               </a:spcAft>
             </a:pPr>
             <a:r>
-              <a:rPr lang="en-US" sz="3600" b="1" i="0">
+              <a:rPr lang="en-US" sz="3600" b="1" dirty="0">
                 <a:solidFill>
                   <a:srgbClr val="2C2C2C"/>
                 </a:solidFill>
-                <a:effectLst/>
                 <a:latin typeface="+mj-lt"/>
                 <a:ea typeface="+mj-ea"/>
                 <a:cs typeface="+mj-cs"/>
               </a:rPr>
-              <a:t>Deploy artifacts to Tomcat Container</a:t>
-            </a:r>
-            <a:endParaRPr lang="en-US" sz="3600" b="1">
-              <a:solidFill>
-                <a:srgbClr val="2C2C2C"/>
-              </a:solidFill>
-              <a:latin typeface="+mj-lt"/>
-              <a:ea typeface="+mj-ea"/>
-              <a:cs typeface="+mj-cs"/>
-            </a:endParaRPr>
-          </a:p>
-        </p:txBody>
-      </p:sp>
-      <p:sp>
-        <p:nvSpPr>
-          <p:cNvPr id="19" name="Rounded Rectangle 9">
+              <a:t>Pushing war file from Nexus</a:t>
+            </a:r>
+          </a:p>
+        </p:txBody>
+      </p:sp>
+      <p:sp>
+        <p:nvSpPr>
+          <p:cNvPr id="12" name="Rounded Rectangle 9">
             <a:extLst>
               <a:ext uri="{FF2B5EF4-FFF2-40B4-BE49-F238E27FC236}">
                 <a16:creationId xmlns:a16="http://schemas.microsoft.com/office/drawing/2014/main" id="{67048353-8981-459A-9BC6-9711CE462E06}"/>
@@ -9219,10 +9092,10 @@
       </p:sp>
       <p:pic>
         <p:nvPicPr>
-          <p:cNvPr id="2" name="Picture 1">
-            <a:extLst>
-              <a:ext uri="{FF2B5EF4-FFF2-40B4-BE49-F238E27FC236}">
-                <a16:creationId xmlns:a16="http://schemas.microsoft.com/office/drawing/2014/main" id="{AE948F17-15C5-4712-AE5C-6893A1BB0115}"/>
+          <p:cNvPr id="3" name="Picture 2">
+            <a:extLst>
+              <a:ext uri="{FF2B5EF4-FFF2-40B4-BE49-F238E27FC236}">
+                <a16:creationId xmlns:a16="http://schemas.microsoft.com/office/drawing/2014/main" id="{A8AC2068-BEEA-4960-8A06-79F80D9BD9EA}"/>
               </a:ext>
             </a:extLst>
           </p:cNvPr>
@@ -9239,8 +9112,8 @@
         </p:blipFill>
         <p:spPr>
           <a:xfrm>
-            <a:off x="3458817" y="484632"/>
-            <a:ext cx="8285061" cy="5724144"/>
+            <a:off x="3580067" y="484632"/>
+            <a:ext cx="8096250" cy="5724144"/>
           </a:xfrm>
           <a:prstGeom prst="rect">
             <a:avLst/>
@@ -9250,7 +9123,7 @@
     </p:spTree>
     <p:extLst>
       <p:ext uri="{BB962C8B-B14F-4D97-AF65-F5344CB8AC3E}">
-        <p14:creationId xmlns:p14="http://schemas.microsoft.com/office/powerpoint/2010/main" val="1287711753"/>
+        <p14:creationId xmlns:p14="http://schemas.microsoft.com/office/powerpoint/2010/main" val="1569287821"/>
       </p:ext>
     </p:extLst>
   </p:cSld>
@@ -9279,211 +9152,242 @@
       </p:grpSpPr>
       <p:sp>
         <p:nvSpPr>
-          <p:cNvPr id="2" name="Title 1"/>
-          <p:cNvSpPr>
-            <a:spLocks noGrp="1"/>
-          </p:cNvSpPr>
-          <p:nvPr>
-            <p:ph type="title"/>
-          </p:nvPr>
-        </p:nvSpPr>
-        <p:spPr/>
-        <p:txBody>
-          <a:bodyPr/>
-          <a:lstStyle/>
-          <a:p>
-            <a:r>
-              <a:rPr lang="en-IN" b="1" dirty="0">
+          <p:cNvPr id="17" name="Rectangle 16">
+            <a:extLst>
+              <a:ext uri="{FF2B5EF4-FFF2-40B4-BE49-F238E27FC236}">
+                <a16:creationId xmlns:a16="http://schemas.microsoft.com/office/drawing/2014/main" id="{BEE73255-8084-4DF9-BB0B-15EAC92E2CB9}"/>
+              </a:ext>
+              <a:ext uri="{C183D7F6-B498-43B3-948B-1728B52AA6E4}">
+                <adec:decorative xmlns:adec="http://schemas.microsoft.com/office/drawing/2017/decorative" val="1"/>
+              </a:ext>
+            </a:extLst>
+          </p:cNvPr>
+          <p:cNvSpPr>
+            <a:spLocks noGrp="1" noRot="1" noChangeAspect="1" noMove="1" noResize="1" noEditPoints="1" noAdjustHandles="1" noChangeArrowheads="1" noChangeShapeType="1" noTextEdit="1"/>
+          </p:cNvSpPr>
+          <p:nvPr>
+            <p:extLst>
+              <p:ext uri="{386F3935-93C4-4BCD-93E2-E3B085C9AB24}">
+                <p16:designElem xmlns:p16="http://schemas.microsoft.com/office/powerpoint/2015/main" val="1"/>
+              </p:ext>
+            </p:extLst>
+          </p:nvPr>
+        </p:nvSpPr>
+        <p:spPr>
+          <a:xfrm>
+            <a:off x="0" y="0"/>
+            <a:ext cx="12192000" cy="6858000"/>
+          </a:xfrm>
+          <a:prstGeom prst="rect">
+            <a:avLst/>
+          </a:prstGeom>
+          <a:solidFill>
+            <a:srgbClr val="C8CACA"/>
+          </a:solidFill>
+          <a:ln>
+            <a:noFill/>
+          </a:ln>
+        </p:spPr>
+        <p:style>
+          <a:lnRef idx="2">
+            <a:schemeClr val="accent1">
+              <a:shade val="50000"/>
+            </a:schemeClr>
+          </a:lnRef>
+          <a:fillRef idx="1">
+            <a:schemeClr val="accent1"/>
+          </a:fillRef>
+          <a:effectRef idx="0">
+            <a:schemeClr val="accent1"/>
+          </a:effectRef>
+          <a:fontRef idx="minor">
+            <a:schemeClr val="lt1"/>
+          </a:fontRef>
+        </p:style>
+        <p:txBody>
+          <a:bodyPr rtlCol="0" anchor="ctr"/>
+          <a:lstStyle/>
+          <a:p>
+            <a:pPr algn="ctr"/>
+            <a:endParaRPr lang="en-US"/>
+          </a:p>
+        </p:txBody>
+      </p:sp>
+      <p:sp>
+        <p:nvSpPr>
+          <p:cNvPr id="5" name="TextBox 4">
+            <a:extLst>
+              <a:ext uri="{FF2B5EF4-FFF2-40B4-BE49-F238E27FC236}">
+                <a16:creationId xmlns:a16="http://schemas.microsoft.com/office/drawing/2014/main" id="{8F6CABCC-26F0-4152-962C-6378ABBE42EF}"/>
+              </a:ext>
+            </a:extLst>
+          </p:cNvPr>
+          <p:cNvSpPr txBox="1"/>
+          <p:nvPr/>
+        </p:nvSpPr>
+        <p:spPr>
+          <a:xfrm>
+            <a:off x="603938" y="640081"/>
+            <a:ext cx="2608655" cy="5257799"/>
+          </a:xfrm>
+          <a:prstGeom prst="rect">
+            <a:avLst/>
+          </a:prstGeom>
+        </p:spPr>
+        <p:txBody>
+          <a:bodyPr vert="horz" lIns="91440" tIns="45720" rIns="91440" bIns="45720" rtlCol="0" anchor="ctr">
+            <a:normAutofit/>
+          </a:bodyPr>
+          <a:lstStyle/>
+          <a:p>
+            <a:pPr>
+              <a:lnSpc>
+                <a:spcPct val="90000"/>
+              </a:lnSpc>
+              <a:spcBef>
+                <a:spcPct val="0"/>
+              </a:spcBef>
+              <a:spcAft>
+                <a:spcPts val="600"/>
+              </a:spcAft>
+            </a:pPr>
+            <a:r>
+              <a:rPr lang="en-US" sz="3600" b="1" i="0">
                 <a:solidFill>
-                  <a:srgbClr val="C00000"/>
+                  <a:srgbClr val="2C2C2C"/>
                 </a:solidFill>
-                <a:latin typeface="Informal Roman" pitchFamily="66" charset="0"/>
+                <a:effectLst/>
+                <a:latin typeface="+mj-lt"/>
+                <a:ea typeface="+mj-ea"/>
+                <a:cs typeface="+mj-cs"/>
               </a:rPr>
-              <a:t>System Requirements</a:t>
-            </a:r>
-          </a:p>
-        </p:txBody>
-      </p:sp>
-      <p:sp>
-        <p:nvSpPr>
-          <p:cNvPr id="3" name="Content Placeholder 2"/>
-          <p:cNvSpPr>
-            <a:spLocks noGrp="1"/>
-          </p:cNvSpPr>
-          <p:nvPr>
-            <p:ph idx="1"/>
+              <a:t>Deploy artifacts to Tomcat Container</a:t>
+            </a:r>
+            <a:endParaRPr lang="en-US" sz="3600" b="1">
+              <a:solidFill>
+                <a:srgbClr val="2C2C2C"/>
+              </a:solidFill>
+              <a:latin typeface="+mj-lt"/>
+              <a:ea typeface="+mj-ea"/>
+              <a:cs typeface="+mj-cs"/>
+            </a:endParaRPr>
+          </a:p>
+        </p:txBody>
+      </p:sp>
+      <p:sp>
+        <p:nvSpPr>
+          <p:cNvPr id="19" name="Rounded Rectangle 9">
+            <a:extLst>
+              <a:ext uri="{FF2B5EF4-FFF2-40B4-BE49-F238E27FC236}">
+                <a16:creationId xmlns:a16="http://schemas.microsoft.com/office/drawing/2014/main" id="{67048353-8981-459A-9BC6-9711CE462E06}"/>
+              </a:ext>
+              <a:ext uri="{C183D7F6-B498-43B3-948B-1728B52AA6E4}">
+                <adec:decorative xmlns:adec="http://schemas.microsoft.com/office/drawing/2017/decorative" val="1"/>
+              </a:ext>
+            </a:extLst>
+          </p:cNvPr>
+          <p:cNvSpPr>
+            <a:spLocks noGrp="1" noRot="1" noChangeAspect="1" noMove="1" noResize="1" noEditPoints="1" noAdjustHandles="1" noChangeArrowheads="1" noChangeShapeType="1" noTextEdit="1"/>
+          </p:cNvSpPr>
+          <p:nvPr>
+            <p:extLst>
+              <p:ext uri="{386F3935-93C4-4BCD-93E2-E3B085C9AB24}">
+                <p16:designElem xmlns:p16="http://schemas.microsoft.com/office/powerpoint/2015/main" val="1"/>
+              </p:ext>
+            </p:extLst>
           </p:nvPr>
         </p:nvSpPr>
         <p:spPr>
           <a:xfrm>
-            <a:off x="1981200" y="1600200"/>
-            <a:ext cx="8229600" cy="4972072"/>
-          </a:xfrm>
-        </p:spPr>
-        <p:txBody>
-          <a:bodyPr>
-            <a:normAutofit lnSpcReduction="10000"/>
-          </a:bodyPr>
-          <a:lstStyle/>
-          <a:p>
-            <a:pPr algn="just">
-              <a:lnSpc>
-                <a:spcPct val="150000"/>
-              </a:lnSpc>
-            </a:pPr>
-            <a:r>
-              <a:rPr lang="en-IN" sz="2000" b="1" dirty="0">
-                <a:latin typeface="Times New Roman" pitchFamily="18" charset="0"/>
-                <a:cs typeface="Times New Roman" pitchFamily="18" charset="0"/>
-              </a:rPr>
-              <a:t>Hardware Requirements</a:t>
-            </a:r>
-          </a:p>
-          <a:p>
-            <a:pPr lvl="2" algn="just">
-              <a:lnSpc>
-                <a:spcPct val="150000"/>
-              </a:lnSpc>
-            </a:pPr>
-            <a:r>
-              <a:rPr lang="en-IN" sz="2000" dirty="0">
-                <a:latin typeface="Times New Roman" pitchFamily="18" charset="0"/>
-                <a:cs typeface="Times New Roman" pitchFamily="18" charset="0"/>
-              </a:rPr>
-              <a:t>Processor		:	2VCPU’s</a:t>
-            </a:r>
-          </a:p>
-          <a:p>
-            <a:pPr lvl="2" algn="just">
-              <a:lnSpc>
-                <a:spcPct val="150000"/>
-              </a:lnSpc>
-            </a:pPr>
-            <a:r>
-              <a:rPr lang="en-IN" sz="2000" dirty="0">
-                <a:latin typeface="Times New Roman" pitchFamily="18" charset="0"/>
-                <a:cs typeface="Times New Roman" pitchFamily="18" charset="0"/>
-              </a:rPr>
-              <a:t>RAM			:	4 GB</a:t>
-            </a:r>
-          </a:p>
-          <a:p>
-            <a:pPr lvl="2" algn="just">
-              <a:lnSpc>
-                <a:spcPct val="150000"/>
-              </a:lnSpc>
-            </a:pPr>
-            <a:r>
-              <a:rPr lang="en-IN" sz="2000" dirty="0">
-                <a:latin typeface="Times New Roman" pitchFamily="18" charset="0"/>
-                <a:cs typeface="Times New Roman" pitchFamily="18" charset="0"/>
-              </a:rPr>
-              <a:t>HDD			:	10 GB</a:t>
-            </a:r>
-          </a:p>
-          <a:p>
-            <a:pPr algn="just">
-              <a:lnSpc>
-                <a:spcPct val="150000"/>
-              </a:lnSpc>
-            </a:pPr>
-            <a:r>
-              <a:rPr lang="en-IN" sz="2000" b="1" dirty="0">
-                <a:latin typeface="Times New Roman" pitchFamily="18" charset="0"/>
-                <a:cs typeface="Times New Roman" pitchFamily="18" charset="0"/>
-              </a:rPr>
-              <a:t>Software Requirements</a:t>
-            </a:r>
-          </a:p>
-          <a:p>
-            <a:pPr lvl="2" algn="just">
-              <a:lnSpc>
-                <a:spcPct val="150000"/>
-              </a:lnSpc>
-            </a:pPr>
-            <a:r>
-              <a:rPr lang="en-IN" sz="2000" dirty="0">
-                <a:latin typeface="Times New Roman" pitchFamily="18" charset="0"/>
-                <a:cs typeface="Times New Roman" pitchFamily="18" charset="0"/>
-              </a:rPr>
-              <a:t>Operating System	:	Linux/ Windows</a:t>
-            </a:r>
-          </a:p>
-          <a:p>
-            <a:pPr lvl="2" algn="just">
-              <a:lnSpc>
-                <a:spcPct val="150000"/>
-              </a:lnSpc>
-            </a:pPr>
-            <a:r>
-              <a:rPr lang="en-IN" sz="2000" dirty="0">
-                <a:latin typeface="Times New Roman" pitchFamily="18" charset="0"/>
-                <a:cs typeface="Times New Roman" pitchFamily="18" charset="0"/>
-              </a:rPr>
-              <a:t>Front End code		:	HTML</a:t>
-            </a:r>
-          </a:p>
-          <a:p>
-            <a:pPr lvl="2" algn="just">
-              <a:lnSpc>
-                <a:spcPct val="150000"/>
-              </a:lnSpc>
-            </a:pPr>
-            <a:r>
-              <a:rPr lang="en-IN" sz="2000" dirty="0">
-                <a:latin typeface="Times New Roman" pitchFamily="18" charset="0"/>
-                <a:cs typeface="Times New Roman" pitchFamily="18" charset="0"/>
-              </a:rPr>
-              <a:t>Backend code                 :             JAVA</a:t>
-            </a:r>
-          </a:p>
-          <a:p>
-            <a:pPr lvl="2" algn="just">
-              <a:lnSpc>
-                <a:spcPct val="150000"/>
-              </a:lnSpc>
-            </a:pPr>
-            <a:r>
-              <a:rPr lang="en-IN" sz="2000" dirty="0">
-                <a:latin typeface="Times New Roman" pitchFamily="18" charset="0"/>
-                <a:cs typeface="Times New Roman" pitchFamily="18" charset="0"/>
-              </a:rPr>
-              <a:t>Server			:	Apache Tomcat 8.0</a:t>
-            </a:r>
-          </a:p>
-          <a:p>
-            <a:pPr lvl="2" algn="just">
-              <a:lnSpc>
-                <a:spcPct val="150000"/>
-              </a:lnSpc>
-            </a:pPr>
-            <a:r>
-              <a:rPr lang="en-IN" sz="2000" dirty="0">
-                <a:latin typeface="Times New Roman" pitchFamily="18" charset="0"/>
-                <a:cs typeface="Times New Roman" pitchFamily="18" charset="0"/>
-              </a:rPr>
-              <a:t>Database		:	MariaDB</a:t>
-            </a:r>
-          </a:p>
-          <a:p>
-            <a:pPr marL="914400" lvl="2" indent="0" algn="just">
-              <a:lnSpc>
-                <a:spcPct val="150000"/>
-              </a:lnSpc>
-              <a:buNone/>
-            </a:pPr>
-            <a:endParaRPr lang="en-IN" dirty="0"/>
-          </a:p>
-        </p:txBody>
-      </p:sp>
+            <a:off x="3580067" y="484632"/>
+            <a:ext cx="8129016" cy="5724144"/>
+          </a:xfrm>
+          <a:prstGeom prst="roundRect">
+            <a:avLst>
+              <a:gd name="adj" fmla="val 0"/>
+            </a:avLst>
+          </a:prstGeom>
+          <a:solidFill>
+            <a:srgbClr val="FFFFFF"/>
+          </a:solidFill>
+          <a:ln w="9525">
+            <a:solidFill>
+              <a:srgbClr val="C8CACA"/>
+            </a:solidFill>
+          </a:ln>
+          <a:effectLst>
+            <a:outerShdw blurRad="57150" dist="19050" dir="5400000" algn="t" rotWithShape="0">
+              <a:prstClr val="black">
+                <a:alpha val="63000"/>
+              </a:prstClr>
+            </a:outerShdw>
+          </a:effectLst>
+        </p:spPr>
+        <p:style>
+          <a:lnRef idx="2">
+            <a:schemeClr val="accent1">
+              <a:shade val="50000"/>
+            </a:schemeClr>
+          </a:lnRef>
+          <a:fillRef idx="1">
+            <a:schemeClr val="accent1"/>
+          </a:fillRef>
+          <a:effectRef idx="0">
+            <a:schemeClr val="accent1"/>
+          </a:effectRef>
+          <a:fontRef idx="minor">
+            <a:schemeClr val="lt1"/>
+          </a:fontRef>
+        </p:style>
+        <p:txBody>
+          <a:bodyPr rtlCol="0" anchor="ctr"/>
+          <a:lstStyle/>
+          <a:p>
+            <a:pPr algn="ctr"/>
+            <a:endParaRPr lang="en-US"/>
+          </a:p>
+        </p:txBody>
+      </p:sp>
+      <p:pic>
+        <p:nvPicPr>
+          <p:cNvPr id="2" name="Picture 1">
+            <a:extLst>
+              <a:ext uri="{FF2B5EF4-FFF2-40B4-BE49-F238E27FC236}">
+                <a16:creationId xmlns:a16="http://schemas.microsoft.com/office/drawing/2014/main" id="{AE948F17-15C5-4712-AE5C-6893A1BB0115}"/>
+              </a:ext>
+            </a:extLst>
+          </p:cNvPr>
+          <p:cNvPicPr>
+            <a:picLocks noChangeAspect="1"/>
+          </p:cNvPicPr>
+          <p:nvPr/>
+        </p:nvPicPr>
+        <p:blipFill>
+          <a:blip r:embed="rId2"/>
+          <a:stretch>
+            <a:fillRect/>
+          </a:stretch>
+        </p:blipFill>
+        <p:spPr>
+          <a:xfrm>
+            <a:off x="3458817" y="484632"/>
+            <a:ext cx="8285061" cy="5724144"/>
+          </a:xfrm>
+          <a:prstGeom prst="rect">
+            <a:avLst/>
+          </a:prstGeom>
+        </p:spPr>
+      </p:pic>
     </p:spTree>
+    <p:extLst>
+      <p:ext uri="{BB962C8B-B14F-4D97-AF65-F5344CB8AC3E}">
+        <p14:creationId xmlns:p14="http://schemas.microsoft.com/office/powerpoint/2010/main" val="1287711753"/>
+      </p:ext>
+    </p:extLst>
   </p:cSld>
   <p:clrMapOvr>
     <a:masterClrMapping/>
   </p:clrMapOvr>
-  <p:transition>
-    <p:wipe dir="d"/>
-  </p:transition>
 </p:sld>
 </file>
 
@@ -9506,7 +9410,13 @@
       </p:grpSpPr>
       <p:sp>
         <p:nvSpPr>
-          <p:cNvPr id="2" name="Title 1"/>
+          <p:cNvPr id="2" name="Title 1">
+            <a:extLst>
+              <a:ext uri="{FF2B5EF4-FFF2-40B4-BE49-F238E27FC236}">
+                <a16:creationId xmlns:a16="http://schemas.microsoft.com/office/drawing/2014/main" id="{C70F12E7-C1E6-42D8-B666-CD4860839D3E}"/>
+              </a:ext>
+            </a:extLst>
+          </p:cNvPr>
           <p:cNvSpPr>
             <a:spLocks noGrp="1"/>
           </p:cNvSpPr>
@@ -9516,71 +9426,156 @@
         </p:nvSpPr>
         <p:spPr/>
         <p:txBody>
-          <a:bodyPr>
-            <a:normAutofit/>
-          </a:bodyPr>
-          <a:lstStyle/>
-          <a:p>
-            <a:r>
-              <a:rPr lang="en-US" sz="2800" dirty="0">
-                <a:solidFill>
-                  <a:srgbClr val="C00000"/>
-                </a:solidFill>
-                <a:latin typeface="Informal Roman" pitchFamily="66" charset="0"/>
-              </a:rPr>
-              <a:t>CONCLUSION</a:t>
-            </a:r>
-          </a:p>
-        </p:txBody>
-      </p:sp>
-      <p:sp>
-        <p:nvSpPr>
-          <p:cNvPr id="3" name="Content Placeholder 2"/>
-          <p:cNvSpPr>
-            <a:spLocks noGrp="1"/>
-          </p:cNvSpPr>
+          <a:bodyPr/>
+          <a:lstStyle/>
+          <a:p>
+            <a:r>
+              <a:rPr lang="en-US" dirty="0"/>
+              <a:t>Student registration form</a:t>
+            </a:r>
+            <a:endParaRPr lang="en-IN" dirty="0"/>
+          </a:p>
+        </p:txBody>
+      </p:sp>
+      <p:pic>
+        <p:nvPicPr>
+          <p:cNvPr id="5" name="Content Placeholder 4">
+            <a:extLst>
+              <a:ext uri="{FF2B5EF4-FFF2-40B4-BE49-F238E27FC236}">
+                <a16:creationId xmlns:a16="http://schemas.microsoft.com/office/drawing/2014/main" id="{1C47B7D7-7DE0-4FB7-8AC6-58B85348895F}"/>
+              </a:ext>
+            </a:extLst>
+          </p:cNvPr>
+          <p:cNvPicPr>
+            <a:picLocks noGrp="1" noChangeAspect="1"/>
+          </p:cNvPicPr>
           <p:nvPr>
             <p:ph idx="1"/>
           </p:nvPr>
-        </p:nvSpPr>
-        <p:spPr/>
-        <p:txBody>
-          <a:bodyPr>
-            <a:normAutofit/>
-          </a:bodyPr>
-          <a:lstStyle/>
-          <a:p>
-            <a:r>
-              <a:rPr lang="en-US" b="1" dirty="0"/>
-              <a:t>DevOps</a:t>
-            </a:r>
-            <a:r>
-              <a:rPr lang="en-US" dirty="0"/>
-              <a:t> is helping businesses in a tremendous way. </a:t>
-            </a:r>
-          </a:p>
-          <a:p>
-            <a:r>
-              <a:rPr lang="en-US" dirty="0"/>
-              <a:t>It's bridging the gap between developers' need for change and operations' resist to change and thus creates a smooth path for Continuous Development and Continuous Integration.</a:t>
-            </a:r>
-          </a:p>
-          <a:p>
-            <a:r>
-              <a:rPr lang="en-US" dirty="0"/>
-              <a:t>The point is to start somewhere and make small, meaningful changes. Measure the results and keep iterating. Take advantage of the same tools and workflows that dev and ops are using.</a:t>
-            </a:r>
-          </a:p>
-        </p:txBody>
-      </p:sp>
+        </p:nvPicPr>
+        <p:blipFill>
+          <a:blip r:embed="rId2">
+            <a:extLst>
+              <a:ext uri="{28A0092B-C50C-407E-A947-70E740481C1C}">
+                <a14:useLocalDpi xmlns:a14="http://schemas.microsoft.com/office/drawing/2010/main" val="0"/>
+              </a:ext>
+            </a:extLst>
+          </a:blip>
+          <a:stretch>
+            <a:fillRect/>
+          </a:stretch>
+        </p:blipFill>
+        <p:spPr>
+          <a:xfrm>
+            <a:off x="502298" y="1380931"/>
+            <a:ext cx="11123645" cy="5111944"/>
+          </a:xfrm>
+        </p:spPr>
+      </p:pic>
     </p:spTree>
+    <p:extLst>
+      <p:ext uri="{BB962C8B-B14F-4D97-AF65-F5344CB8AC3E}">
+        <p14:creationId xmlns:p14="http://schemas.microsoft.com/office/powerpoint/2010/main" val="2852981947"/>
+      </p:ext>
+    </p:extLst>
   </p:cSld>
   <p:clrMapOvr>
     <a:masterClrMapping/>
   </p:clrMapOvr>
-  <p:transition>
-    <p:wipe/>
-  </p:transition>
+</p:sld>
+</file>
+
+<file path=ppt/slides/slide19.xml><?xml version="1.0" encoding="utf-8"?>
+<p:sld xmlns:a="http://schemas.openxmlformats.org/drawingml/2006/main" xmlns:r="http://schemas.openxmlformats.org/officeDocument/2006/relationships" xmlns:p="http://schemas.openxmlformats.org/presentationml/2006/main">
+  <p:cSld>
+    <p:spTree>
+      <p:nvGrpSpPr>
+        <p:cNvPr id="1" name=""/>
+        <p:cNvGrpSpPr/>
+        <p:nvPr/>
+      </p:nvGrpSpPr>
+      <p:grpSpPr>
+        <a:xfrm>
+          <a:off x="0" y="0"/>
+          <a:ext cx="0" cy="0"/>
+          <a:chOff x="0" y="0"/>
+          <a:chExt cx="0" cy="0"/>
+        </a:xfrm>
+      </p:grpSpPr>
+      <p:sp>
+        <p:nvSpPr>
+          <p:cNvPr id="2" name="Title 1">
+            <a:extLst>
+              <a:ext uri="{FF2B5EF4-FFF2-40B4-BE49-F238E27FC236}">
+                <a16:creationId xmlns:a16="http://schemas.microsoft.com/office/drawing/2014/main" id="{8B114291-022A-4DCC-B815-5D0F72728AE3}"/>
+              </a:ext>
+            </a:extLst>
+          </p:cNvPr>
+          <p:cNvSpPr>
+            <a:spLocks noGrp="1"/>
+          </p:cNvSpPr>
+          <p:nvPr>
+            <p:ph type="title"/>
+          </p:nvPr>
+        </p:nvSpPr>
+        <p:spPr/>
+        <p:txBody>
+          <a:bodyPr/>
+          <a:lstStyle/>
+          <a:p>
+            <a:r>
+              <a:rPr lang="en-US" dirty="0"/>
+              <a:t>output</a:t>
+            </a:r>
+            <a:endParaRPr lang="en-IN" dirty="0"/>
+          </a:p>
+        </p:txBody>
+      </p:sp>
+      <p:pic>
+        <p:nvPicPr>
+          <p:cNvPr id="5" name="Content Placeholder 4">
+            <a:extLst>
+              <a:ext uri="{FF2B5EF4-FFF2-40B4-BE49-F238E27FC236}">
+                <a16:creationId xmlns:a16="http://schemas.microsoft.com/office/drawing/2014/main" id="{69F76EF1-7735-4FCD-B244-10D7F77C937A}"/>
+              </a:ext>
+            </a:extLst>
+          </p:cNvPr>
+          <p:cNvPicPr>
+            <a:picLocks noGrp="1" noChangeAspect="1"/>
+          </p:cNvPicPr>
+          <p:nvPr>
+            <p:ph idx="1"/>
+          </p:nvPr>
+        </p:nvPicPr>
+        <p:blipFill>
+          <a:blip r:embed="rId2">
+            <a:extLst>
+              <a:ext uri="{28A0092B-C50C-407E-A947-70E740481C1C}">
+                <a14:useLocalDpi xmlns:a14="http://schemas.microsoft.com/office/drawing/2010/main" val="0"/>
+              </a:ext>
+            </a:extLst>
+          </a:blip>
+          <a:stretch>
+            <a:fillRect/>
+          </a:stretch>
+        </p:blipFill>
+        <p:spPr>
+          <a:xfrm>
+            <a:off x="838200" y="1334278"/>
+            <a:ext cx="9853126" cy="5416989"/>
+          </a:xfrm>
+        </p:spPr>
+      </p:pic>
+    </p:spTree>
+    <p:extLst>
+      <p:ext uri="{BB962C8B-B14F-4D97-AF65-F5344CB8AC3E}">
+        <p14:creationId xmlns:p14="http://schemas.microsoft.com/office/powerpoint/2010/main" val="3597403581"/>
+      </p:ext>
+    </p:extLst>
+  </p:cSld>
+  <p:clrMapOvr>
+    <a:masterClrMapping/>
+  </p:clrMapOvr>
 </p:sld>
 </file>
 
@@ -9603,6 +9598,184 @@
       </p:grpSpPr>
       <p:sp>
         <p:nvSpPr>
+          <p:cNvPr id="2" name="Title 1">
+            <a:extLst>
+              <a:ext uri="{FF2B5EF4-FFF2-40B4-BE49-F238E27FC236}">
+                <a16:creationId xmlns:a16="http://schemas.microsoft.com/office/drawing/2014/main" id="{9F68D1E7-5D55-4807-B812-3A354266E738}"/>
+              </a:ext>
+            </a:extLst>
+          </p:cNvPr>
+          <p:cNvSpPr>
+            <a:spLocks noGrp="1"/>
+          </p:cNvSpPr>
+          <p:nvPr>
+            <p:ph type="title"/>
+          </p:nvPr>
+        </p:nvSpPr>
+        <p:spPr/>
+        <p:txBody>
+          <a:bodyPr/>
+          <a:lstStyle/>
+          <a:p>
+            <a:r>
+              <a:rPr lang="en-US" dirty="0"/>
+              <a:t>                                project</a:t>
+            </a:r>
+            <a:endParaRPr lang="en-IN" dirty="0"/>
+          </a:p>
+        </p:txBody>
+      </p:sp>
+      <p:sp>
+        <p:nvSpPr>
+          <p:cNvPr id="3" name="Content Placeholder 2">
+            <a:extLst>
+              <a:ext uri="{FF2B5EF4-FFF2-40B4-BE49-F238E27FC236}">
+                <a16:creationId xmlns:a16="http://schemas.microsoft.com/office/drawing/2014/main" id="{CD0738FE-7AA8-4E0A-B0A5-9672C833A632}"/>
+              </a:ext>
+            </a:extLst>
+          </p:cNvPr>
+          <p:cNvSpPr>
+            <a:spLocks noGrp="1"/>
+          </p:cNvSpPr>
+          <p:nvPr>
+            <p:ph idx="1"/>
+          </p:nvPr>
+        </p:nvSpPr>
+        <p:spPr>
+          <a:xfrm>
+            <a:off x="838200" y="1690688"/>
+            <a:ext cx="10515600" cy="4906055"/>
+          </a:xfrm>
+        </p:spPr>
+        <p:txBody>
+          <a:bodyPr>
+            <a:normAutofit lnSpcReduction="10000"/>
+          </a:bodyPr>
+          <a:lstStyle/>
+          <a:p>
+            <a:pPr marL="0" indent="0">
+              <a:buNone/>
+            </a:pPr>
+            <a:r>
+              <a:rPr lang="en-US" dirty="0"/>
+              <a:t>                                   3-TIER  ARCHITECHTURE</a:t>
+            </a:r>
+          </a:p>
+          <a:p>
+            <a:pPr marL="0" indent="0">
+              <a:buNone/>
+            </a:pPr>
+            <a:r>
+              <a:rPr lang="en-US" dirty="0"/>
+              <a:t>                                                       WITH </a:t>
+            </a:r>
+          </a:p>
+          <a:p>
+            <a:pPr marL="0" indent="0">
+              <a:buNone/>
+            </a:pPr>
+            <a:r>
+              <a:rPr lang="en-US" dirty="0"/>
+              <a:t>                                     AUTOMATIC CI/CD PROCESS </a:t>
+            </a:r>
+          </a:p>
+          <a:p>
+            <a:pPr marL="0" indent="0">
+              <a:buNone/>
+            </a:pPr>
+            <a:r>
+              <a:rPr lang="en-US" dirty="0"/>
+              <a:t>                                                             DESINGED BY </a:t>
+            </a:r>
+          </a:p>
+          <a:p>
+            <a:pPr marL="0" indent="0">
+              <a:buNone/>
+            </a:pPr>
+            <a:r>
+              <a:rPr lang="en-US" dirty="0"/>
+              <a:t>                                                                              SAI SIVA</a:t>
+            </a:r>
+          </a:p>
+          <a:p>
+            <a:pPr marL="0" indent="0">
+              <a:buNone/>
+            </a:pPr>
+            <a:r>
+              <a:rPr lang="en-US" dirty="0"/>
+              <a:t>                                                                              DEEPAK</a:t>
+            </a:r>
+          </a:p>
+          <a:p>
+            <a:pPr marL="0" indent="0">
+              <a:buNone/>
+            </a:pPr>
+            <a:r>
+              <a:rPr lang="en-US" dirty="0"/>
+              <a:t>                                                                               ABHISHEK</a:t>
+            </a:r>
+          </a:p>
+          <a:p>
+            <a:pPr marL="0" indent="0">
+              <a:buNone/>
+            </a:pPr>
+            <a:r>
+              <a:rPr lang="en-US" dirty="0"/>
+              <a:t>                                                                               SUDHEER KUMAR</a:t>
+            </a:r>
+          </a:p>
+          <a:p>
+            <a:pPr marL="0" indent="0">
+              <a:buNone/>
+            </a:pPr>
+            <a:r>
+              <a:rPr lang="en-US" dirty="0"/>
+              <a:t>                                                                               LOKESH</a:t>
+            </a:r>
+          </a:p>
+          <a:p>
+            <a:pPr marL="0" indent="0">
+              <a:buNone/>
+            </a:pPr>
+            <a:r>
+              <a:rPr lang="en-US" dirty="0"/>
+              <a:t>                                                                             </a:t>
+            </a:r>
+          </a:p>
+        </p:txBody>
+      </p:sp>
+    </p:spTree>
+    <p:extLst>
+      <p:ext uri="{BB962C8B-B14F-4D97-AF65-F5344CB8AC3E}">
+        <p14:creationId xmlns:p14="http://schemas.microsoft.com/office/powerpoint/2010/main" val="4211396433"/>
+      </p:ext>
+    </p:extLst>
+  </p:cSld>
+  <p:clrMapOvr>
+    <a:masterClrMapping/>
+  </p:clrMapOvr>
+</p:sld>
+</file>
+
+<file path=ppt/slides/slide20.xml><?xml version="1.0" encoding="utf-8"?>
+<p:sld xmlns:a="http://schemas.openxmlformats.org/drawingml/2006/main" xmlns:r="http://schemas.openxmlformats.org/officeDocument/2006/relationships" xmlns:p="http://schemas.openxmlformats.org/presentationml/2006/main">
+  <p:cSld>
+    <p:spTree>
+      <p:nvGrpSpPr>
+        <p:cNvPr id="1" name=""/>
+        <p:cNvGrpSpPr/>
+        <p:nvPr/>
+      </p:nvGrpSpPr>
+      <p:grpSpPr>
+        <a:xfrm>
+          <a:off x="0" y="0"/>
+          <a:ext cx="0" cy="0"/>
+          <a:chOff x="0" y="0"/>
+          <a:chExt cx="0" cy="0"/>
+        </a:xfrm>
+      </p:grpSpPr>
+      <p:sp>
+        <p:nvSpPr>
           <p:cNvPr id="2" name="Title 1"/>
           <p:cNvSpPr>
             <a:spLocks noGrp="1"/>
@@ -9623,7 +9796,7 @@
                 </a:solidFill>
                 <a:latin typeface="Informal Roman" pitchFamily="66" charset="0"/>
               </a:rPr>
-              <a:t>Abstract</a:t>
+              <a:t>System Requirements</a:t>
             </a:r>
           </a:p>
         </p:txBody>
@@ -9638,10 +9811,15 @@
             <p:ph idx="1"/>
           </p:nvPr>
         </p:nvSpPr>
-        <p:spPr/>
+        <p:spPr>
+          <a:xfrm>
+            <a:off x="1981200" y="1600200"/>
+            <a:ext cx="8229600" cy="4972072"/>
+          </a:xfrm>
+        </p:spPr>
         <p:txBody>
           <a:bodyPr>
-            <a:normAutofit/>
+            <a:normAutofit lnSpcReduction="10000"/>
           </a:bodyPr>
           <a:lstStyle/>
           <a:p>
@@ -9651,12 +9829,53 @@
               </a:lnSpc>
             </a:pPr>
             <a:r>
+              <a:rPr lang="en-IN" sz="2000" b="1" dirty="0">
+                <a:latin typeface="Times New Roman" pitchFamily="18" charset="0"/>
+                <a:cs typeface="Times New Roman" pitchFamily="18" charset="0"/>
+              </a:rPr>
+              <a:t>Hardware Requirements</a:t>
+            </a:r>
+          </a:p>
+          <a:p>
+            <a:pPr lvl="2" algn="just">
+              <a:lnSpc>
+                <a:spcPct val="150000"/>
+              </a:lnSpc>
+            </a:pPr>
+            <a:r>
               <a:rPr lang="en-IN" sz="2000" dirty="0">
                 <a:latin typeface="Times New Roman" pitchFamily="18" charset="0"/>
-                <a:ea typeface="Tahoma" pitchFamily="34" charset="0"/>
                 <a:cs typeface="Times New Roman" pitchFamily="18" charset="0"/>
               </a:rPr>
-              <a:t>3-Tier  Architecture with automatic CI/CD build process is a end to end build and deployment process.</a:t>
+              <a:t>Processor		:	2VCPU’s</a:t>
+            </a:r>
+          </a:p>
+          <a:p>
+            <a:pPr lvl="2" algn="just">
+              <a:lnSpc>
+                <a:spcPct val="150000"/>
+              </a:lnSpc>
+            </a:pPr>
+            <a:r>
+              <a:rPr lang="en-IN" sz="2000" dirty="0">
+                <a:latin typeface="Times New Roman" pitchFamily="18" charset="0"/>
+                <a:cs typeface="Times New Roman" pitchFamily="18" charset="0"/>
+              </a:rPr>
+              <a:t>RAM			:	4 GB</a:t>
+            </a:r>
+          </a:p>
+          <a:p>
+            <a:pPr lvl="2" algn="just">
+              <a:lnSpc>
+                <a:spcPct val="150000"/>
+              </a:lnSpc>
+            </a:pPr>
+            <a:r>
+              <a:rPr lang="en-IN" sz="2000" dirty="0">
+                <a:latin typeface="Times New Roman" pitchFamily="18" charset="0"/>
+                <a:cs typeface="Times New Roman" pitchFamily="18" charset="0"/>
+              </a:rPr>
+              <a:t>HDD			:	10 GB</a:t>
             </a:r>
           </a:p>
           <a:p>
@@ -9666,16 +9885,15 @@
               </a:lnSpc>
             </a:pPr>
             <a:r>
-              <a:rPr lang="en-IN" sz="2000" dirty="0">
+              <a:rPr lang="en-IN" sz="2000" b="1" dirty="0">
                 <a:latin typeface="Times New Roman" pitchFamily="18" charset="0"/>
-                <a:ea typeface="Tahoma" pitchFamily="34" charset="0"/>
                 <a:cs typeface="Times New Roman" pitchFamily="18" charset="0"/>
               </a:rPr>
-              <a:t>Main aim of this project is to build and deploy application in 3-Tier Architecture .</a:t>
-            </a:r>
-          </a:p>
-          <a:p>
-            <a:pPr algn="just">
+              <a:t>Software Requirements</a:t>
+            </a:r>
+          </a:p>
+          <a:p>
+            <a:pPr lvl="2" algn="just">
               <a:lnSpc>
                 <a:spcPct val="150000"/>
               </a:lnSpc>
@@ -9683,31 +9901,75 @@
             <a:r>
               <a:rPr lang="en-IN" sz="2000" dirty="0">
                 <a:latin typeface="Times New Roman" pitchFamily="18" charset="0"/>
-                <a:ea typeface="Tahoma" pitchFamily="34" charset="0"/>
                 <a:cs typeface="Times New Roman" pitchFamily="18" charset="0"/>
               </a:rPr>
-              <a:t>The Special thing about this project is end to end automation of deploying war file into the tomcat servers using CI-CD DevOps tools.</a:t>
-            </a:r>
-          </a:p>
-          <a:p>
-            <a:pPr algn="just">
+              <a:t>Operating System	:	Linux/ Windows</a:t>
+            </a:r>
+          </a:p>
+          <a:p>
+            <a:pPr lvl="2" algn="just">
               <a:lnSpc>
                 <a:spcPct val="150000"/>
               </a:lnSpc>
             </a:pPr>
             <a:r>
-              <a:rPr lang="en-US" sz="2000" dirty="0">
+              <a:rPr lang="en-IN" sz="2000" dirty="0">
                 <a:latin typeface="Times New Roman" pitchFamily="18" charset="0"/>
-                <a:ea typeface="Tahoma" pitchFamily="34" charset="0"/>
                 <a:cs typeface="Times New Roman" pitchFamily="18" charset="0"/>
               </a:rPr>
-              <a:t>DevOps is a conceptual framework for reintegrating development and operations of Information Systems.</a:t>
-            </a:r>
-            <a:endParaRPr lang="en-IN" sz="2000" dirty="0">
-              <a:latin typeface="Times New Roman" pitchFamily="18" charset="0"/>
-              <a:ea typeface="Tahoma" pitchFamily="34" charset="0"/>
-              <a:cs typeface="Times New Roman" pitchFamily="18" charset="0"/>
-            </a:endParaRPr>
+              <a:t>Front End code		:	HTML</a:t>
+            </a:r>
+          </a:p>
+          <a:p>
+            <a:pPr lvl="2" algn="just">
+              <a:lnSpc>
+                <a:spcPct val="150000"/>
+              </a:lnSpc>
+            </a:pPr>
+            <a:r>
+              <a:rPr lang="en-IN" sz="2000" dirty="0">
+                <a:latin typeface="Times New Roman" pitchFamily="18" charset="0"/>
+                <a:cs typeface="Times New Roman" pitchFamily="18" charset="0"/>
+              </a:rPr>
+              <a:t>Backend code                 :             JAVA</a:t>
+            </a:r>
+          </a:p>
+          <a:p>
+            <a:pPr lvl="2" algn="just">
+              <a:lnSpc>
+                <a:spcPct val="150000"/>
+              </a:lnSpc>
+            </a:pPr>
+            <a:r>
+              <a:rPr lang="en-IN" sz="2000" dirty="0">
+                <a:latin typeface="Times New Roman" pitchFamily="18" charset="0"/>
+                <a:cs typeface="Times New Roman" pitchFamily="18" charset="0"/>
+              </a:rPr>
+              <a:t>Server			:	Apache Tomcat 8.0</a:t>
+            </a:r>
+          </a:p>
+          <a:p>
+            <a:pPr lvl="2" algn="just">
+              <a:lnSpc>
+                <a:spcPct val="150000"/>
+              </a:lnSpc>
+            </a:pPr>
+            <a:r>
+              <a:rPr lang="en-IN" sz="2000" dirty="0">
+                <a:latin typeface="Times New Roman" pitchFamily="18" charset="0"/>
+                <a:cs typeface="Times New Roman" pitchFamily="18" charset="0"/>
+              </a:rPr>
+              <a:t>Database		:	MariaDB</a:t>
+            </a:r>
+          </a:p>
+          <a:p>
+            <a:pPr marL="914400" lvl="2" indent="0" algn="just">
+              <a:lnSpc>
+                <a:spcPct val="150000"/>
+              </a:lnSpc>
+              <a:buNone/>
+            </a:pPr>
+            <a:endParaRPr lang="en-IN" dirty="0"/>
           </a:p>
         </p:txBody>
       </p:sp>
@@ -9718,6 +9980,103 @@
   </p:clrMapOvr>
   <p:transition>
     <p:wipe dir="d"/>
+  </p:transition>
+</p:sld>
+</file>
+
+<file path=ppt/slides/slide21.xml><?xml version="1.0" encoding="utf-8"?>
+<p:sld xmlns:a="http://schemas.openxmlformats.org/drawingml/2006/main" xmlns:r="http://schemas.openxmlformats.org/officeDocument/2006/relationships" xmlns:p="http://schemas.openxmlformats.org/presentationml/2006/main">
+  <p:cSld>
+    <p:spTree>
+      <p:nvGrpSpPr>
+        <p:cNvPr id="1" name=""/>
+        <p:cNvGrpSpPr/>
+        <p:nvPr/>
+      </p:nvGrpSpPr>
+      <p:grpSpPr>
+        <a:xfrm>
+          <a:off x="0" y="0"/>
+          <a:ext cx="0" cy="0"/>
+          <a:chOff x="0" y="0"/>
+          <a:chExt cx="0" cy="0"/>
+        </a:xfrm>
+      </p:grpSpPr>
+      <p:sp>
+        <p:nvSpPr>
+          <p:cNvPr id="2" name="Title 1"/>
+          <p:cNvSpPr>
+            <a:spLocks noGrp="1"/>
+          </p:cNvSpPr>
+          <p:nvPr>
+            <p:ph type="title"/>
+          </p:nvPr>
+        </p:nvSpPr>
+        <p:spPr/>
+        <p:txBody>
+          <a:bodyPr>
+            <a:normAutofit/>
+          </a:bodyPr>
+          <a:lstStyle/>
+          <a:p>
+            <a:r>
+              <a:rPr lang="en-US" sz="2800" dirty="0">
+                <a:solidFill>
+                  <a:srgbClr val="C00000"/>
+                </a:solidFill>
+                <a:latin typeface="Informal Roman" pitchFamily="66" charset="0"/>
+              </a:rPr>
+              <a:t>CONCLUSION</a:t>
+            </a:r>
+          </a:p>
+        </p:txBody>
+      </p:sp>
+      <p:sp>
+        <p:nvSpPr>
+          <p:cNvPr id="3" name="Content Placeholder 2"/>
+          <p:cNvSpPr>
+            <a:spLocks noGrp="1"/>
+          </p:cNvSpPr>
+          <p:nvPr>
+            <p:ph idx="1"/>
+          </p:nvPr>
+        </p:nvSpPr>
+        <p:spPr/>
+        <p:txBody>
+          <a:bodyPr>
+            <a:normAutofit/>
+          </a:bodyPr>
+          <a:lstStyle/>
+          <a:p>
+            <a:r>
+              <a:rPr lang="en-US" b="1" dirty="0"/>
+              <a:t>DevOps</a:t>
+            </a:r>
+            <a:r>
+              <a:rPr lang="en-US" dirty="0"/>
+              <a:t> is helping businesses in a tremendous way. </a:t>
+            </a:r>
+          </a:p>
+          <a:p>
+            <a:r>
+              <a:rPr lang="en-US" dirty="0"/>
+              <a:t>It's bridging the gap between developers' need for change and operations' resist to change and thus creates a smooth path for Continuous Development and Continuous Integration.</a:t>
+            </a:r>
+          </a:p>
+          <a:p>
+            <a:r>
+              <a:rPr lang="en-US" dirty="0"/>
+              <a:t>The point is to start somewhere and make small, meaningful changes. Measure the results and keep iterating. Take advantage of the same tools and workflows that dev and ops are using.</a:t>
+            </a:r>
+          </a:p>
+        </p:txBody>
+      </p:sp>
+    </p:spTree>
+  </p:cSld>
+  <p:clrMapOvr>
+    <a:masterClrMapping/>
+  </p:clrMapOvr>
+  <p:transition>
+    <p:wipe/>
   </p:transition>
 </p:sld>
 </file>
@@ -9761,7 +10120,7 @@
                 </a:solidFill>
                 <a:latin typeface="Informal Roman" pitchFamily="66" charset="0"/>
               </a:rPr>
-              <a:t>Existing System</a:t>
+              <a:t>Abstract</a:t>
             </a:r>
           </a:p>
         </p:txBody>
@@ -9791,9 +10150,10 @@
             <a:r>
               <a:rPr lang="en-IN" sz="2000" dirty="0">
                 <a:latin typeface="Times New Roman" pitchFamily="18" charset="0"/>
+                <a:ea typeface="Tahoma" pitchFamily="34" charset="0"/>
                 <a:cs typeface="Times New Roman" pitchFamily="18" charset="0"/>
               </a:rPr>
-              <a:t>The current system of the project is manually deploying the builds to the DEV, QA and PROD environments.</a:t>
+              <a:t>3-Tier  Architecture with automatic CI/CD build process is a end to end build and deployment process.</a:t>
             </a:r>
           </a:p>
           <a:p>
@@ -9805,9 +10165,10 @@
             <a:r>
               <a:rPr lang="en-IN" sz="2000" dirty="0">
                 <a:latin typeface="Times New Roman" pitchFamily="18" charset="0"/>
+                <a:ea typeface="Tahoma" pitchFamily="34" charset="0"/>
                 <a:cs typeface="Times New Roman" pitchFamily="18" charset="0"/>
               </a:rPr>
-              <a:t>Because of manual deployments there will be chance to have human errors.</a:t>
+              <a:t>Main aim of this project is to build and deploy application in 3-Tier Architecture .</a:t>
             </a:r>
           </a:p>
           <a:p>
@@ -9819,10 +10180,31 @@
             <a:r>
               <a:rPr lang="en-IN" sz="2000" dirty="0">
                 <a:latin typeface="Times New Roman" pitchFamily="18" charset="0"/>
+                <a:ea typeface="Tahoma" pitchFamily="34" charset="0"/>
                 <a:cs typeface="Times New Roman" pitchFamily="18" charset="0"/>
               </a:rPr>
-              <a:t>In this system users hit the Jenkins job and that automates the building and deploying of the code.</a:t>
-            </a:r>
+              <a:t>The Special thing about this project is end to end automation of deploying war file into the tomcat servers using CI-CD DevOps tools.</a:t>
+            </a:r>
+          </a:p>
+          <a:p>
+            <a:pPr algn="just">
+              <a:lnSpc>
+                <a:spcPct val="150000"/>
+              </a:lnSpc>
+            </a:pPr>
+            <a:r>
+              <a:rPr lang="en-US" sz="2000" dirty="0">
+                <a:latin typeface="Times New Roman" pitchFamily="18" charset="0"/>
+                <a:ea typeface="Tahoma" pitchFamily="34" charset="0"/>
+                <a:cs typeface="Times New Roman" pitchFamily="18" charset="0"/>
+              </a:rPr>
+              <a:t>DevOps is a conceptual framework for reintegrating development and operations of Information Systems.</a:t>
+            </a:r>
+            <a:endParaRPr lang="en-IN" sz="2000" dirty="0">
+              <a:latin typeface="Times New Roman" pitchFamily="18" charset="0"/>
+              <a:ea typeface="Tahoma" pitchFamily="34" charset="0"/>
+              <a:cs typeface="Times New Roman" pitchFamily="18" charset="0"/>
+            </a:endParaRPr>
           </a:p>
         </p:txBody>
       </p:sp>
@@ -9832,7 +10214,7 @@
     <a:masterClrMapping/>
   </p:clrMapOvr>
   <p:transition>
-    <p:wipe/>
+    <p:wipe dir="d"/>
   </p:transition>
 </p:sld>
 </file>
@@ -9876,7 +10258,7 @@
                 </a:solidFill>
                 <a:latin typeface="Informal Roman" pitchFamily="66" charset="0"/>
               </a:rPr>
-              <a:t>Proposed System</a:t>
+              <a:t>Existing System</a:t>
             </a:r>
           </a:p>
         </p:txBody>
@@ -9908,7 +10290,7 @@
                 <a:latin typeface="Times New Roman" pitchFamily="18" charset="0"/>
                 <a:cs typeface="Times New Roman" pitchFamily="18" charset="0"/>
               </a:rPr>
-              <a:t>The proposed system is end-to-end automation with DevOps Tools.</a:t>
+              <a:t>The current system of the project is manually deploying the builds to the DEV, QA and PROD environments.</a:t>
             </a:r>
           </a:p>
           <a:p>
@@ -9922,7 +10304,7 @@
                 <a:latin typeface="Times New Roman" pitchFamily="18" charset="0"/>
                 <a:cs typeface="Times New Roman" pitchFamily="18" charset="0"/>
               </a:rPr>
-              <a:t>This system makes the users to work with Agile Methodology more efficiently.</a:t>
+              <a:t>Because of manual deployments there will be chance to have human errors.</a:t>
             </a:r>
           </a:p>
           <a:p>
@@ -9936,27 +10318,8 @@
                 <a:latin typeface="Times New Roman" pitchFamily="18" charset="0"/>
                 <a:cs typeface="Times New Roman" pitchFamily="18" charset="0"/>
               </a:rPr>
-              <a:t>It also reduce the work of developers to troubleshoot the deployment issues and focus on code. </a:t>
-            </a:r>
-          </a:p>
-          <a:p>
-            <a:pPr algn="just">
-              <a:lnSpc>
-                <a:spcPct val="150000"/>
-              </a:lnSpc>
-            </a:pPr>
-            <a:r>
-              <a:rPr lang="en-IN" sz="2000" dirty="0">
-                <a:latin typeface="Times New Roman" pitchFamily="18" charset="0"/>
-                <a:ea typeface="Tahoma" pitchFamily="34" charset="0"/>
-                <a:cs typeface="Times New Roman" pitchFamily="18" charset="0"/>
-              </a:rPr>
-              <a:t>Main aim of this project is to build and deploy application in 3-Tier Architecture with automatic CI/CD build process.</a:t>
-            </a:r>
-            <a:endParaRPr lang="en-IN" sz="2000" dirty="0">
-              <a:latin typeface="Times New Roman" pitchFamily="18" charset="0"/>
-              <a:cs typeface="Times New Roman" pitchFamily="18" charset="0"/>
-            </a:endParaRPr>
+              <a:t>In this system users hit the Jenkins job and that automates the building and deploying of the code.</a:t>
+            </a:r>
           </a:p>
         </p:txBody>
       </p:sp>
@@ -9966,7 +10329,7 @@
     <a:masterClrMapping/>
   </p:clrMapOvr>
   <p:transition>
-    <p:wipe dir="u"/>
+    <p:wipe/>
   </p:transition>
 </p:sld>
 </file>
@@ -9990,13 +10353,7 @@
       </p:grpSpPr>
       <p:sp>
         <p:nvSpPr>
-          <p:cNvPr id="2" name="Title 1">
-            <a:extLst>
-              <a:ext uri="{FF2B5EF4-FFF2-40B4-BE49-F238E27FC236}">
-                <a16:creationId xmlns:a16="http://schemas.microsoft.com/office/drawing/2014/main" id="{EDDE57FC-D268-4B59-8A09-E3F54498288A}"/>
-              </a:ext>
-            </a:extLst>
-          </p:cNvPr>
+          <p:cNvPr id="2" name="Title 1"/>
           <p:cNvSpPr>
             <a:spLocks noGrp="1"/>
           </p:cNvSpPr>
@@ -10010,21 +10367,20 @@
           <a:lstStyle/>
           <a:p>
             <a:r>
-              <a:rPr lang="en-US" dirty="0"/>
-              <a:t>Tools Used</a:t>
-            </a:r>
-          </a:p>
-        </p:txBody>
-      </p:sp>
-      <p:sp>
-        <p:nvSpPr>
-          <p:cNvPr id="3" name="Content Placeholder 2">
-            <a:extLst>
-              <a:ext uri="{FF2B5EF4-FFF2-40B4-BE49-F238E27FC236}">
-                <a16:creationId xmlns:a16="http://schemas.microsoft.com/office/drawing/2014/main" id="{FD66ECE9-792C-4F55-9BA9-F68CC8E327DB}"/>
-              </a:ext>
-            </a:extLst>
-          </p:cNvPr>
+              <a:rPr lang="en-IN" b="1" dirty="0">
+                <a:solidFill>
+                  <a:srgbClr val="C00000"/>
+                </a:solidFill>
+                <a:latin typeface="Informal Roman" pitchFamily="66" charset="0"/>
+              </a:rPr>
+              <a:t>Proposed System</a:t>
+            </a:r>
+          </a:p>
+        </p:txBody>
+      </p:sp>
+      <p:sp>
+        <p:nvSpPr>
+          <p:cNvPr id="3" name="Content Placeholder 2"/>
           <p:cNvSpPr>
             <a:spLocks noGrp="1"/>
           </p:cNvSpPr>
@@ -10034,63 +10390,81 @@
         </p:nvSpPr>
         <p:spPr/>
         <p:txBody>
-          <a:bodyPr/>
-          <a:lstStyle/>
-          <a:p>
-            <a:r>
-              <a:rPr lang="en-US" dirty="0"/>
-              <a:t>GitHub</a:t>
-            </a:r>
-          </a:p>
-          <a:p>
-            <a:r>
-              <a:rPr lang="en-US" dirty="0"/>
-              <a:t>Maven</a:t>
-            </a:r>
-          </a:p>
-          <a:p>
-            <a:r>
-              <a:rPr lang="en-US" dirty="0"/>
-              <a:t>Jenkins</a:t>
-            </a:r>
-          </a:p>
-          <a:p>
-            <a:r>
-              <a:rPr lang="en-US" dirty="0"/>
-              <a:t>Nexus</a:t>
-            </a:r>
-          </a:p>
-          <a:p>
-            <a:r>
-              <a:rPr lang="en-US" dirty="0"/>
-              <a:t>Apache Tomcat server</a:t>
-            </a:r>
-          </a:p>
-          <a:p>
-            <a:r>
-              <a:rPr lang="en-US" dirty="0"/>
-              <a:t>Apache Web Server</a:t>
-            </a:r>
-          </a:p>
-          <a:p>
-            <a:r>
-              <a:rPr lang="en-US" dirty="0" err="1"/>
-              <a:t>Mariadb</a:t>
-            </a:r>
-            <a:endParaRPr lang="en-US" dirty="0"/>
+          <a:bodyPr>
+            <a:normAutofit/>
+          </a:bodyPr>
+          <a:lstStyle/>
+          <a:p>
+            <a:pPr algn="just">
+              <a:lnSpc>
+                <a:spcPct val="150000"/>
+              </a:lnSpc>
+            </a:pPr>
+            <a:r>
+              <a:rPr lang="en-IN" sz="2000" dirty="0">
+                <a:latin typeface="Times New Roman" pitchFamily="18" charset="0"/>
+                <a:cs typeface="Times New Roman" pitchFamily="18" charset="0"/>
+              </a:rPr>
+              <a:t>The proposed system is end-to-end automation with DevOps Tools.</a:t>
+            </a:r>
+          </a:p>
+          <a:p>
+            <a:pPr algn="just">
+              <a:lnSpc>
+                <a:spcPct val="150000"/>
+              </a:lnSpc>
+            </a:pPr>
+            <a:r>
+              <a:rPr lang="en-IN" sz="2000" dirty="0">
+                <a:latin typeface="Times New Roman" pitchFamily="18" charset="0"/>
+                <a:cs typeface="Times New Roman" pitchFamily="18" charset="0"/>
+              </a:rPr>
+              <a:t>This system makes the users to work with Agile Methodology more efficiently.</a:t>
+            </a:r>
+          </a:p>
+          <a:p>
+            <a:pPr algn="just">
+              <a:lnSpc>
+                <a:spcPct val="150000"/>
+              </a:lnSpc>
+            </a:pPr>
+            <a:r>
+              <a:rPr lang="en-IN" sz="2000" dirty="0">
+                <a:latin typeface="Times New Roman" pitchFamily="18" charset="0"/>
+                <a:cs typeface="Times New Roman" pitchFamily="18" charset="0"/>
+              </a:rPr>
+              <a:t>It also reduce the work of developers to troubleshoot the deployment issues and focus on code. </a:t>
+            </a:r>
+          </a:p>
+          <a:p>
+            <a:pPr algn="just">
+              <a:lnSpc>
+                <a:spcPct val="150000"/>
+              </a:lnSpc>
+            </a:pPr>
+            <a:r>
+              <a:rPr lang="en-IN" sz="2000" dirty="0">
+                <a:latin typeface="Times New Roman" pitchFamily="18" charset="0"/>
+                <a:ea typeface="Tahoma" pitchFamily="34" charset="0"/>
+                <a:cs typeface="Times New Roman" pitchFamily="18" charset="0"/>
+              </a:rPr>
+              <a:t>Main aim of this project is to build and deploy application in 3-Tier Architecture with automatic CI/CD build process.</a:t>
+            </a:r>
+            <a:endParaRPr lang="en-IN" sz="2000" dirty="0">
+              <a:latin typeface="Times New Roman" pitchFamily="18" charset="0"/>
+              <a:cs typeface="Times New Roman" pitchFamily="18" charset="0"/>
+            </a:endParaRPr>
           </a:p>
         </p:txBody>
       </p:sp>
     </p:spTree>
-    <p:extLst>
-      <p:ext uri="{BB962C8B-B14F-4D97-AF65-F5344CB8AC3E}">
-        <p14:creationId xmlns:p14="http://schemas.microsoft.com/office/powerpoint/2010/main" val="4072300721"/>
-      </p:ext>
-    </p:extLst>
   </p:cSld>
   <p:clrMapOvr>
     <a:masterClrMapping/>
   </p:clrMapOvr>
+  <p:transition>
+    <p:wipe dir="u"/>
+  </p:transition>
 </p:sld>
 </file>
 
@@ -10127,9 +10501,16 @@
             <p:ph type="title"/>
           </p:nvPr>
         </p:nvSpPr>
-        <p:spPr/>
-        <p:txBody>
-          <a:bodyPr/>
+        <p:spPr>
+          <a:xfrm>
+            <a:off x="371670" y="138672"/>
+            <a:ext cx="10470501" cy="645100"/>
+          </a:xfrm>
+        </p:spPr>
+        <p:txBody>
+          <a:bodyPr>
+            <a:normAutofit fontScale="90000"/>
+          </a:bodyPr>
           <a:lstStyle/>
           <a:p>
             <a:r>
@@ -10163,7 +10544,7 @@
         </p:blipFill>
         <p:spPr>
           <a:xfrm>
-            <a:off x="4041517" y="1690688"/>
+            <a:off x="1558843" y="2280812"/>
             <a:ext cx="3011685" cy="969348"/>
           </a:xfrm>
           <a:prstGeom prst="rect">
@@ -10193,7 +10574,7 @@
         </p:blipFill>
         <p:spPr>
           <a:xfrm>
-            <a:off x="4041517" y="3231197"/>
+            <a:off x="1558843" y="3836377"/>
             <a:ext cx="3011685" cy="963251"/>
           </a:xfrm>
           <a:prstGeom prst="rect">
@@ -10223,7 +10604,7 @@
         </p:blipFill>
         <p:spPr>
           <a:xfrm>
-            <a:off x="4041517" y="4846498"/>
+            <a:off x="4570528" y="5572659"/>
             <a:ext cx="3011685" cy="969348"/>
           </a:xfrm>
           <a:prstGeom prst="rect">
@@ -10245,7 +10626,7 @@
         </p:nvSpPr>
         <p:spPr>
           <a:xfrm>
-            <a:off x="4041517" y="2813538"/>
+            <a:off x="1699533" y="3333780"/>
             <a:ext cx="3337526" cy="369332"/>
           </a:xfrm>
           <a:prstGeom prst="rect">
@@ -10287,7 +10668,7 @@
         </p:blipFill>
         <p:spPr>
           <a:xfrm>
-            <a:off x="4722470" y="4295529"/>
+            <a:off x="2271625" y="4892026"/>
             <a:ext cx="1255885" cy="493819"/>
           </a:xfrm>
           <a:prstGeom prst="rect">
@@ -10297,10 +10678,10 @@
       </p:pic>
       <p:cxnSp>
         <p:nvCxnSpPr>
-          <p:cNvPr id="9" name="Straight Arrow Connector 8">
-            <a:extLst>
-              <a:ext uri="{FF2B5EF4-FFF2-40B4-BE49-F238E27FC236}">
-                <a16:creationId xmlns:a16="http://schemas.microsoft.com/office/drawing/2014/main" id="{75901006-B2C1-497A-9352-3F758997D82F}"/>
+          <p:cNvPr id="11" name="Straight Arrow Connector 10">
+            <a:extLst>
+              <a:ext uri="{FF2B5EF4-FFF2-40B4-BE49-F238E27FC236}">
+                <a16:creationId xmlns:a16="http://schemas.microsoft.com/office/drawing/2014/main" id="{0D4711B5-626F-47F5-9157-08F4871179F7}"/>
               </a:ext>
             </a:extLst>
           </p:cNvPr>
@@ -10311,8 +10692,8 @@
         </p:nvCxnSpPr>
         <p:spPr>
           <a:xfrm>
-            <a:off x="4722470" y="2660036"/>
-            <a:ext cx="0" cy="615462"/>
+            <a:off x="2035253" y="3250160"/>
+            <a:ext cx="0" cy="586217"/>
           </a:xfrm>
           <a:prstGeom prst="straightConnector1">
             <a:avLst/>
@@ -10338,10 +10719,10 @@
       </p:cxnSp>
       <p:cxnSp>
         <p:nvCxnSpPr>
-          <p:cNvPr id="11" name="Straight Arrow Connector 10">
-            <a:extLst>
-              <a:ext uri="{FF2B5EF4-FFF2-40B4-BE49-F238E27FC236}">
-                <a16:creationId xmlns:a16="http://schemas.microsoft.com/office/drawing/2014/main" id="{0D4711B5-626F-47F5-9157-08F4871179F7}"/>
+          <p:cNvPr id="18" name="Straight Arrow Connector 17">
+            <a:extLst>
+              <a:ext uri="{FF2B5EF4-FFF2-40B4-BE49-F238E27FC236}">
+                <a16:creationId xmlns:a16="http://schemas.microsoft.com/office/drawing/2014/main" id="{E5F0F6D0-CC79-4FF9-957B-7C9830E8B537}"/>
               </a:ext>
             </a:extLst>
           </p:cNvPr>
@@ -10351,89 +10732,9 @@
           <p:nvPr/>
         </p:nvCxnSpPr>
         <p:spPr>
-          <a:xfrm>
-            <a:off x="4722470" y="4194448"/>
-            <a:ext cx="0" cy="652050"/>
-          </a:xfrm>
-          <a:prstGeom prst="straightConnector1">
-            <a:avLst/>
-          </a:prstGeom>
-          <a:ln>
-            <a:tailEnd type="triangle"/>
-          </a:ln>
-        </p:spPr>
-        <p:style>
-          <a:lnRef idx="3">
-            <a:schemeClr val="dk1"/>
-          </a:lnRef>
-          <a:fillRef idx="0">
-            <a:schemeClr val="dk1"/>
-          </a:fillRef>
-          <a:effectRef idx="2">
-            <a:schemeClr val="dk1"/>
-          </a:effectRef>
-          <a:fontRef idx="minor">
-            <a:schemeClr val="tx1"/>
-          </a:fontRef>
-        </p:style>
-      </p:cxnSp>
-      <p:cxnSp>
-        <p:nvCxnSpPr>
-          <p:cNvPr id="13" name="Straight Arrow Connector 12">
-            <a:extLst>
-              <a:ext uri="{FF2B5EF4-FFF2-40B4-BE49-F238E27FC236}">
-                <a16:creationId xmlns:a16="http://schemas.microsoft.com/office/drawing/2014/main" id="{67F6554F-B200-4F69-B27C-280635BE7B0F}"/>
-              </a:ext>
-            </a:extLst>
-          </p:cNvPr>
-          <p:cNvCxnSpPr>
-            <a:cxnSpLocks/>
-          </p:cNvCxnSpPr>
-          <p:nvPr/>
-        </p:nvCxnSpPr>
-        <p:spPr>
           <a:xfrm flipV="1">
-            <a:off x="6096000" y="4194448"/>
-            <a:ext cx="0" cy="652051"/>
-          </a:xfrm>
-          <a:prstGeom prst="straightConnector1">
-            <a:avLst/>
-          </a:prstGeom>
-          <a:ln>
-            <a:tailEnd type="triangle"/>
-          </a:ln>
-        </p:spPr>
-        <p:style>
-          <a:lnRef idx="1">
-            <a:schemeClr val="accent1"/>
-          </a:lnRef>
-          <a:fillRef idx="0">
-            <a:schemeClr val="accent1"/>
-          </a:fillRef>
-          <a:effectRef idx="0">
-            <a:schemeClr val="accent1"/>
-          </a:effectRef>
-          <a:fontRef idx="minor">
-            <a:schemeClr val="tx1"/>
-          </a:fontRef>
-        </p:style>
-      </p:cxnSp>
-      <p:cxnSp>
-        <p:nvCxnSpPr>
-          <p:cNvPr id="18" name="Straight Arrow Connector 17">
-            <a:extLst>
-              <a:ext uri="{FF2B5EF4-FFF2-40B4-BE49-F238E27FC236}">
-                <a16:creationId xmlns:a16="http://schemas.microsoft.com/office/drawing/2014/main" id="{E5F0F6D0-CC79-4FF9-957B-7C9830E8B537}"/>
-              </a:ext>
-            </a:extLst>
-          </p:cNvPr>
-          <p:cNvCxnSpPr/>
-          <p:nvPr/>
-        </p:nvCxnSpPr>
-        <p:spPr>
-          <a:xfrm flipV="1">
-            <a:off x="6096000" y="3975651"/>
-            <a:ext cx="0" cy="993914"/>
+            <a:off x="8008776" y="3232865"/>
+            <a:ext cx="0" cy="571161"/>
           </a:xfrm>
           <a:prstGeom prst="straightConnector1">
             <a:avLst/>
@@ -10473,7 +10774,7 @@
         </p:nvCxnSpPr>
         <p:spPr>
           <a:xfrm flipV="1">
-            <a:off x="6098345" y="2660036"/>
+            <a:off x="4204231" y="3250160"/>
             <a:ext cx="0" cy="571161"/>
           </a:xfrm>
           <a:prstGeom prst="straightConnector1">
@@ -10492,6 +10793,986 @@
           </a:fillRef>
           <a:effectRef idx="0">
             <a:schemeClr val="accent1"/>
+          </a:effectRef>
+          <a:fontRef idx="minor">
+            <a:schemeClr val="tx1"/>
+          </a:fontRef>
+        </p:style>
+      </p:cxnSp>
+      <p:pic>
+        <p:nvPicPr>
+          <p:cNvPr id="17" name="Content Placeholder 3">
+            <a:extLst>
+              <a:ext uri="{FF2B5EF4-FFF2-40B4-BE49-F238E27FC236}">
+                <a16:creationId xmlns:a16="http://schemas.microsoft.com/office/drawing/2014/main" id="{82D66934-965B-4AA2-82FD-C643564438A3}"/>
+              </a:ext>
+            </a:extLst>
+          </p:cNvPr>
+          <p:cNvPicPr>
+            <a:picLocks noChangeAspect="1"/>
+          </p:cNvPicPr>
+          <p:nvPr/>
+        </p:nvPicPr>
+        <p:blipFill>
+          <a:blip r:embed="rId2"/>
+          <a:stretch>
+            <a:fillRect/>
+          </a:stretch>
+        </p:blipFill>
+        <p:spPr>
+          <a:xfrm>
+            <a:off x="7582211" y="2280812"/>
+            <a:ext cx="3011685" cy="969348"/>
+          </a:xfrm>
+          <a:prstGeom prst="rect">
+            <a:avLst/>
+          </a:prstGeom>
+        </p:spPr>
+      </p:pic>
+      <p:pic>
+        <p:nvPicPr>
+          <p:cNvPr id="20" name="Picture 19">
+            <a:extLst>
+              <a:ext uri="{FF2B5EF4-FFF2-40B4-BE49-F238E27FC236}">
+                <a16:creationId xmlns:a16="http://schemas.microsoft.com/office/drawing/2014/main" id="{000148ED-D6D6-4862-9EC6-02E164C8EFEC}"/>
+              </a:ext>
+            </a:extLst>
+          </p:cNvPr>
+          <p:cNvPicPr>
+            <a:picLocks noChangeAspect="1"/>
+          </p:cNvPicPr>
+          <p:nvPr/>
+        </p:nvPicPr>
+        <p:blipFill>
+          <a:blip r:embed="rId3"/>
+          <a:stretch>
+            <a:fillRect/>
+          </a:stretch>
+        </p:blipFill>
+        <p:spPr>
+          <a:xfrm>
+            <a:off x="7582212" y="3836377"/>
+            <a:ext cx="3011685" cy="963251"/>
+          </a:xfrm>
+          <a:prstGeom prst="rect">
+            <a:avLst/>
+          </a:prstGeom>
+        </p:spPr>
+      </p:pic>
+      <p:sp>
+        <p:nvSpPr>
+          <p:cNvPr id="10" name="Rectangle 9">
+            <a:extLst>
+              <a:ext uri="{FF2B5EF4-FFF2-40B4-BE49-F238E27FC236}">
+                <a16:creationId xmlns:a16="http://schemas.microsoft.com/office/drawing/2014/main" id="{64B79D99-6CBF-48B3-B5B8-2B98F7EA92EC}"/>
+              </a:ext>
+            </a:extLst>
+          </p:cNvPr>
+          <p:cNvSpPr/>
+          <p:nvPr/>
+        </p:nvSpPr>
+        <p:spPr>
+          <a:xfrm>
+            <a:off x="4570516" y="1073021"/>
+            <a:ext cx="3005941" cy="842562"/>
+          </a:xfrm>
+          <a:prstGeom prst="rect">
+            <a:avLst/>
+          </a:prstGeom>
+        </p:spPr>
+        <p:style>
+          <a:lnRef idx="2">
+            <a:schemeClr val="accent1">
+              <a:shade val="50000"/>
+            </a:schemeClr>
+          </a:lnRef>
+          <a:fillRef idx="1">
+            <a:schemeClr val="accent1"/>
+          </a:fillRef>
+          <a:effectRef idx="0">
+            <a:schemeClr val="accent1"/>
+          </a:effectRef>
+          <a:fontRef idx="minor">
+            <a:schemeClr val="lt1"/>
+          </a:fontRef>
+        </p:style>
+        <p:txBody>
+          <a:bodyPr rtlCol="0" anchor="ctr"/>
+          <a:lstStyle/>
+          <a:p>
+            <a:pPr algn="ctr"/>
+            <a:r>
+              <a:rPr lang="en-US" dirty="0"/>
+              <a:t>Load Balancer</a:t>
+            </a:r>
+            <a:endParaRPr lang="en-IN" dirty="0"/>
+          </a:p>
+          <a:p>
+            <a:pPr algn="ctr"/>
+            <a:r>
+              <a:rPr lang="en-IN" dirty="0"/>
+              <a:t>(Ha Proxy)</a:t>
+            </a:r>
+            <a:endParaRPr lang="en-US" dirty="0"/>
+          </a:p>
+        </p:txBody>
+      </p:sp>
+      <p:cxnSp>
+        <p:nvCxnSpPr>
+          <p:cNvPr id="23" name="Straight Arrow Connector 22">
+            <a:extLst>
+              <a:ext uri="{FF2B5EF4-FFF2-40B4-BE49-F238E27FC236}">
+                <a16:creationId xmlns:a16="http://schemas.microsoft.com/office/drawing/2014/main" id="{4F8113BE-D55C-4E7B-8E6B-DBA18EB4D2D1}"/>
+              </a:ext>
+            </a:extLst>
+          </p:cNvPr>
+          <p:cNvCxnSpPr>
+            <a:cxnSpLocks/>
+          </p:cNvCxnSpPr>
+          <p:nvPr/>
+        </p:nvCxnSpPr>
+        <p:spPr>
+          <a:xfrm>
+            <a:off x="10221310" y="3250160"/>
+            <a:ext cx="0" cy="586217"/>
+          </a:xfrm>
+          <a:prstGeom prst="straightConnector1">
+            <a:avLst/>
+          </a:prstGeom>
+          <a:ln>
+            <a:tailEnd type="triangle"/>
+          </a:ln>
+        </p:spPr>
+        <p:style>
+          <a:lnRef idx="3">
+            <a:schemeClr val="dk1"/>
+          </a:lnRef>
+          <a:fillRef idx="0">
+            <a:schemeClr val="dk1"/>
+          </a:fillRef>
+          <a:effectRef idx="2">
+            <a:schemeClr val="dk1"/>
+          </a:effectRef>
+          <a:fontRef idx="minor">
+            <a:schemeClr val="tx1"/>
+          </a:fontRef>
+        </p:style>
+      </p:cxnSp>
+      <p:pic>
+        <p:nvPicPr>
+          <p:cNvPr id="25" name="Picture 24">
+            <a:extLst>
+              <a:ext uri="{FF2B5EF4-FFF2-40B4-BE49-F238E27FC236}">
+                <a16:creationId xmlns:a16="http://schemas.microsoft.com/office/drawing/2014/main" id="{5634C4D4-E2BA-40EA-8B3F-649B89CBDB80}"/>
+              </a:ext>
+            </a:extLst>
+          </p:cNvPr>
+          <p:cNvPicPr>
+            <a:picLocks noChangeAspect="1"/>
+          </p:cNvPicPr>
+          <p:nvPr/>
+        </p:nvPicPr>
+        <p:blipFill>
+          <a:blip r:embed="rId5"/>
+          <a:stretch>
+            <a:fillRect/>
+          </a:stretch>
+        </p:blipFill>
+        <p:spPr>
+          <a:xfrm>
+            <a:off x="8460110" y="4892026"/>
+            <a:ext cx="1255885" cy="493819"/>
+          </a:xfrm>
+          <a:prstGeom prst="rect">
+            <a:avLst/>
+          </a:prstGeom>
+        </p:spPr>
+      </p:pic>
+      <p:cxnSp>
+        <p:nvCxnSpPr>
+          <p:cNvPr id="28" name="Connector: Elbow 27">
+            <a:extLst>
+              <a:ext uri="{FF2B5EF4-FFF2-40B4-BE49-F238E27FC236}">
+                <a16:creationId xmlns:a16="http://schemas.microsoft.com/office/drawing/2014/main" id="{F61C9B6B-72C6-4146-B87F-3B907063E820}"/>
+              </a:ext>
+            </a:extLst>
+          </p:cNvPr>
+          <p:cNvCxnSpPr>
+            <a:cxnSpLocks/>
+          </p:cNvCxnSpPr>
+          <p:nvPr/>
+        </p:nvCxnSpPr>
+        <p:spPr>
+          <a:xfrm>
+            <a:off x="1940755" y="4799628"/>
+            <a:ext cx="2629761" cy="1257705"/>
+          </a:xfrm>
+          <a:prstGeom prst="bentConnector3">
+            <a:avLst>
+              <a:gd name="adj1" fmla="val -28"/>
+            </a:avLst>
+          </a:prstGeom>
+          <a:ln>
+            <a:tailEnd type="triangle"/>
+          </a:ln>
+        </p:spPr>
+        <p:style>
+          <a:lnRef idx="1">
+            <a:schemeClr val="dk1"/>
+          </a:lnRef>
+          <a:fillRef idx="0">
+            <a:schemeClr val="dk1"/>
+          </a:fillRef>
+          <a:effectRef idx="0">
+            <a:schemeClr val="dk1"/>
+          </a:effectRef>
+          <a:fontRef idx="minor">
+            <a:schemeClr val="tx1"/>
+          </a:fontRef>
+        </p:style>
+      </p:cxnSp>
+      <p:cxnSp>
+        <p:nvCxnSpPr>
+          <p:cNvPr id="48" name="Connector: Elbow 47">
+            <a:extLst>
+              <a:ext uri="{FF2B5EF4-FFF2-40B4-BE49-F238E27FC236}">
+                <a16:creationId xmlns:a16="http://schemas.microsoft.com/office/drawing/2014/main" id="{7EB4FAC1-4A11-4DCB-82A0-EF24CA1D9151}"/>
+              </a:ext>
+            </a:extLst>
+          </p:cNvPr>
+          <p:cNvCxnSpPr>
+            <a:cxnSpLocks/>
+          </p:cNvCxnSpPr>
+          <p:nvPr/>
+        </p:nvCxnSpPr>
+        <p:spPr>
+          <a:xfrm rot="16200000" flipV="1">
+            <a:off x="3878167" y="5125694"/>
+            <a:ext cx="1018414" cy="366284"/>
+          </a:xfrm>
+          <a:prstGeom prst="bentConnector3">
+            <a:avLst>
+              <a:gd name="adj1" fmla="val -2223"/>
+            </a:avLst>
+          </a:prstGeom>
+          <a:ln>
+            <a:tailEnd type="triangle"/>
+          </a:ln>
+        </p:spPr>
+        <p:style>
+          <a:lnRef idx="1">
+            <a:schemeClr val="accent1"/>
+          </a:lnRef>
+          <a:fillRef idx="0">
+            <a:schemeClr val="accent1"/>
+          </a:fillRef>
+          <a:effectRef idx="0">
+            <a:schemeClr val="accent1"/>
+          </a:effectRef>
+          <a:fontRef idx="minor">
+            <a:schemeClr val="tx1"/>
+          </a:fontRef>
+        </p:style>
+      </p:cxnSp>
+      <p:cxnSp>
+        <p:nvCxnSpPr>
+          <p:cNvPr id="60" name="Connector: Elbow 59">
+            <a:extLst>
+              <a:ext uri="{FF2B5EF4-FFF2-40B4-BE49-F238E27FC236}">
+                <a16:creationId xmlns:a16="http://schemas.microsoft.com/office/drawing/2014/main" id="{C597A5AB-9F1B-4DC6-AA5E-92124ED70380}"/>
+              </a:ext>
+            </a:extLst>
+          </p:cNvPr>
+          <p:cNvCxnSpPr>
+            <a:cxnSpLocks/>
+          </p:cNvCxnSpPr>
+          <p:nvPr/>
+        </p:nvCxnSpPr>
+        <p:spPr>
+          <a:xfrm rot="5400000" flipH="1" flipV="1">
+            <a:off x="7346444" y="5014090"/>
+            <a:ext cx="867594" cy="438670"/>
+          </a:xfrm>
+          <a:prstGeom prst="bentConnector3">
+            <a:avLst>
+              <a:gd name="adj1" fmla="val -19905"/>
+            </a:avLst>
+          </a:prstGeom>
+          <a:ln>
+            <a:tailEnd type="triangle"/>
+          </a:ln>
+        </p:spPr>
+        <p:style>
+          <a:lnRef idx="1">
+            <a:schemeClr val="accent1"/>
+          </a:lnRef>
+          <a:fillRef idx="0">
+            <a:schemeClr val="accent1"/>
+          </a:fillRef>
+          <a:effectRef idx="0">
+            <a:schemeClr val="accent1"/>
+          </a:effectRef>
+          <a:fontRef idx="minor">
+            <a:schemeClr val="tx1"/>
+          </a:fontRef>
+        </p:style>
+      </p:cxnSp>
+      <p:cxnSp>
+        <p:nvCxnSpPr>
+          <p:cNvPr id="66" name="Connector: Elbow 65">
+            <a:extLst>
+              <a:ext uri="{FF2B5EF4-FFF2-40B4-BE49-F238E27FC236}">
+                <a16:creationId xmlns:a16="http://schemas.microsoft.com/office/drawing/2014/main" id="{5A3C2C55-A866-4EDF-BAE1-DC3D2603B754}"/>
+              </a:ext>
+            </a:extLst>
+          </p:cNvPr>
+          <p:cNvCxnSpPr>
+            <a:cxnSpLocks/>
+            <a:endCxn id="6" idx="3"/>
+          </p:cNvCxnSpPr>
+          <p:nvPr/>
+        </p:nvCxnSpPr>
+        <p:spPr>
+          <a:xfrm rot="10800000" flipV="1">
+            <a:off x="7582214" y="4784571"/>
+            <a:ext cx="2639097" cy="1272761"/>
+          </a:xfrm>
+          <a:prstGeom prst="bentConnector3">
+            <a:avLst>
+              <a:gd name="adj1" fmla="val 149"/>
+            </a:avLst>
+          </a:prstGeom>
+          <a:ln>
+            <a:tailEnd type="triangle"/>
+          </a:ln>
+        </p:spPr>
+        <p:style>
+          <a:lnRef idx="1">
+            <a:schemeClr val="dk1"/>
+          </a:lnRef>
+          <a:fillRef idx="0">
+            <a:schemeClr val="dk1"/>
+          </a:fillRef>
+          <a:effectRef idx="0">
+            <a:schemeClr val="dk1"/>
+          </a:effectRef>
+          <a:fontRef idx="minor">
+            <a:schemeClr val="tx1"/>
+          </a:fontRef>
+        </p:style>
+      </p:cxnSp>
+      <p:cxnSp>
+        <p:nvCxnSpPr>
+          <p:cNvPr id="73" name="Connector: Elbow 72">
+            <a:extLst>
+              <a:ext uri="{FF2B5EF4-FFF2-40B4-BE49-F238E27FC236}">
+                <a16:creationId xmlns:a16="http://schemas.microsoft.com/office/drawing/2014/main" id="{1ACEB243-56F3-4D42-BDD2-6146330FF091}"/>
+              </a:ext>
+            </a:extLst>
+          </p:cNvPr>
+          <p:cNvCxnSpPr>
+            <a:cxnSpLocks/>
+            <a:endCxn id="10" idx="1"/>
+          </p:cNvCxnSpPr>
+          <p:nvPr/>
+        </p:nvCxnSpPr>
+        <p:spPr>
+          <a:xfrm rot="5400000" flipH="1" flipV="1">
+            <a:off x="3976842" y="1721692"/>
+            <a:ext cx="821063" cy="366285"/>
+          </a:xfrm>
+          <a:prstGeom prst="bentConnector2">
+            <a:avLst/>
+          </a:prstGeom>
+          <a:ln>
+            <a:tailEnd type="triangle"/>
+          </a:ln>
+        </p:spPr>
+        <p:style>
+          <a:lnRef idx="1">
+            <a:schemeClr val="accent1"/>
+          </a:lnRef>
+          <a:fillRef idx="0">
+            <a:schemeClr val="accent1"/>
+          </a:fillRef>
+          <a:effectRef idx="0">
+            <a:schemeClr val="accent1"/>
+          </a:effectRef>
+          <a:fontRef idx="minor">
+            <a:schemeClr val="tx1"/>
+          </a:fontRef>
+        </p:style>
+      </p:cxnSp>
+      <p:cxnSp>
+        <p:nvCxnSpPr>
+          <p:cNvPr id="77" name="Connector: Elbow 76">
+            <a:extLst>
+              <a:ext uri="{FF2B5EF4-FFF2-40B4-BE49-F238E27FC236}">
+                <a16:creationId xmlns:a16="http://schemas.microsoft.com/office/drawing/2014/main" id="{E8D1D247-202D-4394-8846-B724A97DDD82}"/>
+              </a:ext>
+            </a:extLst>
+          </p:cNvPr>
+          <p:cNvCxnSpPr>
+            <a:cxnSpLocks/>
+            <a:endCxn id="10" idx="3"/>
+          </p:cNvCxnSpPr>
+          <p:nvPr/>
+        </p:nvCxnSpPr>
+        <p:spPr>
+          <a:xfrm rot="16200000" flipV="1">
+            <a:off x="7394762" y="1675997"/>
+            <a:ext cx="786510" cy="423120"/>
+          </a:xfrm>
+          <a:prstGeom prst="bentConnector2">
+            <a:avLst/>
+          </a:prstGeom>
+          <a:ln>
+            <a:tailEnd type="triangle"/>
+          </a:ln>
+        </p:spPr>
+        <p:style>
+          <a:lnRef idx="1">
+            <a:schemeClr val="accent1"/>
+          </a:lnRef>
+          <a:fillRef idx="0">
+            <a:schemeClr val="accent1"/>
+          </a:fillRef>
+          <a:effectRef idx="0">
+            <a:schemeClr val="accent1"/>
+          </a:effectRef>
+          <a:fontRef idx="minor">
+            <a:schemeClr val="tx1"/>
+          </a:fontRef>
+        </p:style>
+      </p:cxnSp>
+      <p:cxnSp>
+        <p:nvCxnSpPr>
+          <p:cNvPr id="81" name="Connector: Elbow 80">
+            <a:extLst>
+              <a:ext uri="{FF2B5EF4-FFF2-40B4-BE49-F238E27FC236}">
+                <a16:creationId xmlns:a16="http://schemas.microsoft.com/office/drawing/2014/main" id="{7AC91306-7EEF-4A60-A473-E8B0DCB0D79B}"/>
+              </a:ext>
+            </a:extLst>
+          </p:cNvPr>
+          <p:cNvCxnSpPr>
+            <a:cxnSpLocks/>
+          </p:cNvCxnSpPr>
+          <p:nvPr/>
+        </p:nvCxnSpPr>
+        <p:spPr>
+          <a:xfrm rot="10800000" flipV="1">
+            <a:off x="2035254" y="1261344"/>
+            <a:ext cx="2535277" cy="1004412"/>
+          </a:xfrm>
+          <a:prstGeom prst="bentConnector3">
+            <a:avLst>
+              <a:gd name="adj1" fmla="val 100052"/>
+            </a:avLst>
+          </a:prstGeom>
+          <a:ln>
+            <a:tailEnd type="triangle"/>
+          </a:ln>
+        </p:spPr>
+        <p:style>
+          <a:lnRef idx="1">
+            <a:schemeClr val="dk1"/>
+          </a:lnRef>
+          <a:fillRef idx="0">
+            <a:schemeClr val="dk1"/>
+          </a:fillRef>
+          <a:effectRef idx="0">
+            <a:schemeClr val="dk1"/>
+          </a:effectRef>
+          <a:fontRef idx="minor">
+            <a:schemeClr val="tx1"/>
+          </a:fontRef>
+        </p:style>
+      </p:cxnSp>
+      <p:cxnSp>
+        <p:nvCxnSpPr>
+          <p:cNvPr id="86" name="Connector: Elbow 85">
+            <a:extLst>
+              <a:ext uri="{FF2B5EF4-FFF2-40B4-BE49-F238E27FC236}">
+                <a16:creationId xmlns:a16="http://schemas.microsoft.com/office/drawing/2014/main" id="{0C388C2F-60D8-4146-9CA0-5C7A05286FB2}"/>
+              </a:ext>
+            </a:extLst>
+          </p:cNvPr>
+          <p:cNvCxnSpPr>
+            <a:cxnSpLocks/>
+          </p:cNvCxnSpPr>
+          <p:nvPr/>
+        </p:nvCxnSpPr>
+        <p:spPr>
+          <a:xfrm>
+            <a:off x="7576445" y="1261345"/>
+            <a:ext cx="2644865" cy="1004411"/>
+          </a:xfrm>
+          <a:prstGeom prst="bentConnector3">
+            <a:avLst>
+              <a:gd name="adj1" fmla="val 99742"/>
+            </a:avLst>
+          </a:prstGeom>
+          <a:ln>
+            <a:tailEnd type="triangle"/>
+          </a:ln>
+        </p:spPr>
+        <p:style>
+          <a:lnRef idx="1">
+            <a:schemeClr val="dk1"/>
+          </a:lnRef>
+          <a:fillRef idx="0">
+            <a:schemeClr val="dk1"/>
+          </a:fillRef>
+          <a:effectRef idx="0">
+            <a:schemeClr val="dk1"/>
+          </a:effectRef>
+          <a:fontRef idx="minor">
+            <a:schemeClr val="tx1"/>
+          </a:fontRef>
+        </p:style>
+      </p:cxnSp>
+      <p:sp>
+        <p:nvSpPr>
+          <p:cNvPr id="98" name="TextBox 97">
+            <a:extLst>
+              <a:ext uri="{FF2B5EF4-FFF2-40B4-BE49-F238E27FC236}">
+                <a16:creationId xmlns:a16="http://schemas.microsoft.com/office/drawing/2014/main" id="{822FC708-32D9-424F-B405-E5CD9DB73F68}"/>
+              </a:ext>
+            </a:extLst>
+          </p:cNvPr>
+          <p:cNvSpPr txBox="1"/>
+          <p:nvPr/>
+        </p:nvSpPr>
+        <p:spPr>
+          <a:xfrm>
+            <a:off x="7788017" y="3352750"/>
+            <a:ext cx="2939139" cy="646331"/>
+          </a:xfrm>
+          <a:prstGeom prst="rect">
+            <a:avLst/>
+          </a:prstGeom>
+          <a:noFill/>
+        </p:spPr>
+        <p:txBody>
+          <a:bodyPr wrap="square" rtlCol="0">
+            <a:spAutoFit/>
+          </a:bodyPr>
+          <a:lstStyle/>
+          <a:p>
+            <a:r>
+              <a:rPr lang="en-US" dirty="0"/>
+              <a:t>Mod JK Connector (8009)</a:t>
+            </a:r>
+          </a:p>
+          <a:p>
+            <a:endParaRPr lang="en-IN" dirty="0"/>
+          </a:p>
+        </p:txBody>
+      </p:sp>
+      <p:sp>
+        <p:nvSpPr>
+          <p:cNvPr id="106" name="Rectangle: Rounded Corners 105">
+            <a:extLst>
+              <a:ext uri="{FF2B5EF4-FFF2-40B4-BE49-F238E27FC236}">
+                <a16:creationId xmlns:a16="http://schemas.microsoft.com/office/drawing/2014/main" id="{2B0C1C8C-4CC6-412B-944D-FBA630C5E3BD}"/>
+              </a:ext>
+            </a:extLst>
+          </p:cNvPr>
+          <p:cNvSpPr/>
+          <p:nvPr/>
+        </p:nvSpPr>
+        <p:spPr>
+          <a:xfrm>
+            <a:off x="5398851" y="210935"/>
+            <a:ext cx="1410511" cy="645099"/>
+          </a:xfrm>
+          <a:prstGeom prst="roundRect">
+            <a:avLst/>
+          </a:prstGeom>
+        </p:spPr>
+        <p:style>
+          <a:lnRef idx="2">
+            <a:schemeClr val="accent1">
+              <a:shade val="50000"/>
+            </a:schemeClr>
+          </a:lnRef>
+          <a:fillRef idx="1">
+            <a:schemeClr val="accent1"/>
+          </a:fillRef>
+          <a:effectRef idx="0">
+            <a:schemeClr val="accent1"/>
+          </a:effectRef>
+          <a:fontRef idx="minor">
+            <a:schemeClr val="lt1"/>
+          </a:fontRef>
+        </p:style>
+        <p:txBody>
+          <a:bodyPr rtlCol="0" anchor="ctr"/>
+          <a:lstStyle/>
+          <a:p>
+            <a:pPr algn="ctr"/>
+            <a:r>
+              <a:rPr lang="en-US" dirty="0"/>
+              <a:t>DNS</a:t>
+            </a:r>
+            <a:endParaRPr lang="en-IN" dirty="0"/>
+          </a:p>
+        </p:txBody>
+      </p:sp>
+      <p:sp>
+        <p:nvSpPr>
+          <p:cNvPr id="124" name="Arrow: Down 123">
+            <a:extLst>
+              <a:ext uri="{FF2B5EF4-FFF2-40B4-BE49-F238E27FC236}">
+                <a16:creationId xmlns:a16="http://schemas.microsoft.com/office/drawing/2014/main" id="{E6E999B1-758A-40CE-9DEB-26EDD0692ED4}"/>
+              </a:ext>
+            </a:extLst>
+          </p:cNvPr>
+          <p:cNvSpPr/>
+          <p:nvPr/>
+        </p:nvSpPr>
+        <p:spPr>
+          <a:xfrm>
+            <a:off x="5588854" y="864557"/>
+            <a:ext cx="484632" cy="208464"/>
+          </a:xfrm>
+          <a:prstGeom prst="downArrow">
+            <a:avLst/>
+          </a:prstGeom>
+        </p:spPr>
+        <p:style>
+          <a:lnRef idx="2">
+            <a:schemeClr val="dk1">
+              <a:shade val="50000"/>
+            </a:schemeClr>
+          </a:lnRef>
+          <a:fillRef idx="1">
+            <a:schemeClr val="dk1"/>
+          </a:fillRef>
+          <a:effectRef idx="0">
+            <a:schemeClr val="dk1"/>
+          </a:effectRef>
+          <a:fontRef idx="minor">
+            <a:schemeClr val="lt1"/>
+          </a:fontRef>
+        </p:style>
+        <p:txBody>
+          <a:bodyPr rtlCol="0" anchor="ctr"/>
+          <a:lstStyle/>
+          <a:p>
+            <a:pPr algn="ctr"/>
+            <a:endParaRPr lang="en-IN"/>
+          </a:p>
+        </p:txBody>
+      </p:sp>
+      <p:sp>
+        <p:nvSpPr>
+          <p:cNvPr id="125" name="Arrow: Down 124">
+            <a:extLst>
+              <a:ext uri="{FF2B5EF4-FFF2-40B4-BE49-F238E27FC236}">
+                <a16:creationId xmlns:a16="http://schemas.microsoft.com/office/drawing/2014/main" id="{BAD1C0AA-39C3-4F16-971A-96960091ED51}"/>
+              </a:ext>
+            </a:extLst>
+          </p:cNvPr>
+          <p:cNvSpPr/>
+          <p:nvPr/>
+        </p:nvSpPr>
+        <p:spPr>
+          <a:xfrm rot="10800000">
+            <a:off x="6197455" y="822916"/>
+            <a:ext cx="484632" cy="241582"/>
+          </a:xfrm>
+          <a:prstGeom prst="downArrow">
+            <a:avLst/>
+          </a:prstGeom>
+        </p:spPr>
+        <p:style>
+          <a:lnRef idx="2">
+            <a:schemeClr val="accent1">
+              <a:shade val="50000"/>
+            </a:schemeClr>
+          </a:lnRef>
+          <a:fillRef idx="1">
+            <a:schemeClr val="accent1"/>
+          </a:fillRef>
+          <a:effectRef idx="0">
+            <a:schemeClr val="accent1"/>
+          </a:effectRef>
+          <a:fontRef idx="minor">
+            <a:schemeClr val="lt1"/>
+          </a:fontRef>
+        </p:style>
+        <p:txBody>
+          <a:bodyPr rtlCol="0" anchor="ctr"/>
+          <a:lstStyle/>
+          <a:p>
+            <a:pPr algn="ctr"/>
+            <a:endParaRPr lang="en-IN"/>
+          </a:p>
+        </p:txBody>
+      </p:sp>
+      <p:sp>
+        <p:nvSpPr>
+          <p:cNvPr id="127" name="Cloud 126">
+            <a:extLst>
+              <a:ext uri="{FF2B5EF4-FFF2-40B4-BE49-F238E27FC236}">
+                <a16:creationId xmlns:a16="http://schemas.microsoft.com/office/drawing/2014/main" id="{375FB53C-0288-4FFE-A235-4548B06A3398}"/>
+              </a:ext>
+            </a:extLst>
+          </p:cNvPr>
+          <p:cNvSpPr/>
+          <p:nvPr/>
+        </p:nvSpPr>
+        <p:spPr>
+          <a:xfrm>
+            <a:off x="8630851" y="108707"/>
+            <a:ext cx="1590459" cy="914400"/>
+          </a:xfrm>
+          <a:prstGeom prst="cloud">
+            <a:avLst/>
+          </a:prstGeom>
+        </p:spPr>
+        <p:style>
+          <a:lnRef idx="2">
+            <a:schemeClr val="accent1">
+              <a:shade val="50000"/>
+            </a:schemeClr>
+          </a:lnRef>
+          <a:fillRef idx="1">
+            <a:schemeClr val="accent1"/>
+          </a:fillRef>
+          <a:effectRef idx="0">
+            <a:schemeClr val="accent1"/>
+          </a:effectRef>
+          <a:fontRef idx="minor">
+            <a:schemeClr val="lt1"/>
+          </a:fontRef>
+        </p:style>
+        <p:txBody>
+          <a:bodyPr rtlCol="0" anchor="ctr"/>
+          <a:lstStyle/>
+          <a:p>
+            <a:pPr algn="ctr"/>
+            <a:r>
+              <a:rPr lang="en-US" dirty="0"/>
+              <a:t>Internet</a:t>
+            </a:r>
+            <a:endParaRPr lang="en-IN" dirty="0"/>
+          </a:p>
+        </p:txBody>
+      </p:sp>
+      <p:cxnSp>
+        <p:nvCxnSpPr>
+          <p:cNvPr id="135" name="Straight Arrow Connector 134">
+            <a:extLst>
+              <a:ext uri="{FF2B5EF4-FFF2-40B4-BE49-F238E27FC236}">
+                <a16:creationId xmlns:a16="http://schemas.microsoft.com/office/drawing/2014/main" id="{E42860B7-11A0-4FCB-812D-92D96AD685F5}"/>
+              </a:ext>
+            </a:extLst>
+          </p:cNvPr>
+          <p:cNvCxnSpPr>
+            <a:cxnSpLocks/>
+            <a:stCxn id="106" idx="3"/>
+            <a:endCxn id="127" idx="2"/>
+          </p:cNvCxnSpPr>
+          <p:nvPr/>
+        </p:nvCxnSpPr>
+        <p:spPr>
+          <a:xfrm>
+            <a:off x="6809362" y="533485"/>
+            <a:ext cx="1826422" cy="32422"/>
+          </a:xfrm>
+          <a:prstGeom prst="straightConnector1">
+            <a:avLst/>
+          </a:prstGeom>
+          <a:ln>
+            <a:tailEnd type="triangle"/>
+          </a:ln>
+        </p:spPr>
+        <p:style>
+          <a:lnRef idx="1">
+            <a:schemeClr val="accent1"/>
+          </a:lnRef>
+          <a:fillRef idx="0">
+            <a:schemeClr val="accent1"/>
+          </a:fillRef>
+          <a:effectRef idx="0">
+            <a:schemeClr val="accent1"/>
+          </a:effectRef>
+          <a:fontRef idx="minor">
+            <a:schemeClr val="tx1"/>
+          </a:fontRef>
+        </p:style>
+      </p:cxnSp>
+      <p:cxnSp>
+        <p:nvCxnSpPr>
+          <p:cNvPr id="142" name="Straight Arrow Connector 141">
+            <a:extLst>
+              <a:ext uri="{FF2B5EF4-FFF2-40B4-BE49-F238E27FC236}">
+                <a16:creationId xmlns:a16="http://schemas.microsoft.com/office/drawing/2014/main" id="{F3D7B6A0-E9E1-4E38-8BE3-C29607FAD66E}"/>
+              </a:ext>
+            </a:extLst>
+          </p:cNvPr>
+          <p:cNvCxnSpPr>
+            <a:cxnSpLocks/>
+          </p:cNvCxnSpPr>
+          <p:nvPr/>
+        </p:nvCxnSpPr>
+        <p:spPr>
+          <a:xfrm flipH="1">
+            <a:off x="6809362" y="419399"/>
+            <a:ext cx="1948765" cy="0"/>
+          </a:xfrm>
+          <a:prstGeom prst="straightConnector1">
+            <a:avLst/>
+          </a:prstGeom>
+          <a:ln>
+            <a:tailEnd type="triangle"/>
+          </a:ln>
+        </p:spPr>
+        <p:style>
+          <a:lnRef idx="1">
+            <a:schemeClr val="dk1"/>
+          </a:lnRef>
+          <a:fillRef idx="0">
+            <a:schemeClr val="dk1"/>
+          </a:fillRef>
+          <a:effectRef idx="0">
+            <a:schemeClr val="dk1"/>
+          </a:effectRef>
+          <a:fontRef idx="minor">
+            <a:schemeClr val="tx1"/>
+          </a:fontRef>
+        </p:style>
+      </p:cxnSp>
+      <p:sp>
+        <p:nvSpPr>
+          <p:cNvPr id="147" name="Rectangle: Rounded Corners 146">
+            <a:extLst>
+              <a:ext uri="{FF2B5EF4-FFF2-40B4-BE49-F238E27FC236}">
+                <a16:creationId xmlns:a16="http://schemas.microsoft.com/office/drawing/2014/main" id="{61E91F7B-698F-4C44-AF61-1A0FE8A45688}"/>
+              </a:ext>
+            </a:extLst>
+          </p:cNvPr>
+          <p:cNvSpPr/>
+          <p:nvPr/>
+        </p:nvSpPr>
+        <p:spPr>
+          <a:xfrm>
+            <a:off x="11116562" y="108707"/>
+            <a:ext cx="914400" cy="914400"/>
+          </a:xfrm>
+          <a:prstGeom prst="roundRect">
+            <a:avLst/>
+          </a:prstGeom>
+        </p:spPr>
+        <p:style>
+          <a:lnRef idx="2">
+            <a:schemeClr val="accent1">
+              <a:shade val="50000"/>
+            </a:schemeClr>
+          </a:lnRef>
+          <a:fillRef idx="1">
+            <a:schemeClr val="accent1"/>
+          </a:fillRef>
+          <a:effectRef idx="0">
+            <a:schemeClr val="accent1"/>
+          </a:effectRef>
+          <a:fontRef idx="minor">
+            <a:schemeClr val="lt1"/>
+          </a:fontRef>
+        </p:style>
+        <p:txBody>
+          <a:bodyPr rtlCol="0" anchor="ctr"/>
+          <a:lstStyle/>
+          <a:p>
+            <a:pPr algn="ctr"/>
+            <a:r>
+              <a:rPr lang="en-US" dirty="0"/>
+              <a:t>user</a:t>
+            </a:r>
+            <a:endParaRPr lang="en-IN" dirty="0"/>
+          </a:p>
+        </p:txBody>
+      </p:sp>
+      <p:cxnSp>
+        <p:nvCxnSpPr>
+          <p:cNvPr id="149" name="Straight Arrow Connector 148">
+            <a:extLst>
+              <a:ext uri="{FF2B5EF4-FFF2-40B4-BE49-F238E27FC236}">
+                <a16:creationId xmlns:a16="http://schemas.microsoft.com/office/drawing/2014/main" id="{E066A421-F842-4486-9F02-62C7335E5EFE}"/>
+              </a:ext>
+            </a:extLst>
+          </p:cNvPr>
+          <p:cNvCxnSpPr>
+            <a:cxnSpLocks/>
+            <a:stCxn id="127" idx="0"/>
+            <a:endCxn id="147" idx="1"/>
+          </p:cNvCxnSpPr>
+          <p:nvPr/>
+        </p:nvCxnSpPr>
+        <p:spPr>
+          <a:xfrm>
+            <a:off x="10219985" y="565907"/>
+            <a:ext cx="896577" cy="0"/>
+          </a:xfrm>
+          <a:prstGeom prst="straightConnector1">
+            <a:avLst/>
+          </a:prstGeom>
+          <a:ln>
+            <a:tailEnd type="triangle"/>
+          </a:ln>
+        </p:spPr>
+        <p:style>
+          <a:lnRef idx="1">
+            <a:schemeClr val="accent1"/>
+          </a:lnRef>
+          <a:fillRef idx="0">
+            <a:schemeClr val="accent1"/>
+          </a:fillRef>
+          <a:effectRef idx="0">
+            <a:schemeClr val="accent1"/>
+          </a:effectRef>
+          <a:fontRef idx="minor">
+            <a:schemeClr val="tx1"/>
+          </a:fontRef>
+        </p:style>
+      </p:cxnSp>
+      <p:cxnSp>
+        <p:nvCxnSpPr>
+          <p:cNvPr id="153" name="Straight Arrow Connector 152">
+            <a:extLst>
+              <a:ext uri="{FF2B5EF4-FFF2-40B4-BE49-F238E27FC236}">
+                <a16:creationId xmlns:a16="http://schemas.microsoft.com/office/drawing/2014/main" id="{E4B6DB3D-E00D-4FE2-A822-B222EA6D066E}"/>
+              </a:ext>
+            </a:extLst>
+          </p:cNvPr>
+          <p:cNvCxnSpPr>
+            <a:cxnSpLocks/>
+          </p:cNvCxnSpPr>
+          <p:nvPr/>
+        </p:nvCxnSpPr>
+        <p:spPr>
+          <a:xfrm flipH="1">
+            <a:off x="10194974" y="403203"/>
+            <a:ext cx="921588" cy="0"/>
+          </a:xfrm>
+          <a:prstGeom prst="straightConnector1">
+            <a:avLst/>
+          </a:prstGeom>
+          <a:ln>
+            <a:tailEnd type="triangle"/>
+          </a:ln>
+        </p:spPr>
+        <p:style>
+          <a:lnRef idx="1">
+            <a:schemeClr val="dk1"/>
+          </a:lnRef>
+          <a:fillRef idx="0">
+            <a:schemeClr val="dk1"/>
+          </a:fillRef>
+          <a:effectRef idx="0">
+            <a:schemeClr val="dk1"/>
           </a:effectRef>
           <a:fontRef idx="minor">
             <a:schemeClr val="tx1"/>
